--- a/public/uploads/metapsy.pptx
+++ b/public/uploads/metapsy.pptx
@@ -6,6 +6,8 @@
   </p:sldMasterIdLst>
   <p:sldIdLst>
     <p:sldId id="256" r:id="rId2"/>
+    <p:sldId id="257" r:id="rId3"/>
+    <p:sldId id="258" r:id="rId4"/>
   </p:sldIdLst>
   <p:sldSz cx="12192000" cy="6858000"/>
   <p:notesSz cx="6858000" cy="9144000"/>
@@ -104,7 +106,2749 @@
       </a:defRPr>
     </a:lvl9pPr>
   </p:defaultTextStyle>
+  <p:extLst>
+    <p:ext uri="{EFAFB233-063F-42B5-8137-9DF3F51BA10A}">
+      <p15:sldGuideLst xmlns:p15="http://schemas.microsoft.com/office/powerpoint/2012/main"/>
+    </p:ext>
+  </p:extLst>
 </p:presentation>
+</file>
+
+<file path=ppt/diagrams/colors1.xml><?xml version="1.0" encoding="utf-8"?>
+<dgm:colorsDef xmlns:dgm="http://schemas.openxmlformats.org/drawingml/2006/diagram" xmlns:a="http://schemas.openxmlformats.org/drawingml/2006/main" uniqueId="urn:microsoft.com/office/officeart/2005/8/colors/accent1_2">
+  <dgm:title val=""/>
+  <dgm:desc val=""/>
+  <dgm:catLst>
+    <dgm:cat type="accent1" pri="11200"/>
+  </dgm:catLst>
+  <dgm:styleLbl name="node0">
+    <dgm:fillClrLst meth="repeat">
+      <a:schemeClr val="accent1"/>
+    </dgm:fillClrLst>
+    <dgm:linClrLst meth="repeat">
+      <a:schemeClr val="lt1"/>
+    </dgm:linClrLst>
+    <dgm:effectClrLst/>
+    <dgm:txLinClrLst/>
+    <dgm:txFillClrLst/>
+    <dgm:txEffectClrLst/>
+  </dgm:styleLbl>
+  <dgm:styleLbl name="alignNode1">
+    <dgm:fillClrLst meth="repeat">
+      <a:schemeClr val="accent1"/>
+    </dgm:fillClrLst>
+    <dgm:linClrLst meth="repeat">
+      <a:schemeClr val="accent1"/>
+    </dgm:linClrLst>
+    <dgm:effectClrLst/>
+    <dgm:txLinClrLst/>
+    <dgm:txFillClrLst/>
+    <dgm:txEffectClrLst/>
+  </dgm:styleLbl>
+  <dgm:styleLbl name="node1">
+    <dgm:fillClrLst meth="repeat">
+      <a:schemeClr val="accent1"/>
+    </dgm:fillClrLst>
+    <dgm:linClrLst meth="repeat">
+      <a:schemeClr val="lt1"/>
+    </dgm:linClrLst>
+    <dgm:effectClrLst/>
+    <dgm:txLinClrLst/>
+    <dgm:txFillClrLst/>
+    <dgm:txEffectClrLst/>
+  </dgm:styleLbl>
+  <dgm:styleLbl name="lnNode1">
+    <dgm:fillClrLst meth="repeat">
+      <a:schemeClr val="accent1"/>
+    </dgm:fillClrLst>
+    <dgm:linClrLst meth="repeat">
+      <a:schemeClr val="lt1"/>
+    </dgm:linClrLst>
+    <dgm:effectClrLst/>
+    <dgm:txLinClrLst/>
+    <dgm:txFillClrLst/>
+    <dgm:txEffectClrLst/>
+  </dgm:styleLbl>
+  <dgm:styleLbl name="vennNode1">
+    <dgm:fillClrLst meth="repeat">
+      <a:schemeClr val="accent1">
+        <a:alpha val="50000"/>
+      </a:schemeClr>
+    </dgm:fillClrLst>
+    <dgm:linClrLst meth="repeat">
+      <a:schemeClr val="lt1"/>
+    </dgm:linClrLst>
+    <dgm:effectClrLst/>
+    <dgm:txLinClrLst/>
+    <dgm:txFillClrLst/>
+    <dgm:txEffectClrLst/>
+  </dgm:styleLbl>
+  <dgm:styleLbl name="node2">
+    <dgm:fillClrLst meth="repeat">
+      <a:schemeClr val="accent1"/>
+    </dgm:fillClrLst>
+    <dgm:linClrLst meth="repeat">
+      <a:schemeClr val="lt1"/>
+    </dgm:linClrLst>
+    <dgm:effectClrLst/>
+    <dgm:txLinClrLst/>
+    <dgm:txFillClrLst/>
+    <dgm:txEffectClrLst/>
+  </dgm:styleLbl>
+  <dgm:styleLbl name="node3">
+    <dgm:fillClrLst meth="repeat">
+      <a:schemeClr val="accent1"/>
+    </dgm:fillClrLst>
+    <dgm:linClrLst meth="repeat">
+      <a:schemeClr val="lt1"/>
+    </dgm:linClrLst>
+    <dgm:effectClrLst/>
+    <dgm:txLinClrLst/>
+    <dgm:txFillClrLst/>
+    <dgm:txEffectClrLst/>
+  </dgm:styleLbl>
+  <dgm:styleLbl name="node4">
+    <dgm:fillClrLst meth="repeat">
+      <a:schemeClr val="accent1"/>
+    </dgm:fillClrLst>
+    <dgm:linClrLst meth="repeat">
+      <a:schemeClr val="lt1"/>
+    </dgm:linClrLst>
+    <dgm:effectClrLst/>
+    <dgm:txLinClrLst/>
+    <dgm:txFillClrLst/>
+    <dgm:txEffectClrLst/>
+  </dgm:styleLbl>
+  <dgm:styleLbl name="fgImgPlace1">
+    <dgm:fillClrLst meth="repeat">
+      <a:schemeClr val="accent1">
+        <a:tint val="50000"/>
+      </a:schemeClr>
+    </dgm:fillClrLst>
+    <dgm:linClrLst meth="repeat">
+      <a:schemeClr val="lt1"/>
+    </dgm:linClrLst>
+    <dgm:effectClrLst/>
+    <dgm:txLinClrLst/>
+    <dgm:txFillClrLst meth="repeat">
+      <a:schemeClr val="lt1"/>
+    </dgm:txFillClrLst>
+    <dgm:txEffectClrLst/>
+  </dgm:styleLbl>
+  <dgm:styleLbl name="alignImgPlace1">
+    <dgm:fillClrLst meth="repeat">
+      <a:schemeClr val="accent1">
+        <a:tint val="50000"/>
+      </a:schemeClr>
+    </dgm:fillClrLst>
+    <dgm:linClrLst meth="repeat">
+      <a:schemeClr val="lt1"/>
+    </dgm:linClrLst>
+    <dgm:effectClrLst/>
+    <dgm:txLinClrLst/>
+    <dgm:txFillClrLst meth="repeat">
+      <a:schemeClr val="lt1"/>
+    </dgm:txFillClrLst>
+    <dgm:txEffectClrLst/>
+  </dgm:styleLbl>
+  <dgm:styleLbl name="bgImgPlace1">
+    <dgm:fillClrLst meth="repeat">
+      <a:schemeClr val="accent1">
+        <a:tint val="50000"/>
+      </a:schemeClr>
+    </dgm:fillClrLst>
+    <dgm:linClrLst meth="repeat">
+      <a:schemeClr val="lt1"/>
+    </dgm:linClrLst>
+    <dgm:effectClrLst/>
+    <dgm:txLinClrLst/>
+    <dgm:txFillClrLst meth="repeat">
+      <a:schemeClr val="lt1"/>
+    </dgm:txFillClrLst>
+    <dgm:txEffectClrLst/>
+  </dgm:styleLbl>
+  <dgm:styleLbl name="sibTrans2D1">
+    <dgm:fillClrLst meth="repeat">
+      <a:schemeClr val="accent1">
+        <a:tint val="60000"/>
+      </a:schemeClr>
+    </dgm:fillClrLst>
+    <dgm:linClrLst meth="repeat">
+      <a:schemeClr val="accent1">
+        <a:tint val="60000"/>
+      </a:schemeClr>
+    </dgm:linClrLst>
+    <dgm:effectClrLst/>
+    <dgm:txLinClrLst/>
+    <dgm:txFillClrLst/>
+    <dgm:txEffectClrLst/>
+  </dgm:styleLbl>
+  <dgm:styleLbl name="fgSibTrans2D1">
+    <dgm:fillClrLst meth="repeat">
+      <a:schemeClr val="accent1">
+        <a:tint val="60000"/>
+      </a:schemeClr>
+    </dgm:fillClrLst>
+    <dgm:linClrLst meth="repeat">
+      <a:schemeClr val="accent1">
+        <a:tint val="60000"/>
+      </a:schemeClr>
+    </dgm:linClrLst>
+    <dgm:effectClrLst/>
+    <dgm:txLinClrLst/>
+    <dgm:txFillClrLst/>
+    <dgm:txEffectClrLst/>
+  </dgm:styleLbl>
+  <dgm:styleLbl name="bgSibTrans2D1">
+    <dgm:fillClrLst meth="repeat">
+      <a:schemeClr val="accent1">
+        <a:tint val="60000"/>
+      </a:schemeClr>
+    </dgm:fillClrLst>
+    <dgm:linClrLst meth="repeat">
+      <a:schemeClr val="accent1">
+        <a:tint val="60000"/>
+      </a:schemeClr>
+    </dgm:linClrLst>
+    <dgm:effectClrLst/>
+    <dgm:txLinClrLst/>
+    <dgm:txFillClrLst/>
+    <dgm:txEffectClrLst/>
+  </dgm:styleLbl>
+  <dgm:styleLbl name="sibTrans1D1">
+    <dgm:fillClrLst meth="repeat">
+      <a:schemeClr val="accent1"/>
+    </dgm:fillClrLst>
+    <dgm:linClrLst meth="repeat">
+      <a:schemeClr val="accent1"/>
+    </dgm:linClrLst>
+    <dgm:effectClrLst/>
+    <dgm:txLinClrLst/>
+    <dgm:txFillClrLst meth="repeat">
+      <a:schemeClr val="tx1"/>
+    </dgm:txFillClrLst>
+    <dgm:txEffectClrLst/>
+  </dgm:styleLbl>
+  <dgm:styleLbl name="callout">
+    <dgm:fillClrLst meth="repeat">
+      <a:schemeClr val="accent1"/>
+    </dgm:fillClrLst>
+    <dgm:linClrLst meth="repeat">
+      <a:schemeClr val="accent1">
+        <a:tint val="50000"/>
+      </a:schemeClr>
+    </dgm:linClrLst>
+    <dgm:effectClrLst/>
+    <dgm:txLinClrLst/>
+    <dgm:txFillClrLst meth="repeat">
+      <a:schemeClr val="tx1"/>
+    </dgm:txFillClrLst>
+    <dgm:txEffectClrLst/>
+  </dgm:styleLbl>
+  <dgm:styleLbl name="asst0">
+    <dgm:fillClrLst meth="repeat">
+      <a:schemeClr val="accent1"/>
+    </dgm:fillClrLst>
+    <dgm:linClrLst meth="repeat">
+      <a:schemeClr val="lt1"/>
+    </dgm:linClrLst>
+    <dgm:effectClrLst/>
+    <dgm:txLinClrLst/>
+    <dgm:txFillClrLst/>
+    <dgm:txEffectClrLst/>
+  </dgm:styleLbl>
+  <dgm:styleLbl name="asst1">
+    <dgm:fillClrLst meth="repeat">
+      <a:schemeClr val="accent1"/>
+    </dgm:fillClrLst>
+    <dgm:linClrLst meth="repeat">
+      <a:schemeClr val="lt1"/>
+    </dgm:linClrLst>
+    <dgm:effectClrLst/>
+    <dgm:txLinClrLst/>
+    <dgm:txFillClrLst/>
+    <dgm:txEffectClrLst/>
+  </dgm:styleLbl>
+  <dgm:styleLbl name="asst2">
+    <dgm:fillClrLst meth="repeat">
+      <a:schemeClr val="accent1"/>
+    </dgm:fillClrLst>
+    <dgm:linClrLst meth="repeat">
+      <a:schemeClr val="lt1"/>
+    </dgm:linClrLst>
+    <dgm:effectClrLst/>
+    <dgm:txLinClrLst/>
+    <dgm:txFillClrLst/>
+    <dgm:txEffectClrLst/>
+  </dgm:styleLbl>
+  <dgm:styleLbl name="asst3">
+    <dgm:fillClrLst meth="repeat">
+      <a:schemeClr val="accent1"/>
+    </dgm:fillClrLst>
+    <dgm:linClrLst meth="repeat">
+      <a:schemeClr val="lt1"/>
+    </dgm:linClrLst>
+    <dgm:effectClrLst/>
+    <dgm:txLinClrLst/>
+    <dgm:txFillClrLst/>
+    <dgm:txEffectClrLst/>
+  </dgm:styleLbl>
+  <dgm:styleLbl name="asst4">
+    <dgm:fillClrLst meth="repeat">
+      <a:schemeClr val="accent1"/>
+    </dgm:fillClrLst>
+    <dgm:linClrLst meth="repeat">
+      <a:schemeClr val="lt1"/>
+    </dgm:linClrLst>
+    <dgm:effectClrLst/>
+    <dgm:txLinClrLst/>
+    <dgm:txFillClrLst/>
+    <dgm:txEffectClrLst/>
+  </dgm:styleLbl>
+  <dgm:styleLbl name="parChTrans2D1">
+    <dgm:fillClrLst meth="repeat">
+      <a:schemeClr val="accent1">
+        <a:tint val="60000"/>
+      </a:schemeClr>
+    </dgm:fillClrLst>
+    <dgm:linClrLst meth="repeat">
+      <a:schemeClr val="accent1">
+        <a:tint val="60000"/>
+      </a:schemeClr>
+    </dgm:linClrLst>
+    <dgm:effectClrLst/>
+    <dgm:txLinClrLst/>
+    <dgm:txFillClrLst meth="repeat">
+      <a:schemeClr val="lt1"/>
+    </dgm:txFillClrLst>
+    <dgm:txEffectClrLst/>
+  </dgm:styleLbl>
+  <dgm:styleLbl name="parChTrans2D2">
+    <dgm:fillClrLst meth="repeat">
+      <a:schemeClr val="accent1"/>
+    </dgm:fillClrLst>
+    <dgm:linClrLst meth="repeat">
+      <a:schemeClr val="accent1"/>
+    </dgm:linClrLst>
+    <dgm:effectClrLst/>
+    <dgm:txLinClrLst/>
+    <dgm:txFillClrLst meth="repeat">
+      <a:schemeClr val="lt1"/>
+    </dgm:txFillClrLst>
+    <dgm:txEffectClrLst/>
+  </dgm:styleLbl>
+  <dgm:styleLbl name="parChTrans2D3">
+    <dgm:fillClrLst meth="repeat">
+      <a:schemeClr val="accent1"/>
+    </dgm:fillClrLst>
+    <dgm:linClrLst meth="repeat">
+      <a:schemeClr val="accent1"/>
+    </dgm:linClrLst>
+    <dgm:effectClrLst/>
+    <dgm:txLinClrLst/>
+    <dgm:txFillClrLst meth="repeat">
+      <a:schemeClr val="lt1"/>
+    </dgm:txFillClrLst>
+    <dgm:txEffectClrLst/>
+  </dgm:styleLbl>
+  <dgm:styleLbl name="parChTrans2D4">
+    <dgm:fillClrLst meth="repeat">
+      <a:schemeClr val="accent1"/>
+    </dgm:fillClrLst>
+    <dgm:linClrLst meth="repeat">
+      <a:schemeClr val="accent1"/>
+    </dgm:linClrLst>
+    <dgm:effectClrLst/>
+    <dgm:txLinClrLst/>
+    <dgm:txFillClrLst meth="repeat">
+      <a:schemeClr val="lt1"/>
+    </dgm:txFillClrLst>
+    <dgm:txEffectClrLst/>
+  </dgm:styleLbl>
+  <dgm:styleLbl name="parChTrans1D1">
+    <dgm:fillClrLst meth="repeat">
+      <a:schemeClr val="accent1"/>
+    </dgm:fillClrLst>
+    <dgm:linClrLst meth="repeat">
+      <a:schemeClr val="accent1">
+        <a:shade val="60000"/>
+      </a:schemeClr>
+    </dgm:linClrLst>
+    <dgm:effectClrLst/>
+    <dgm:txLinClrLst/>
+    <dgm:txFillClrLst meth="repeat">
+      <a:schemeClr val="tx1"/>
+    </dgm:txFillClrLst>
+    <dgm:txEffectClrLst/>
+  </dgm:styleLbl>
+  <dgm:styleLbl name="parChTrans1D2">
+    <dgm:fillClrLst meth="repeat">
+      <a:schemeClr val="accent1"/>
+    </dgm:fillClrLst>
+    <dgm:linClrLst meth="repeat">
+      <a:schemeClr val="accent1">
+        <a:shade val="60000"/>
+      </a:schemeClr>
+    </dgm:linClrLst>
+    <dgm:effectClrLst/>
+    <dgm:txLinClrLst/>
+    <dgm:txFillClrLst meth="repeat">
+      <a:schemeClr val="tx1"/>
+    </dgm:txFillClrLst>
+    <dgm:txEffectClrLst/>
+  </dgm:styleLbl>
+  <dgm:styleLbl name="parChTrans1D3">
+    <dgm:fillClrLst meth="repeat">
+      <a:schemeClr val="accent1"/>
+    </dgm:fillClrLst>
+    <dgm:linClrLst meth="repeat">
+      <a:schemeClr val="accent1">
+        <a:shade val="80000"/>
+      </a:schemeClr>
+    </dgm:linClrLst>
+    <dgm:effectClrLst/>
+    <dgm:txLinClrLst/>
+    <dgm:txFillClrLst meth="repeat">
+      <a:schemeClr val="tx1"/>
+    </dgm:txFillClrLst>
+    <dgm:txEffectClrLst/>
+  </dgm:styleLbl>
+  <dgm:styleLbl name="parChTrans1D4">
+    <dgm:fillClrLst meth="repeat">
+      <a:schemeClr val="accent1"/>
+    </dgm:fillClrLst>
+    <dgm:linClrLst meth="repeat">
+      <a:schemeClr val="accent1">
+        <a:shade val="80000"/>
+      </a:schemeClr>
+    </dgm:linClrLst>
+    <dgm:effectClrLst/>
+    <dgm:txLinClrLst/>
+    <dgm:txFillClrLst meth="repeat">
+      <a:schemeClr val="tx1"/>
+    </dgm:txFillClrLst>
+    <dgm:txEffectClrLst/>
+  </dgm:styleLbl>
+  <dgm:styleLbl name="fgAcc1">
+    <dgm:fillClrLst meth="repeat">
+      <a:schemeClr val="lt1">
+        <a:alpha val="90000"/>
+      </a:schemeClr>
+    </dgm:fillClrLst>
+    <dgm:linClrLst meth="repeat">
+      <a:schemeClr val="accent1"/>
+    </dgm:linClrLst>
+    <dgm:effectClrLst/>
+    <dgm:txLinClrLst/>
+    <dgm:txFillClrLst meth="repeat">
+      <a:schemeClr val="dk1"/>
+    </dgm:txFillClrLst>
+    <dgm:txEffectClrLst/>
+  </dgm:styleLbl>
+  <dgm:styleLbl name="conFgAcc1">
+    <dgm:fillClrLst meth="repeat">
+      <a:schemeClr val="lt1">
+        <a:alpha val="90000"/>
+      </a:schemeClr>
+    </dgm:fillClrLst>
+    <dgm:linClrLst meth="repeat">
+      <a:schemeClr val="accent1"/>
+    </dgm:linClrLst>
+    <dgm:effectClrLst/>
+    <dgm:txLinClrLst/>
+    <dgm:txFillClrLst meth="repeat">
+      <a:schemeClr val="dk1"/>
+    </dgm:txFillClrLst>
+    <dgm:txEffectClrLst/>
+  </dgm:styleLbl>
+  <dgm:styleLbl name="alignAcc1">
+    <dgm:fillClrLst meth="repeat">
+      <a:schemeClr val="lt1">
+        <a:alpha val="90000"/>
+      </a:schemeClr>
+    </dgm:fillClrLst>
+    <dgm:linClrLst meth="repeat">
+      <a:schemeClr val="accent1"/>
+    </dgm:linClrLst>
+    <dgm:effectClrLst/>
+    <dgm:txLinClrLst/>
+    <dgm:txFillClrLst meth="repeat">
+      <a:schemeClr val="dk1"/>
+    </dgm:txFillClrLst>
+    <dgm:txEffectClrLst/>
+  </dgm:styleLbl>
+  <dgm:styleLbl name="trAlignAcc1">
+    <dgm:fillClrLst meth="repeat">
+      <a:schemeClr val="lt1">
+        <a:alpha val="40000"/>
+      </a:schemeClr>
+    </dgm:fillClrLst>
+    <dgm:linClrLst meth="repeat">
+      <a:schemeClr val="accent1"/>
+    </dgm:linClrLst>
+    <dgm:effectClrLst/>
+    <dgm:txLinClrLst/>
+    <dgm:txFillClrLst meth="repeat">
+      <a:schemeClr val="dk1"/>
+    </dgm:txFillClrLst>
+    <dgm:txEffectClrLst/>
+  </dgm:styleLbl>
+  <dgm:styleLbl name="bgAcc1">
+    <dgm:fillClrLst meth="repeat">
+      <a:schemeClr val="lt1">
+        <a:alpha val="90000"/>
+      </a:schemeClr>
+    </dgm:fillClrLst>
+    <dgm:linClrLst meth="repeat">
+      <a:schemeClr val="accent1"/>
+    </dgm:linClrLst>
+    <dgm:effectClrLst/>
+    <dgm:txLinClrLst/>
+    <dgm:txFillClrLst meth="repeat">
+      <a:schemeClr val="dk1"/>
+    </dgm:txFillClrLst>
+    <dgm:txEffectClrLst/>
+  </dgm:styleLbl>
+  <dgm:styleLbl name="solidFgAcc1">
+    <dgm:fillClrLst meth="repeat">
+      <a:schemeClr val="lt1"/>
+    </dgm:fillClrLst>
+    <dgm:linClrLst meth="repeat">
+      <a:schemeClr val="accent1"/>
+    </dgm:linClrLst>
+    <dgm:effectClrLst/>
+    <dgm:txLinClrLst/>
+    <dgm:txFillClrLst meth="repeat">
+      <a:schemeClr val="dk1"/>
+    </dgm:txFillClrLst>
+    <dgm:txEffectClrLst/>
+  </dgm:styleLbl>
+  <dgm:styleLbl name="solidAlignAcc1">
+    <dgm:fillClrLst meth="repeat">
+      <a:schemeClr val="lt1"/>
+    </dgm:fillClrLst>
+    <dgm:linClrLst meth="repeat">
+      <a:schemeClr val="accent1"/>
+    </dgm:linClrLst>
+    <dgm:effectClrLst/>
+    <dgm:txLinClrLst/>
+    <dgm:txFillClrLst meth="repeat">
+      <a:schemeClr val="dk1"/>
+    </dgm:txFillClrLst>
+    <dgm:txEffectClrLst/>
+  </dgm:styleLbl>
+  <dgm:styleLbl name="solidBgAcc1">
+    <dgm:fillClrLst meth="repeat">
+      <a:schemeClr val="lt1"/>
+    </dgm:fillClrLst>
+    <dgm:linClrLst meth="repeat">
+      <a:schemeClr val="accent1"/>
+    </dgm:linClrLst>
+    <dgm:effectClrLst/>
+    <dgm:txLinClrLst/>
+    <dgm:txFillClrLst meth="repeat">
+      <a:schemeClr val="dk1"/>
+    </dgm:txFillClrLst>
+    <dgm:txEffectClrLst/>
+  </dgm:styleLbl>
+  <dgm:styleLbl name="fgAccFollowNode1">
+    <dgm:fillClrLst meth="repeat">
+      <a:schemeClr val="accent1">
+        <a:alpha val="90000"/>
+        <a:tint val="40000"/>
+      </a:schemeClr>
+    </dgm:fillClrLst>
+    <dgm:linClrLst meth="repeat">
+      <a:schemeClr val="accent1">
+        <a:alpha val="90000"/>
+        <a:tint val="40000"/>
+      </a:schemeClr>
+    </dgm:linClrLst>
+    <dgm:effectClrLst/>
+    <dgm:txLinClrLst/>
+    <dgm:txFillClrLst meth="repeat">
+      <a:schemeClr val="dk1"/>
+    </dgm:txFillClrLst>
+    <dgm:txEffectClrLst/>
+  </dgm:styleLbl>
+  <dgm:styleLbl name="alignAccFollowNode1">
+    <dgm:fillClrLst meth="repeat">
+      <a:schemeClr val="accent1">
+        <a:alpha val="90000"/>
+        <a:tint val="40000"/>
+      </a:schemeClr>
+    </dgm:fillClrLst>
+    <dgm:linClrLst meth="repeat">
+      <a:schemeClr val="accent1">
+        <a:alpha val="90000"/>
+        <a:tint val="40000"/>
+      </a:schemeClr>
+    </dgm:linClrLst>
+    <dgm:effectClrLst/>
+    <dgm:txLinClrLst/>
+    <dgm:txFillClrLst meth="repeat">
+      <a:schemeClr val="dk1"/>
+    </dgm:txFillClrLst>
+    <dgm:txEffectClrLst/>
+  </dgm:styleLbl>
+  <dgm:styleLbl name="bgAccFollowNode1">
+    <dgm:fillClrLst meth="repeat">
+      <a:schemeClr val="accent1">
+        <a:alpha val="90000"/>
+        <a:tint val="40000"/>
+      </a:schemeClr>
+    </dgm:fillClrLst>
+    <dgm:linClrLst meth="repeat">
+      <a:schemeClr val="accent1">
+        <a:alpha val="90000"/>
+        <a:tint val="40000"/>
+      </a:schemeClr>
+    </dgm:linClrLst>
+    <dgm:effectClrLst/>
+    <dgm:txLinClrLst/>
+    <dgm:txFillClrLst meth="repeat">
+      <a:schemeClr val="dk1"/>
+    </dgm:txFillClrLst>
+    <dgm:txEffectClrLst/>
+  </dgm:styleLbl>
+  <dgm:styleLbl name="fgAcc0">
+    <dgm:fillClrLst meth="repeat">
+      <a:schemeClr val="lt1">
+        <a:alpha val="90000"/>
+      </a:schemeClr>
+    </dgm:fillClrLst>
+    <dgm:linClrLst meth="repeat">
+      <a:schemeClr val="accent1"/>
+    </dgm:linClrLst>
+    <dgm:effectClrLst/>
+    <dgm:txLinClrLst/>
+    <dgm:txFillClrLst meth="repeat">
+      <a:schemeClr val="dk1"/>
+    </dgm:txFillClrLst>
+    <dgm:txEffectClrLst/>
+  </dgm:styleLbl>
+  <dgm:styleLbl name="fgAcc2">
+    <dgm:fillClrLst meth="repeat">
+      <a:schemeClr val="lt1">
+        <a:alpha val="90000"/>
+      </a:schemeClr>
+    </dgm:fillClrLst>
+    <dgm:linClrLst meth="repeat">
+      <a:schemeClr val="accent1"/>
+    </dgm:linClrLst>
+    <dgm:effectClrLst/>
+    <dgm:txLinClrLst/>
+    <dgm:txFillClrLst meth="repeat">
+      <a:schemeClr val="dk1"/>
+    </dgm:txFillClrLst>
+    <dgm:txEffectClrLst/>
+  </dgm:styleLbl>
+  <dgm:styleLbl name="fgAcc3">
+    <dgm:fillClrLst meth="repeat">
+      <a:schemeClr val="lt1">
+        <a:alpha val="90000"/>
+      </a:schemeClr>
+    </dgm:fillClrLst>
+    <dgm:linClrLst meth="repeat">
+      <a:schemeClr val="accent1"/>
+    </dgm:linClrLst>
+    <dgm:effectClrLst/>
+    <dgm:txLinClrLst/>
+    <dgm:txFillClrLst meth="repeat">
+      <a:schemeClr val="dk1"/>
+    </dgm:txFillClrLst>
+    <dgm:txEffectClrLst/>
+  </dgm:styleLbl>
+  <dgm:styleLbl name="fgAcc4">
+    <dgm:fillClrLst meth="repeat">
+      <a:schemeClr val="lt1">
+        <a:alpha val="90000"/>
+      </a:schemeClr>
+    </dgm:fillClrLst>
+    <dgm:linClrLst meth="repeat">
+      <a:schemeClr val="accent1"/>
+    </dgm:linClrLst>
+    <dgm:effectClrLst/>
+    <dgm:txLinClrLst/>
+    <dgm:txFillClrLst meth="repeat">
+      <a:schemeClr val="dk1"/>
+    </dgm:txFillClrLst>
+    <dgm:txEffectClrLst/>
+  </dgm:styleLbl>
+  <dgm:styleLbl name="bgShp">
+    <dgm:fillClrLst meth="repeat">
+      <a:schemeClr val="accent1">
+        <a:tint val="40000"/>
+      </a:schemeClr>
+    </dgm:fillClrLst>
+    <dgm:linClrLst meth="repeat">
+      <a:schemeClr val="accent1"/>
+    </dgm:linClrLst>
+    <dgm:effectClrLst/>
+    <dgm:txLinClrLst/>
+    <dgm:txFillClrLst meth="repeat">
+      <a:schemeClr val="dk1"/>
+    </dgm:txFillClrLst>
+    <dgm:txEffectClrLst/>
+  </dgm:styleLbl>
+  <dgm:styleLbl name="dkBgShp">
+    <dgm:fillClrLst meth="repeat">
+      <a:schemeClr val="accent1">
+        <a:shade val="80000"/>
+      </a:schemeClr>
+    </dgm:fillClrLst>
+    <dgm:linClrLst meth="repeat">
+      <a:schemeClr val="accent1"/>
+    </dgm:linClrLst>
+    <dgm:effectClrLst/>
+    <dgm:txLinClrLst/>
+    <dgm:txFillClrLst meth="repeat">
+      <a:schemeClr val="lt1"/>
+    </dgm:txFillClrLst>
+    <dgm:txEffectClrLst/>
+  </dgm:styleLbl>
+  <dgm:styleLbl name="trBgShp">
+    <dgm:fillClrLst meth="repeat">
+      <a:schemeClr val="accent1">
+        <a:tint val="50000"/>
+        <a:alpha val="40000"/>
+      </a:schemeClr>
+    </dgm:fillClrLst>
+    <dgm:linClrLst meth="repeat">
+      <a:schemeClr val="accent1"/>
+    </dgm:linClrLst>
+    <dgm:effectClrLst/>
+    <dgm:txLinClrLst/>
+    <dgm:txFillClrLst meth="repeat">
+      <a:schemeClr val="lt1"/>
+    </dgm:txFillClrLst>
+    <dgm:txEffectClrLst/>
+  </dgm:styleLbl>
+  <dgm:styleLbl name="fgShp">
+    <dgm:fillClrLst meth="repeat">
+      <a:schemeClr val="accent1">
+        <a:tint val="60000"/>
+      </a:schemeClr>
+    </dgm:fillClrLst>
+    <dgm:linClrLst meth="repeat">
+      <a:schemeClr val="lt1"/>
+    </dgm:linClrLst>
+    <dgm:effectClrLst/>
+    <dgm:txLinClrLst/>
+    <dgm:txFillClrLst meth="repeat">
+      <a:schemeClr val="dk1"/>
+    </dgm:txFillClrLst>
+    <dgm:txEffectClrLst/>
+  </dgm:styleLbl>
+  <dgm:styleLbl name="revTx">
+    <dgm:fillClrLst meth="repeat">
+      <a:schemeClr val="lt1">
+        <a:alpha val="0"/>
+      </a:schemeClr>
+    </dgm:fillClrLst>
+    <dgm:linClrLst meth="repeat">
+      <a:schemeClr val="dk1">
+        <a:alpha val="0"/>
+      </a:schemeClr>
+    </dgm:linClrLst>
+    <dgm:effectClrLst/>
+    <dgm:txLinClrLst/>
+    <dgm:txFillClrLst meth="repeat">
+      <a:schemeClr val="tx1"/>
+    </dgm:txFillClrLst>
+    <dgm:txEffectClrLst/>
+  </dgm:styleLbl>
+</dgm:colorsDef>
+</file>
+
+<file path=ppt/diagrams/data1.xml><?xml version="1.0" encoding="utf-8"?>
+<dgm:dataModel xmlns:dgm="http://schemas.openxmlformats.org/drawingml/2006/diagram" xmlns:a="http://schemas.openxmlformats.org/drawingml/2006/main">
+  <dgm:ptLst>
+    <dgm:pt modelId="{42623759-8FE3-6745-9BFA-F88E20A6D0E9}" type="doc">
+      <dgm:prSet loTypeId="urn:microsoft.com/office/officeart/2005/8/layout/pyramid2" loCatId="" qsTypeId="urn:microsoft.com/office/officeart/2005/8/quickstyle/simple1" qsCatId="simple" csTypeId="urn:microsoft.com/office/officeart/2005/8/colors/accent1_2" csCatId="accent1" phldr="1"/>
+      <dgm:spPr/>
+    </dgm:pt>
+    <dgm:pt modelId="{69ECDDC6-C23B-3A47-B4FA-89439EA4E1DF}">
+      <dgm:prSet phldrT="[Text]" custT="1"/>
+      <dgm:spPr/>
+      <dgm:t>
+        <a:bodyPr/>
+        <a:lstStyle/>
+        <a:p>
+          <a:r>
+            <a:rPr lang="en-GB" sz="1200" b="1" dirty="0">
+              <a:latin typeface="Fira Sans" panose="020B0503050000020004" pitchFamily="34" charset="0"/>
+            </a:rPr>
+            <a:t>Meta-Research</a:t>
+          </a:r>
+        </a:p>
+      </dgm:t>
+    </dgm:pt>
+    <dgm:pt modelId="{E8362A72-FDE9-014D-A512-912002D29BE0}" type="parTrans" cxnId="{038A883F-1D5E-C648-8CA2-95AFA303EB8D}">
+      <dgm:prSet/>
+      <dgm:spPr/>
+      <dgm:t>
+        <a:bodyPr/>
+        <a:lstStyle/>
+        <a:p>
+          <a:endParaRPr lang="en-GB" sz="1600" b="1">
+            <a:latin typeface="Fira Sans" panose="020B0503050000020004" pitchFamily="34" charset="0"/>
+          </a:endParaRPr>
+        </a:p>
+      </dgm:t>
+    </dgm:pt>
+    <dgm:pt modelId="{CD4E5A48-95E4-3B4F-A70A-F630CE03F5C8}" type="sibTrans" cxnId="{038A883F-1D5E-C648-8CA2-95AFA303EB8D}">
+      <dgm:prSet/>
+      <dgm:spPr/>
+      <dgm:t>
+        <a:bodyPr/>
+        <a:lstStyle/>
+        <a:p>
+          <a:endParaRPr lang="en-GB" sz="1600" b="1">
+            <a:latin typeface="Fira Sans" panose="020B0503050000020004" pitchFamily="34" charset="0"/>
+          </a:endParaRPr>
+        </a:p>
+      </dgm:t>
+    </dgm:pt>
+    <dgm:pt modelId="{9CAFDBC6-4321-9D4E-A96E-D32BC04D4CBF}">
+      <dgm:prSet phldrT="[Text]" custT="1"/>
+      <dgm:spPr/>
+      <dgm:t>
+        <a:bodyPr/>
+        <a:lstStyle/>
+        <a:p>
+          <a:r>
+            <a:rPr lang="en-GB" sz="1200" b="1" dirty="0">
+              <a:latin typeface="Fira Sans" panose="020B0503050000020004" pitchFamily="34" charset="0"/>
+            </a:rPr>
+            <a:t>Network Meta-analyses</a:t>
+          </a:r>
+        </a:p>
+      </dgm:t>
+    </dgm:pt>
+    <dgm:pt modelId="{3DA38D53-F7A0-C442-B42E-538E71906BAF}" type="parTrans" cxnId="{F96A927F-CCBF-4D4C-8E3A-5A9DE557BA8F}">
+      <dgm:prSet/>
+      <dgm:spPr/>
+      <dgm:t>
+        <a:bodyPr/>
+        <a:lstStyle/>
+        <a:p>
+          <a:endParaRPr lang="en-GB" sz="1600" b="1">
+            <a:latin typeface="Fira Sans" panose="020B0503050000020004" pitchFamily="34" charset="0"/>
+          </a:endParaRPr>
+        </a:p>
+      </dgm:t>
+    </dgm:pt>
+    <dgm:pt modelId="{06D9E956-37F7-6546-B44B-AD4D4E4A8829}" type="sibTrans" cxnId="{F96A927F-CCBF-4D4C-8E3A-5A9DE557BA8F}">
+      <dgm:prSet/>
+      <dgm:spPr/>
+      <dgm:t>
+        <a:bodyPr/>
+        <a:lstStyle/>
+        <a:p>
+          <a:endParaRPr lang="en-GB" sz="1600" b="1">
+            <a:latin typeface="Fira Sans" panose="020B0503050000020004" pitchFamily="34" charset="0"/>
+          </a:endParaRPr>
+        </a:p>
+      </dgm:t>
+    </dgm:pt>
+    <dgm:pt modelId="{75600DC0-B289-EC4C-BCFE-29EBC8D5E7DC}">
+      <dgm:prSet phldrT="[Text]" custT="1"/>
+      <dgm:spPr/>
+      <dgm:t>
+        <a:bodyPr/>
+        <a:lstStyle/>
+        <a:p>
+          <a:r>
+            <a:rPr lang="en-GB" sz="1200" b="1" dirty="0">
+              <a:latin typeface="Fira Sans" panose="020B0503050000020004" pitchFamily="34" charset="0"/>
+            </a:rPr>
+            <a:t>Meta-Analyses (IPD, Living Systematic Reviews)</a:t>
+          </a:r>
+        </a:p>
+      </dgm:t>
+    </dgm:pt>
+    <dgm:pt modelId="{FEF22EB4-FFDA-E24C-B143-D14FF482CECF}" type="parTrans" cxnId="{E446BCEC-81FE-D548-A370-23B2F2D49647}">
+      <dgm:prSet/>
+      <dgm:spPr/>
+      <dgm:t>
+        <a:bodyPr/>
+        <a:lstStyle/>
+        <a:p>
+          <a:endParaRPr lang="en-GB" sz="1600" b="1">
+            <a:latin typeface="Fira Sans" panose="020B0503050000020004" pitchFamily="34" charset="0"/>
+          </a:endParaRPr>
+        </a:p>
+      </dgm:t>
+    </dgm:pt>
+    <dgm:pt modelId="{407FE795-350B-9044-910A-614088AB8D52}" type="sibTrans" cxnId="{E446BCEC-81FE-D548-A370-23B2F2D49647}">
+      <dgm:prSet/>
+      <dgm:spPr/>
+      <dgm:t>
+        <a:bodyPr/>
+        <a:lstStyle/>
+        <a:p>
+          <a:endParaRPr lang="en-GB" sz="1600" b="1">
+            <a:latin typeface="Fira Sans" panose="020B0503050000020004" pitchFamily="34" charset="0"/>
+          </a:endParaRPr>
+        </a:p>
+      </dgm:t>
+    </dgm:pt>
+    <dgm:pt modelId="{1E4AA9AC-694A-A64D-AE0B-871890806039}">
+      <dgm:prSet custT="1"/>
+      <dgm:spPr/>
+      <dgm:t>
+        <a:bodyPr/>
+        <a:lstStyle/>
+        <a:p>
+          <a:r>
+            <a:rPr lang="en-GB" sz="1200" b="1" dirty="0">
+              <a:latin typeface="Fira Sans" panose="020B0503050000020004" pitchFamily="34" charset="0"/>
+            </a:rPr>
+            <a:t>Umbrella Reviews</a:t>
+          </a:r>
+        </a:p>
+      </dgm:t>
+    </dgm:pt>
+    <dgm:pt modelId="{A66FA8E6-165A-8149-B7D1-8172C49211A4}" type="parTrans" cxnId="{489316C5-FDF5-3C43-9C8A-E43E409F0574}">
+      <dgm:prSet/>
+      <dgm:spPr/>
+      <dgm:t>
+        <a:bodyPr/>
+        <a:lstStyle/>
+        <a:p>
+          <a:endParaRPr lang="en-GB" sz="1600" b="1">
+            <a:latin typeface="Fira Sans" panose="020B0503050000020004" pitchFamily="34" charset="0"/>
+          </a:endParaRPr>
+        </a:p>
+      </dgm:t>
+    </dgm:pt>
+    <dgm:pt modelId="{1F471038-CD07-764D-ACE7-8A8EF96C2ED7}" type="sibTrans" cxnId="{489316C5-FDF5-3C43-9C8A-E43E409F0574}">
+      <dgm:prSet/>
+      <dgm:spPr/>
+      <dgm:t>
+        <a:bodyPr/>
+        <a:lstStyle/>
+        <a:p>
+          <a:endParaRPr lang="en-GB" sz="1600" b="1">
+            <a:latin typeface="Fira Sans" panose="020B0503050000020004" pitchFamily="34" charset="0"/>
+          </a:endParaRPr>
+        </a:p>
+      </dgm:t>
+    </dgm:pt>
+    <dgm:pt modelId="{97D60BA9-5809-8547-A002-6431DB01A1E7}">
+      <dgm:prSet custT="1"/>
+      <dgm:spPr>
+        <a:solidFill>
+          <a:srgbClr val="4472C4"/>
+        </a:solidFill>
+        <a:ln>
+          <a:solidFill>
+            <a:schemeClr val="bg1"/>
+          </a:solidFill>
+        </a:ln>
+        <a:effectLst>
+          <a:glow rad="185145">
+            <a:schemeClr val="accent1">
+              <a:satMod val="175000"/>
+              <a:alpha val="14000"/>
+            </a:schemeClr>
+          </a:glow>
+          <a:outerShdw blurRad="63500" sx="102000" sy="102000" algn="ctr" rotWithShape="0">
+            <a:prstClr val="black">
+              <a:alpha val="40000"/>
+            </a:prstClr>
+          </a:outerShdw>
+        </a:effectLst>
+      </dgm:spPr>
+      <dgm:t>
+        <a:bodyPr/>
+        <a:lstStyle/>
+        <a:p>
+          <a:r>
+            <a:rPr lang="en-GB" sz="1200" b="1" dirty="0">
+              <a:solidFill>
+                <a:schemeClr val="bg1"/>
+              </a:solidFill>
+              <a:latin typeface="Fira Sans" panose="020B0503050000020004" pitchFamily="34" charset="0"/>
+            </a:rPr>
+            <a:t>Meta-Analytic Research Domains (MARD)</a:t>
+          </a:r>
+        </a:p>
+      </dgm:t>
+    </dgm:pt>
+    <dgm:pt modelId="{9153401E-46A1-F14F-A876-49634C4ED578}" type="parTrans" cxnId="{11A077A1-004B-1B41-BA55-378319CE1524}">
+      <dgm:prSet/>
+      <dgm:spPr/>
+      <dgm:t>
+        <a:bodyPr/>
+        <a:lstStyle/>
+        <a:p>
+          <a:endParaRPr lang="en-GB" sz="1600" b="1">
+            <a:latin typeface="Fira Sans" panose="020B0503050000020004" pitchFamily="34" charset="0"/>
+          </a:endParaRPr>
+        </a:p>
+      </dgm:t>
+    </dgm:pt>
+    <dgm:pt modelId="{ECA21D62-A75B-9444-9B0E-B3A7BFE7CE70}" type="sibTrans" cxnId="{11A077A1-004B-1B41-BA55-378319CE1524}">
+      <dgm:prSet/>
+      <dgm:spPr/>
+      <dgm:t>
+        <a:bodyPr/>
+        <a:lstStyle/>
+        <a:p>
+          <a:endParaRPr lang="en-GB" sz="1600" b="1">
+            <a:latin typeface="Fira Sans" panose="020B0503050000020004" pitchFamily="34" charset="0"/>
+          </a:endParaRPr>
+        </a:p>
+      </dgm:t>
+    </dgm:pt>
+    <dgm:pt modelId="{FD7D6A81-B27B-EA43-8D49-6EE7FFAE5A7E}" type="pres">
+      <dgm:prSet presAssocID="{42623759-8FE3-6745-9BFA-F88E20A6D0E9}" presName="compositeShape" presStyleCnt="0">
+        <dgm:presLayoutVars>
+          <dgm:dir/>
+          <dgm:resizeHandles/>
+        </dgm:presLayoutVars>
+      </dgm:prSet>
+      <dgm:spPr/>
+    </dgm:pt>
+    <dgm:pt modelId="{A5B07915-D033-EA4A-B15D-E8BC6A976967}" type="pres">
+      <dgm:prSet presAssocID="{42623759-8FE3-6745-9BFA-F88E20A6D0E9}" presName="pyramid" presStyleLbl="node1" presStyleIdx="0" presStyleCnt="1" custLinFactNeighborX="-544"/>
+      <dgm:spPr>
+        <a:solidFill>
+          <a:srgbClr val="4472C4">
+            <a:alpha val="22000"/>
+          </a:srgbClr>
+        </a:solidFill>
+        <a:ln>
+          <a:solidFill>
+            <a:srgbClr val="305FB1"/>
+          </a:solidFill>
+        </a:ln>
+      </dgm:spPr>
+    </dgm:pt>
+    <dgm:pt modelId="{89C7633D-89B6-C44D-953B-7576324BB53C}" type="pres">
+      <dgm:prSet presAssocID="{42623759-8FE3-6745-9BFA-F88E20A6D0E9}" presName="theList" presStyleCnt="0"/>
+      <dgm:spPr/>
+    </dgm:pt>
+    <dgm:pt modelId="{C978738C-D47E-394A-9270-A646A16CC847}" type="pres">
+      <dgm:prSet presAssocID="{69ECDDC6-C23B-3A47-B4FA-89439EA4E1DF}" presName="aNode" presStyleLbl="fgAcc1" presStyleIdx="0" presStyleCnt="5" custLinFactY="37641" custLinFactNeighborY="100000">
+        <dgm:presLayoutVars>
+          <dgm:bulletEnabled val="1"/>
+        </dgm:presLayoutVars>
+      </dgm:prSet>
+      <dgm:spPr/>
+    </dgm:pt>
+    <dgm:pt modelId="{0DB195DE-820A-FF48-8F63-DF95F7065066}" type="pres">
+      <dgm:prSet presAssocID="{69ECDDC6-C23B-3A47-B4FA-89439EA4E1DF}" presName="aSpace" presStyleCnt="0"/>
+      <dgm:spPr/>
+    </dgm:pt>
+    <dgm:pt modelId="{84157580-FA7A-AB47-B409-76B8BC18ECFA}" type="pres">
+      <dgm:prSet presAssocID="{97D60BA9-5809-8547-A002-6431DB01A1E7}" presName="aNode" presStyleLbl="fgAcc1" presStyleIdx="1" presStyleCnt="5" custLinFactY="37641" custLinFactNeighborY="100000">
+        <dgm:presLayoutVars>
+          <dgm:bulletEnabled val="1"/>
+        </dgm:presLayoutVars>
+      </dgm:prSet>
+      <dgm:spPr/>
+    </dgm:pt>
+    <dgm:pt modelId="{5135CFCC-CEB2-DA49-9551-DC36038BCA79}" type="pres">
+      <dgm:prSet presAssocID="{97D60BA9-5809-8547-A002-6431DB01A1E7}" presName="aSpace" presStyleCnt="0"/>
+      <dgm:spPr/>
+    </dgm:pt>
+    <dgm:pt modelId="{3CF491A8-D598-8542-A65F-1727C2790339}" type="pres">
+      <dgm:prSet presAssocID="{1E4AA9AC-694A-A64D-AE0B-871890806039}" presName="aNode" presStyleLbl="fgAcc1" presStyleIdx="2" presStyleCnt="5" custLinFactY="37641" custLinFactNeighborY="100000">
+        <dgm:presLayoutVars>
+          <dgm:bulletEnabled val="1"/>
+        </dgm:presLayoutVars>
+      </dgm:prSet>
+      <dgm:spPr/>
+    </dgm:pt>
+    <dgm:pt modelId="{14BACBBD-5008-D346-AD5B-D0628B1C9EBC}" type="pres">
+      <dgm:prSet presAssocID="{1E4AA9AC-694A-A64D-AE0B-871890806039}" presName="aSpace" presStyleCnt="0"/>
+      <dgm:spPr/>
+    </dgm:pt>
+    <dgm:pt modelId="{953F9F72-1694-E140-BCFB-86086819012A}" type="pres">
+      <dgm:prSet presAssocID="{9CAFDBC6-4321-9D4E-A96E-D32BC04D4CBF}" presName="aNode" presStyleLbl="fgAcc1" presStyleIdx="3" presStyleCnt="5" custLinFactY="37641" custLinFactNeighborY="100000">
+        <dgm:presLayoutVars>
+          <dgm:bulletEnabled val="1"/>
+        </dgm:presLayoutVars>
+      </dgm:prSet>
+      <dgm:spPr/>
+    </dgm:pt>
+    <dgm:pt modelId="{6D1038D3-447A-E641-A1B6-138268154A97}" type="pres">
+      <dgm:prSet presAssocID="{9CAFDBC6-4321-9D4E-A96E-D32BC04D4CBF}" presName="aSpace" presStyleCnt="0"/>
+      <dgm:spPr/>
+    </dgm:pt>
+    <dgm:pt modelId="{DB4165AE-D7EC-8141-9738-7914CC452A21}" type="pres">
+      <dgm:prSet presAssocID="{75600DC0-B289-EC4C-BCFE-29EBC8D5E7DC}" presName="aNode" presStyleLbl="fgAcc1" presStyleIdx="4" presStyleCnt="5" custLinFactY="37641" custLinFactNeighborY="100000">
+        <dgm:presLayoutVars>
+          <dgm:bulletEnabled val="1"/>
+        </dgm:presLayoutVars>
+      </dgm:prSet>
+      <dgm:spPr/>
+    </dgm:pt>
+    <dgm:pt modelId="{793332A9-C942-DF43-A129-F13CB253A183}" type="pres">
+      <dgm:prSet presAssocID="{75600DC0-B289-EC4C-BCFE-29EBC8D5E7DC}" presName="aSpace" presStyleCnt="0"/>
+      <dgm:spPr/>
+    </dgm:pt>
+  </dgm:ptLst>
+  <dgm:cxnLst>
+    <dgm:cxn modelId="{7537ED27-4DEB-C143-801C-51284E0E4EBD}" type="presOf" srcId="{42623759-8FE3-6745-9BFA-F88E20A6D0E9}" destId="{FD7D6A81-B27B-EA43-8D49-6EE7FFAE5A7E}" srcOrd="0" destOrd="0" presId="urn:microsoft.com/office/officeart/2005/8/layout/pyramid2"/>
+    <dgm:cxn modelId="{D513533B-1F0C-B844-86AA-2A05B57A75F7}" type="presOf" srcId="{1E4AA9AC-694A-A64D-AE0B-871890806039}" destId="{3CF491A8-D598-8542-A65F-1727C2790339}" srcOrd="0" destOrd="0" presId="urn:microsoft.com/office/officeart/2005/8/layout/pyramid2"/>
+    <dgm:cxn modelId="{038A883F-1D5E-C648-8CA2-95AFA303EB8D}" srcId="{42623759-8FE3-6745-9BFA-F88E20A6D0E9}" destId="{69ECDDC6-C23B-3A47-B4FA-89439EA4E1DF}" srcOrd="0" destOrd="0" parTransId="{E8362A72-FDE9-014D-A512-912002D29BE0}" sibTransId="{CD4E5A48-95E4-3B4F-A70A-F630CE03F5C8}"/>
+    <dgm:cxn modelId="{43217556-B2A7-0940-B85C-5DC7ED0A65FD}" type="presOf" srcId="{9CAFDBC6-4321-9D4E-A96E-D32BC04D4CBF}" destId="{953F9F72-1694-E140-BCFB-86086819012A}" srcOrd="0" destOrd="0" presId="urn:microsoft.com/office/officeart/2005/8/layout/pyramid2"/>
+    <dgm:cxn modelId="{94D1C869-1402-FF4C-AB3C-1EF1CDB8716F}" type="presOf" srcId="{75600DC0-B289-EC4C-BCFE-29EBC8D5E7DC}" destId="{DB4165AE-D7EC-8141-9738-7914CC452A21}" srcOrd="0" destOrd="0" presId="urn:microsoft.com/office/officeart/2005/8/layout/pyramid2"/>
+    <dgm:cxn modelId="{3763E577-52A3-0847-BDAA-40A1EF9FF3F8}" type="presOf" srcId="{69ECDDC6-C23B-3A47-B4FA-89439EA4E1DF}" destId="{C978738C-D47E-394A-9270-A646A16CC847}" srcOrd="0" destOrd="0" presId="urn:microsoft.com/office/officeart/2005/8/layout/pyramid2"/>
+    <dgm:cxn modelId="{F96A927F-CCBF-4D4C-8E3A-5A9DE557BA8F}" srcId="{42623759-8FE3-6745-9BFA-F88E20A6D0E9}" destId="{9CAFDBC6-4321-9D4E-A96E-D32BC04D4CBF}" srcOrd="3" destOrd="0" parTransId="{3DA38D53-F7A0-C442-B42E-538E71906BAF}" sibTransId="{06D9E956-37F7-6546-B44B-AD4D4E4A8829}"/>
+    <dgm:cxn modelId="{8D01ED84-AB33-3540-8624-595FA361D119}" type="presOf" srcId="{97D60BA9-5809-8547-A002-6431DB01A1E7}" destId="{84157580-FA7A-AB47-B409-76B8BC18ECFA}" srcOrd="0" destOrd="0" presId="urn:microsoft.com/office/officeart/2005/8/layout/pyramid2"/>
+    <dgm:cxn modelId="{11A077A1-004B-1B41-BA55-378319CE1524}" srcId="{42623759-8FE3-6745-9BFA-F88E20A6D0E9}" destId="{97D60BA9-5809-8547-A002-6431DB01A1E7}" srcOrd="1" destOrd="0" parTransId="{9153401E-46A1-F14F-A876-49634C4ED578}" sibTransId="{ECA21D62-A75B-9444-9B0E-B3A7BFE7CE70}"/>
+    <dgm:cxn modelId="{489316C5-FDF5-3C43-9C8A-E43E409F0574}" srcId="{42623759-8FE3-6745-9BFA-F88E20A6D0E9}" destId="{1E4AA9AC-694A-A64D-AE0B-871890806039}" srcOrd="2" destOrd="0" parTransId="{A66FA8E6-165A-8149-B7D1-8172C49211A4}" sibTransId="{1F471038-CD07-764D-ACE7-8A8EF96C2ED7}"/>
+    <dgm:cxn modelId="{E446BCEC-81FE-D548-A370-23B2F2D49647}" srcId="{42623759-8FE3-6745-9BFA-F88E20A6D0E9}" destId="{75600DC0-B289-EC4C-BCFE-29EBC8D5E7DC}" srcOrd="4" destOrd="0" parTransId="{FEF22EB4-FFDA-E24C-B143-D14FF482CECF}" sibTransId="{407FE795-350B-9044-910A-614088AB8D52}"/>
+    <dgm:cxn modelId="{B8245DE5-9E4F-4D46-8B25-B88F1D1C7817}" type="presParOf" srcId="{FD7D6A81-B27B-EA43-8D49-6EE7FFAE5A7E}" destId="{A5B07915-D033-EA4A-B15D-E8BC6A976967}" srcOrd="0" destOrd="0" presId="urn:microsoft.com/office/officeart/2005/8/layout/pyramid2"/>
+    <dgm:cxn modelId="{18A698A4-12EA-B746-8B15-830CD0B88D81}" type="presParOf" srcId="{FD7D6A81-B27B-EA43-8D49-6EE7FFAE5A7E}" destId="{89C7633D-89B6-C44D-953B-7576324BB53C}" srcOrd="1" destOrd="0" presId="urn:microsoft.com/office/officeart/2005/8/layout/pyramid2"/>
+    <dgm:cxn modelId="{3F258BE0-FC32-954A-BD35-D092A35C9354}" type="presParOf" srcId="{89C7633D-89B6-C44D-953B-7576324BB53C}" destId="{C978738C-D47E-394A-9270-A646A16CC847}" srcOrd="0" destOrd="0" presId="urn:microsoft.com/office/officeart/2005/8/layout/pyramid2"/>
+    <dgm:cxn modelId="{075F6502-209C-734B-8548-52BD60BDC91E}" type="presParOf" srcId="{89C7633D-89B6-C44D-953B-7576324BB53C}" destId="{0DB195DE-820A-FF48-8F63-DF95F7065066}" srcOrd="1" destOrd="0" presId="urn:microsoft.com/office/officeart/2005/8/layout/pyramid2"/>
+    <dgm:cxn modelId="{A39063B1-5843-1047-B1E5-ADF062D5C8A5}" type="presParOf" srcId="{89C7633D-89B6-C44D-953B-7576324BB53C}" destId="{84157580-FA7A-AB47-B409-76B8BC18ECFA}" srcOrd="2" destOrd="0" presId="urn:microsoft.com/office/officeart/2005/8/layout/pyramid2"/>
+    <dgm:cxn modelId="{EEB87666-CC19-5440-912D-92430B8FA51E}" type="presParOf" srcId="{89C7633D-89B6-C44D-953B-7576324BB53C}" destId="{5135CFCC-CEB2-DA49-9551-DC36038BCA79}" srcOrd="3" destOrd="0" presId="urn:microsoft.com/office/officeart/2005/8/layout/pyramid2"/>
+    <dgm:cxn modelId="{75574060-440C-3047-AF1E-7C1B45F39377}" type="presParOf" srcId="{89C7633D-89B6-C44D-953B-7576324BB53C}" destId="{3CF491A8-D598-8542-A65F-1727C2790339}" srcOrd="4" destOrd="0" presId="urn:microsoft.com/office/officeart/2005/8/layout/pyramid2"/>
+    <dgm:cxn modelId="{D9327654-F266-8843-9E38-0B3EA04BE914}" type="presParOf" srcId="{89C7633D-89B6-C44D-953B-7576324BB53C}" destId="{14BACBBD-5008-D346-AD5B-D0628B1C9EBC}" srcOrd="5" destOrd="0" presId="urn:microsoft.com/office/officeart/2005/8/layout/pyramid2"/>
+    <dgm:cxn modelId="{13DB1619-B9CB-3542-AACA-84C1D7DC6A41}" type="presParOf" srcId="{89C7633D-89B6-C44D-953B-7576324BB53C}" destId="{953F9F72-1694-E140-BCFB-86086819012A}" srcOrd="6" destOrd="0" presId="urn:microsoft.com/office/officeart/2005/8/layout/pyramid2"/>
+    <dgm:cxn modelId="{AEBB6212-47E2-654A-BD1B-791C3F674B1E}" type="presParOf" srcId="{89C7633D-89B6-C44D-953B-7576324BB53C}" destId="{6D1038D3-447A-E641-A1B6-138268154A97}" srcOrd="7" destOrd="0" presId="urn:microsoft.com/office/officeart/2005/8/layout/pyramid2"/>
+    <dgm:cxn modelId="{35101DE6-D081-3F4A-85D0-B86F8FBFA594}" type="presParOf" srcId="{89C7633D-89B6-C44D-953B-7576324BB53C}" destId="{DB4165AE-D7EC-8141-9738-7914CC452A21}" srcOrd="8" destOrd="0" presId="urn:microsoft.com/office/officeart/2005/8/layout/pyramid2"/>
+    <dgm:cxn modelId="{A0129AAD-2390-514E-8268-F858E0B025F5}" type="presParOf" srcId="{89C7633D-89B6-C44D-953B-7576324BB53C}" destId="{793332A9-C942-DF43-A129-F13CB253A183}" srcOrd="9" destOrd="0" presId="urn:microsoft.com/office/officeart/2005/8/layout/pyramid2"/>
+  </dgm:cxnLst>
+  <dgm:bg>
+    <a:effectLst>
+      <a:outerShdw blurRad="63500" sx="102000" sy="102000" algn="ctr" rotWithShape="0">
+        <a:prstClr val="black">
+          <a:alpha val="40000"/>
+        </a:prstClr>
+      </a:outerShdw>
+    </a:effectLst>
+  </dgm:bg>
+  <dgm:whole/>
+  <dgm:extLst>
+    <a:ext uri="http://schemas.microsoft.com/office/drawing/2008/diagram">
+      <dsp:dataModelExt xmlns:dsp="http://schemas.microsoft.com/office/drawing/2008/diagram" relId="rId10" minVer="http://schemas.openxmlformats.org/drawingml/2006/diagram"/>
+    </a:ext>
+  </dgm:extLst>
+</dgm:dataModel>
+</file>
+
+<file path=ppt/diagrams/drawing1.xml><?xml version="1.0" encoding="utf-8"?>
+<dsp:drawing xmlns:dgm="http://schemas.openxmlformats.org/drawingml/2006/diagram" xmlns:dsp="http://schemas.microsoft.com/office/drawing/2008/diagram" xmlns:a="http://schemas.openxmlformats.org/drawingml/2006/main">
+  <dsp:spTree>
+    <dsp:nvGrpSpPr>
+      <dsp:cNvPr id="0" name=""/>
+      <dsp:cNvGrpSpPr/>
+    </dsp:nvGrpSpPr>
+    <dsp:grpSpPr/>
+    <dsp:sp modelId="{A5B07915-D033-EA4A-B15D-E8BC6A976967}">
+      <dsp:nvSpPr>
+        <dsp:cNvPr id="0" name=""/>
+        <dsp:cNvSpPr/>
+      </dsp:nvSpPr>
+      <dsp:spPr>
+        <a:xfrm>
+          <a:off x="0" y="0"/>
+          <a:ext cx="3173373" cy="5127248"/>
+        </a:xfrm>
+        <a:prstGeom prst="triangle">
+          <a:avLst/>
+        </a:prstGeom>
+        <a:solidFill>
+          <a:srgbClr val="4472C4">
+            <a:alpha val="22000"/>
+          </a:srgbClr>
+        </a:solidFill>
+        <a:ln w="12700" cap="flat" cmpd="sng" algn="ctr">
+          <a:solidFill>
+            <a:srgbClr val="305FB1"/>
+          </a:solidFill>
+          <a:prstDash val="solid"/>
+          <a:miter lim="800000"/>
+        </a:ln>
+        <a:effectLst/>
+      </dsp:spPr>
+      <dsp:style>
+        <a:lnRef idx="2">
+          <a:scrgbClr r="0" g="0" b="0"/>
+        </a:lnRef>
+        <a:fillRef idx="1">
+          <a:scrgbClr r="0" g="0" b="0"/>
+        </a:fillRef>
+        <a:effectRef idx="0">
+          <a:scrgbClr r="0" g="0" b="0"/>
+        </a:effectRef>
+        <a:fontRef idx="minor">
+          <a:schemeClr val="lt1"/>
+        </a:fontRef>
+      </dsp:style>
+    </dsp:sp>
+    <dsp:sp modelId="{C978738C-D47E-394A-9270-A646A16CC847}">
+      <dsp:nvSpPr>
+        <dsp:cNvPr id="0" name=""/>
+        <dsp:cNvSpPr/>
+      </dsp:nvSpPr>
+      <dsp:spPr>
+        <a:xfrm>
+          <a:off x="1586686" y="878768"/>
+          <a:ext cx="2062693" cy="729030"/>
+        </a:xfrm>
+        <a:prstGeom prst="roundRect">
+          <a:avLst/>
+        </a:prstGeom>
+        <a:solidFill>
+          <a:schemeClr val="lt1">
+            <a:alpha val="90000"/>
+            <a:hueOff val="0"/>
+            <a:satOff val="0"/>
+            <a:lumOff val="0"/>
+            <a:alphaOff val="0"/>
+          </a:schemeClr>
+        </a:solidFill>
+        <a:ln w="12700" cap="flat" cmpd="sng" algn="ctr">
+          <a:solidFill>
+            <a:schemeClr val="accent1">
+              <a:hueOff val="0"/>
+              <a:satOff val="0"/>
+              <a:lumOff val="0"/>
+              <a:alphaOff val="0"/>
+            </a:schemeClr>
+          </a:solidFill>
+          <a:prstDash val="solid"/>
+          <a:miter lim="800000"/>
+        </a:ln>
+        <a:effectLst/>
+      </dsp:spPr>
+      <dsp:style>
+        <a:lnRef idx="2">
+          <a:scrgbClr r="0" g="0" b="0"/>
+        </a:lnRef>
+        <a:fillRef idx="1">
+          <a:scrgbClr r="0" g="0" b="0"/>
+        </a:fillRef>
+        <a:effectRef idx="0">
+          <a:scrgbClr r="0" g="0" b="0"/>
+        </a:effectRef>
+        <a:fontRef idx="minor"/>
+      </dsp:style>
+      <dsp:txBody>
+        <a:bodyPr spcFirstLastPara="0" vert="horz" wrap="square" lIns="45720" tIns="45720" rIns="45720" bIns="45720" numCol="1" spcCol="1270" anchor="ctr" anchorCtr="0">
+          <a:noAutofit/>
+        </a:bodyPr>
+        <a:lstStyle/>
+        <a:p>
+          <a:pPr marL="0" lvl="0" indent="0" algn="ctr" defTabSz="533400">
+            <a:lnSpc>
+              <a:spcPct val="90000"/>
+            </a:lnSpc>
+            <a:spcBef>
+              <a:spcPct val="0"/>
+            </a:spcBef>
+            <a:spcAft>
+              <a:spcPct val="35000"/>
+            </a:spcAft>
+            <a:buNone/>
+          </a:pPr>
+          <a:r>
+            <a:rPr lang="en-GB" sz="1200" b="1" kern="1200" dirty="0">
+              <a:latin typeface="Fira Sans" panose="020B0503050000020004" pitchFamily="34" charset="0"/>
+            </a:rPr>
+            <a:t>Meta-Research</a:t>
+          </a:r>
+        </a:p>
+      </dsp:txBody>
+      <dsp:txXfrm>
+        <a:off x="1622274" y="914356"/>
+        <a:ext cx="1991517" cy="657854"/>
+      </dsp:txXfrm>
+    </dsp:sp>
+    <dsp:sp modelId="{84157580-FA7A-AB47-B409-76B8BC18ECFA}">
+      <dsp:nvSpPr>
+        <dsp:cNvPr id="0" name=""/>
+        <dsp:cNvSpPr/>
+      </dsp:nvSpPr>
+      <dsp:spPr>
+        <a:xfrm>
+          <a:off x="1586686" y="1698928"/>
+          <a:ext cx="2062693" cy="729030"/>
+        </a:xfrm>
+        <a:prstGeom prst="roundRect">
+          <a:avLst/>
+        </a:prstGeom>
+        <a:solidFill>
+          <a:srgbClr val="4472C4"/>
+        </a:solidFill>
+        <a:ln w="12700" cap="flat" cmpd="sng" algn="ctr">
+          <a:solidFill>
+            <a:schemeClr val="bg1"/>
+          </a:solidFill>
+          <a:prstDash val="solid"/>
+          <a:miter lim="800000"/>
+        </a:ln>
+        <a:effectLst>
+          <a:glow rad="185145">
+            <a:schemeClr val="accent1">
+              <a:satMod val="175000"/>
+              <a:alpha val="14000"/>
+            </a:schemeClr>
+          </a:glow>
+          <a:outerShdw blurRad="63500" sx="102000" sy="102000" algn="ctr" rotWithShape="0">
+            <a:prstClr val="black">
+              <a:alpha val="40000"/>
+            </a:prstClr>
+          </a:outerShdw>
+        </a:effectLst>
+      </dsp:spPr>
+      <dsp:style>
+        <a:lnRef idx="2">
+          <a:scrgbClr r="0" g="0" b="0"/>
+        </a:lnRef>
+        <a:fillRef idx="1">
+          <a:scrgbClr r="0" g="0" b="0"/>
+        </a:fillRef>
+        <a:effectRef idx="0">
+          <a:scrgbClr r="0" g="0" b="0"/>
+        </a:effectRef>
+        <a:fontRef idx="minor"/>
+      </dsp:style>
+      <dsp:txBody>
+        <a:bodyPr spcFirstLastPara="0" vert="horz" wrap="square" lIns="45720" tIns="45720" rIns="45720" bIns="45720" numCol="1" spcCol="1270" anchor="ctr" anchorCtr="0">
+          <a:noAutofit/>
+        </a:bodyPr>
+        <a:lstStyle/>
+        <a:p>
+          <a:pPr marL="0" lvl="0" indent="0" algn="ctr" defTabSz="533400">
+            <a:lnSpc>
+              <a:spcPct val="90000"/>
+            </a:lnSpc>
+            <a:spcBef>
+              <a:spcPct val="0"/>
+            </a:spcBef>
+            <a:spcAft>
+              <a:spcPct val="35000"/>
+            </a:spcAft>
+            <a:buNone/>
+          </a:pPr>
+          <a:r>
+            <a:rPr lang="en-GB" sz="1200" b="1" kern="1200" dirty="0">
+              <a:solidFill>
+                <a:schemeClr val="bg1"/>
+              </a:solidFill>
+              <a:latin typeface="Fira Sans" panose="020B0503050000020004" pitchFamily="34" charset="0"/>
+            </a:rPr>
+            <a:t>Meta-Analytic Research Domains (MARD)</a:t>
+          </a:r>
+        </a:p>
+      </dsp:txBody>
+      <dsp:txXfrm>
+        <a:off x="1622274" y="1734516"/>
+        <a:ext cx="1991517" cy="657854"/>
+      </dsp:txXfrm>
+    </dsp:sp>
+    <dsp:sp modelId="{3CF491A8-D598-8542-A65F-1727C2790339}">
+      <dsp:nvSpPr>
+        <dsp:cNvPr id="0" name=""/>
+        <dsp:cNvSpPr/>
+      </dsp:nvSpPr>
+      <dsp:spPr>
+        <a:xfrm>
+          <a:off x="1586686" y="2519087"/>
+          <a:ext cx="2062693" cy="729030"/>
+        </a:xfrm>
+        <a:prstGeom prst="roundRect">
+          <a:avLst/>
+        </a:prstGeom>
+        <a:solidFill>
+          <a:schemeClr val="lt1">
+            <a:alpha val="90000"/>
+            <a:hueOff val="0"/>
+            <a:satOff val="0"/>
+            <a:lumOff val="0"/>
+            <a:alphaOff val="0"/>
+          </a:schemeClr>
+        </a:solidFill>
+        <a:ln w="12700" cap="flat" cmpd="sng" algn="ctr">
+          <a:solidFill>
+            <a:schemeClr val="accent1">
+              <a:hueOff val="0"/>
+              <a:satOff val="0"/>
+              <a:lumOff val="0"/>
+              <a:alphaOff val="0"/>
+            </a:schemeClr>
+          </a:solidFill>
+          <a:prstDash val="solid"/>
+          <a:miter lim="800000"/>
+        </a:ln>
+        <a:effectLst/>
+      </dsp:spPr>
+      <dsp:style>
+        <a:lnRef idx="2">
+          <a:scrgbClr r="0" g="0" b="0"/>
+        </a:lnRef>
+        <a:fillRef idx="1">
+          <a:scrgbClr r="0" g="0" b="0"/>
+        </a:fillRef>
+        <a:effectRef idx="0">
+          <a:scrgbClr r="0" g="0" b="0"/>
+        </a:effectRef>
+        <a:fontRef idx="minor"/>
+      </dsp:style>
+      <dsp:txBody>
+        <a:bodyPr spcFirstLastPara="0" vert="horz" wrap="square" lIns="45720" tIns="45720" rIns="45720" bIns="45720" numCol="1" spcCol="1270" anchor="ctr" anchorCtr="0">
+          <a:noAutofit/>
+        </a:bodyPr>
+        <a:lstStyle/>
+        <a:p>
+          <a:pPr marL="0" lvl="0" indent="0" algn="ctr" defTabSz="533400">
+            <a:lnSpc>
+              <a:spcPct val="90000"/>
+            </a:lnSpc>
+            <a:spcBef>
+              <a:spcPct val="0"/>
+            </a:spcBef>
+            <a:spcAft>
+              <a:spcPct val="35000"/>
+            </a:spcAft>
+            <a:buNone/>
+          </a:pPr>
+          <a:r>
+            <a:rPr lang="en-GB" sz="1200" b="1" kern="1200" dirty="0">
+              <a:latin typeface="Fira Sans" panose="020B0503050000020004" pitchFamily="34" charset="0"/>
+            </a:rPr>
+            <a:t>Umbrella Reviews</a:t>
+          </a:r>
+        </a:p>
+      </dsp:txBody>
+      <dsp:txXfrm>
+        <a:off x="1622274" y="2554675"/>
+        <a:ext cx="1991517" cy="657854"/>
+      </dsp:txXfrm>
+    </dsp:sp>
+    <dsp:sp modelId="{953F9F72-1694-E140-BCFB-86086819012A}">
+      <dsp:nvSpPr>
+        <dsp:cNvPr id="0" name=""/>
+        <dsp:cNvSpPr/>
+      </dsp:nvSpPr>
+      <dsp:spPr>
+        <a:xfrm>
+          <a:off x="1586686" y="3339246"/>
+          <a:ext cx="2062693" cy="729030"/>
+        </a:xfrm>
+        <a:prstGeom prst="roundRect">
+          <a:avLst/>
+        </a:prstGeom>
+        <a:solidFill>
+          <a:schemeClr val="lt1">
+            <a:alpha val="90000"/>
+            <a:hueOff val="0"/>
+            <a:satOff val="0"/>
+            <a:lumOff val="0"/>
+            <a:alphaOff val="0"/>
+          </a:schemeClr>
+        </a:solidFill>
+        <a:ln w="12700" cap="flat" cmpd="sng" algn="ctr">
+          <a:solidFill>
+            <a:schemeClr val="accent1">
+              <a:hueOff val="0"/>
+              <a:satOff val="0"/>
+              <a:lumOff val="0"/>
+              <a:alphaOff val="0"/>
+            </a:schemeClr>
+          </a:solidFill>
+          <a:prstDash val="solid"/>
+          <a:miter lim="800000"/>
+        </a:ln>
+        <a:effectLst/>
+      </dsp:spPr>
+      <dsp:style>
+        <a:lnRef idx="2">
+          <a:scrgbClr r="0" g="0" b="0"/>
+        </a:lnRef>
+        <a:fillRef idx="1">
+          <a:scrgbClr r="0" g="0" b="0"/>
+        </a:fillRef>
+        <a:effectRef idx="0">
+          <a:scrgbClr r="0" g="0" b="0"/>
+        </a:effectRef>
+        <a:fontRef idx="minor"/>
+      </dsp:style>
+      <dsp:txBody>
+        <a:bodyPr spcFirstLastPara="0" vert="horz" wrap="square" lIns="45720" tIns="45720" rIns="45720" bIns="45720" numCol="1" spcCol="1270" anchor="ctr" anchorCtr="0">
+          <a:noAutofit/>
+        </a:bodyPr>
+        <a:lstStyle/>
+        <a:p>
+          <a:pPr marL="0" lvl="0" indent="0" algn="ctr" defTabSz="533400">
+            <a:lnSpc>
+              <a:spcPct val="90000"/>
+            </a:lnSpc>
+            <a:spcBef>
+              <a:spcPct val="0"/>
+            </a:spcBef>
+            <a:spcAft>
+              <a:spcPct val="35000"/>
+            </a:spcAft>
+            <a:buNone/>
+          </a:pPr>
+          <a:r>
+            <a:rPr lang="en-GB" sz="1200" b="1" kern="1200" dirty="0">
+              <a:latin typeface="Fira Sans" panose="020B0503050000020004" pitchFamily="34" charset="0"/>
+            </a:rPr>
+            <a:t>Network Meta-analyses</a:t>
+          </a:r>
+        </a:p>
+      </dsp:txBody>
+      <dsp:txXfrm>
+        <a:off x="1622274" y="3374834"/>
+        <a:ext cx="1991517" cy="657854"/>
+      </dsp:txXfrm>
+    </dsp:sp>
+    <dsp:sp modelId="{DB4165AE-D7EC-8141-9738-7914CC452A21}">
+      <dsp:nvSpPr>
+        <dsp:cNvPr id="0" name=""/>
+        <dsp:cNvSpPr/>
+      </dsp:nvSpPr>
+      <dsp:spPr>
+        <a:xfrm>
+          <a:off x="1586686" y="4159406"/>
+          <a:ext cx="2062693" cy="729030"/>
+        </a:xfrm>
+        <a:prstGeom prst="roundRect">
+          <a:avLst/>
+        </a:prstGeom>
+        <a:solidFill>
+          <a:schemeClr val="lt1">
+            <a:alpha val="90000"/>
+            <a:hueOff val="0"/>
+            <a:satOff val="0"/>
+            <a:lumOff val="0"/>
+            <a:alphaOff val="0"/>
+          </a:schemeClr>
+        </a:solidFill>
+        <a:ln w="12700" cap="flat" cmpd="sng" algn="ctr">
+          <a:solidFill>
+            <a:schemeClr val="accent1">
+              <a:hueOff val="0"/>
+              <a:satOff val="0"/>
+              <a:lumOff val="0"/>
+              <a:alphaOff val="0"/>
+            </a:schemeClr>
+          </a:solidFill>
+          <a:prstDash val="solid"/>
+          <a:miter lim="800000"/>
+        </a:ln>
+        <a:effectLst/>
+      </dsp:spPr>
+      <dsp:style>
+        <a:lnRef idx="2">
+          <a:scrgbClr r="0" g="0" b="0"/>
+        </a:lnRef>
+        <a:fillRef idx="1">
+          <a:scrgbClr r="0" g="0" b="0"/>
+        </a:fillRef>
+        <a:effectRef idx="0">
+          <a:scrgbClr r="0" g="0" b="0"/>
+        </a:effectRef>
+        <a:fontRef idx="minor"/>
+      </dsp:style>
+      <dsp:txBody>
+        <a:bodyPr spcFirstLastPara="0" vert="horz" wrap="square" lIns="45720" tIns="45720" rIns="45720" bIns="45720" numCol="1" spcCol="1270" anchor="ctr" anchorCtr="0">
+          <a:noAutofit/>
+        </a:bodyPr>
+        <a:lstStyle/>
+        <a:p>
+          <a:pPr marL="0" lvl="0" indent="0" algn="ctr" defTabSz="533400">
+            <a:lnSpc>
+              <a:spcPct val="90000"/>
+            </a:lnSpc>
+            <a:spcBef>
+              <a:spcPct val="0"/>
+            </a:spcBef>
+            <a:spcAft>
+              <a:spcPct val="35000"/>
+            </a:spcAft>
+            <a:buNone/>
+          </a:pPr>
+          <a:r>
+            <a:rPr lang="en-GB" sz="1200" b="1" kern="1200" dirty="0">
+              <a:latin typeface="Fira Sans" panose="020B0503050000020004" pitchFamily="34" charset="0"/>
+            </a:rPr>
+            <a:t>Meta-Analyses (IPD, Living Systematic Reviews)</a:t>
+          </a:r>
+        </a:p>
+      </dsp:txBody>
+      <dsp:txXfrm>
+        <a:off x="1622274" y="4194994"/>
+        <a:ext cx="1991517" cy="657854"/>
+      </dsp:txXfrm>
+    </dsp:sp>
+  </dsp:spTree>
+</dsp:drawing>
+</file>
+
+<file path=ppt/diagrams/layout1.xml><?xml version="1.0" encoding="utf-8"?>
+<dgm:layoutDef xmlns:dgm="http://schemas.openxmlformats.org/drawingml/2006/diagram" xmlns:a="http://schemas.openxmlformats.org/drawingml/2006/main" uniqueId="urn:microsoft.com/office/officeart/2005/8/layout/pyramid2">
+  <dgm:title val=""/>
+  <dgm:desc val=""/>
+  <dgm:catLst>
+    <dgm:cat type="pyramid" pri="3000"/>
+    <dgm:cat type="list" pri="21000"/>
+    <dgm:cat type="convert" pri="17000"/>
+  </dgm:catLst>
+  <dgm:sampData useDef="1">
+    <dgm:dataModel>
+      <dgm:ptLst/>
+      <dgm:bg/>
+      <dgm:whole/>
+    </dgm:dataModel>
+  </dgm:sampData>
+  <dgm:styleData useDef="1">
+    <dgm:dataModel>
+      <dgm:ptLst/>
+      <dgm:bg/>
+      <dgm:whole/>
+    </dgm:dataModel>
+  </dgm:styleData>
+  <dgm:clrData useDef="1">
+    <dgm:dataModel>
+      <dgm:ptLst/>
+      <dgm:bg/>
+      <dgm:whole/>
+    </dgm:dataModel>
+  </dgm:clrData>
+  <dgm:layoutNode name="compositeShape">
+    <dgm:alg type="composite"/>
+    <dgm:shape xmlns:r="http://schemas.openxmlformats.org/officeDocument/2006/relationships" r:blip="">
+      <dgm:adjLst/>
+    </dgm:shape>
+    <dgm:presOf/>
+    <dgm:varLst>
+      <dgm:dir/>
+      <dgm:resizeHandles/>
+    </dgm:varLst>
+    <dgm:choose name="Name0">
+      <dgm:if name="Name1" func="var" arg="dir" op="equ" val="norm">
+        <dgm:constrLst>
+          <dgm:constr type="w" for="ch" forName="pyramid" refType="h"/>
+          <dgm:constr type="h" for="ch" forName="pyramid" refType="h"/>
+          <dgm:constr type="h" for="ch" forName="theList" refType="h" fact="0.8"/>
+          <dgm:constr type="w" for="ch" forName="theList" refType="h" fact="0.65"/>
+          <dgm:constr type="ctrY" for="ch" forName="theList" refType="h" refFor="ch" refForName="pyramid" fact="0.5"/>
+          <dgm:constr type="l" for="ch" forName="theList" refType="w" refFor="ch" refForName="pyramid" fact="0.5"/>
+          <dgm:constr type="h" for="des" forName="aSpace" refType="h" fact="0.1"/>
+        </dgm:constrLst>
+      </dgm:if>
+      <dgm:else name="Name2">
+        <dgm:constrLst>
+          <dgm:constr type="w" for="ch" forName="pyramid" refType="h"/>
+          <dgm:constr type="h" for="ch" forName="pyramid" refType="h"/>
+          <dgm:constr type="h" for="ch" forName="theList" refType="h" fact="0.8"/>
+          <dgm:constr type="w" for="ch" forName="theList" refType="h" fact="0.65"/>
+          <dgm:constr type="ctrY" for="ch" forName="theList" refType="h" refFor="ch" refForName="pyramid" fact="0.5"/>
+          <dgm:constr type="r" for="ch" forName="theList" refType="w" refFor="ch" refForName="pyramid" fact="0.5"/>
+          <dgm:constr type="h" for="des" forName="aSpace" refType="h" fact="0.1"/>
+        </dgm:constrLst>
+      </dgm:else>
+    </dgm:choose>
+    <dgm:ruleLst/>
+    <dgm:choose name="Name3">
+      <dgm:if name="Name4" axis="ch" ptType="node" func="cnt" op="gte" val="1">
+        <dgm:layoutNode name="pyramid" styleLbl="node1">
+          <dgm:alg type="sp"/>
+          <dgm:shape xmlns:r="http://schemas.openxmlformats.org/officeDocument/2006/relationships" type="triangle" r:blip="">
+            <dgm:adjLst/>
+          </dgm:shape>
+          <dgm:presOf/>
+          <dgm:constrLst/>
+          <dgm:ruleLst/>
+        </dgm:layoutNode>
+        <dgm:layoutNode name="theList">
+          <dgm:alg type="lin">
+            <dgm:param type="linDir" val="fromT"/>
+          </dgm:alg>
+          <dgm:shape xmlns:r="http://schemas.openxmlformats.org/officeDocument/2006/relationships" r:blip="">
+            <dgm:adjLst/>
+          </dgm:shape>
+          <dgm:presOf/>
+          <dgm:constrLst>
+            <dgm:constr type="w" for="ch" forName="aNode" refType="w"/>
+            <dgm:constr type="h" for="ch" forName="aNode" refType="h"/>
+            <dgm:constr type="primFontSz" for="ch" ptType="node" op="equ"/>
+          </dgm:constrLst>
+          <dgm:ruleLst/>
+          <dgm:forEach name="aNodeForEach" axis="ch" ptType="node">
+            <dgm:layoutNode name="aNode" styleLbl="fgAcc1">
+              <dgm:varLst>
+                <dgm:bulletEnabled val="1"/>
+              </dgm:varLst>
+              <dgm:alg type="tx"/>
+              <dgm:shape xmlns:r="http://schemas.openxmlformats.org/officeDocument/2006/relationships" type="roundRect" r:blip="">
+                <dgm:adjLst/>
+              </dgm:shape>
+              <dgm:presOf axis="desOrSelf" ptType="node"/>
+              <dgm:constrLst>
+                <dgm:constr type="primFontSz" val="65"/>
+                <dgm:constr type="tMarg" refType="primFontSz" fact="0.3"/>
+                <dgm:constr type="bMarg" refType="primFontSz" fact="0.3"/>
+                <dgm:constr type="lMarg" refType="primFontSz" fact="0.3"/>
+                <dgm:constr type="rMarg" refType="primFontSz" fact="0.3"/>
+              </dgm:constrLst>
+              <dgm:ruleLst>
+                <dgm:rule type="primFontSz" val="5" fact="NaN" max="NaN"/>
+              </dgm:ruleLst>
+            </dgm:layoutNode>
+            <dgm:layoutNode name="aSpace">
+              <dgm:alg type="sp"/>
+              <dgm:shape xmlns:r="http://schemas.openxmlformats.org/officeDocument/2006/relationships" r:blip="">
+                <dgm:adjLst/>
+              </dgm:shape>
+              <dgm:presOf/>
+              <dgm:constrLst/>
+              <dgm:ruleLst/>
+            </dgm:layoutNode>
+          </dgm:forEach>
+        </dgm:layoutNode>
+      </dgm:if>
+      <dgm:else name="Name5"/>
+    </dgm:choose>
+  </dgm:layoutNode>
+</dgm:layoutDef>
+</file>
+
+<file path=ppt/diagrams/quickStyle1.xml><?xml version="1.0" encoding="utf-8"?>
+<dgm:styleDef xmlns:dgm="http://schemas.openxmlformats.org/drawingml/2006/diagram" xmlns:a="http://schemas.openxmlformats.org/drawingml/2006/main" uniqueId="urn:microsoft.com/office/officeart/2005/8/quickstyle/simple1">
+  <dgm:title val=""/>
+  <dgm:desc val=""/>
+  <dgm:catLst>
+    <dgm:cat type="simple" pri="10100"/>
+  </dgm:catLst>
+  <dgm:scene3d>
+    <a:camera prst="orthographicFront"/>
+    <a:lightRig rig="threePt" dir="t"/>
+  </dgm:scene3d>
+  <dgm:styleLbl name="node0">
+    <dgm:scene3d>
+      <a:camera prst="orthographicFront"/>
+      <a:lightRig rig="threePt" dir="t"/>
+    </dgm:scene3d>
+    <dgm:sp3d/>
+    <dgm:txPr/>
+    <dgm:style>
+      <a:lnRef idx="2">
+        <a:scrgbClr r="0" g="0" b="0"/>
+      </a:lnRef>
+      <a:fillRef idx="1">
+        <a:scrgbClr r="0" g="0" b="0"/>
+      </a:fillRef>
+      <a:effectRef idx="0">
+        <a:scrgbClr r="0" g="0" b="0"/>
+      </a:effectRef>
+      <a:fontRef idx="minor">
+        <a:schemeClr val="lt1"/>
+      </a:fontRef>
+    </dgm:style>
+  </dgm:styleLbl>
+  <dgm:styleLbl name="lnNode1">
+    <dgm:scene3d>
+      <a:camera prst="orthographicFront"/>
+      <a:lightRig rig="threePt" dir="t"/>
+    </dgm:scene3d>
+    <dgm:sp3d/>
+    <dgm:txPr/>
+    <dgm:style>
+      <a:lnRef idx="2">
+        <a:scrgbClr r="0" g="0" b="0"/>
+      </a:lnRef>
+      <a:fillRef idx="1">
+        <a:scrgbClr r="0" g="0" b="0"/>
+      </a:fillRef>
+      <a:effectRef idx="0">
+        <a:scrgbClr r="0" g="0" b="0"/>
+      </a:effectRef>
+      <a:fontRef idx="minor">
+        <a:schemeClr val="lt1"/>
+      </a:fontRef>
+    </dgm:style>
+  </dgm:styleLbl>
+  <dgm:styleLbl name="vennNode1">
+    <dgm:scene3d>
+      <a:camera prst="orthographicFront"/>
+      <a:lightRig rig="threePt" dir="t"/>
+    </dgm:scene3d>
+    <dgm:sp3d/>
+    <dgm:txPr/>
+    <dgm:style>
+      <a:lnRef idx="2">
+        <a:scrgbClr r="0" g="0" b="0"/>
+      </a:lnRef>
+      <a:fillRef idx="1">
+        <a:scrgbClr r="0" g="0" b="0"/>
+      </a:fillRef>
+      <a:effectRef idx="0">
+        <a:scrgbClr r="0" g="0" b="0"/>
+      </a:effectRef>
+      <a:fontRef idx="minor">
+        <a:schemeClr val="tx1"/>
+      </a:fontRef>
+    </dgm:style>
+  </dgm:styleLbl>
+  <dgm:styleLbl name="alignNode1">
+    <dgm:scene3d>
+      <a:camera prst="orthographicFront"/>
+      <a:lightRig rig="threePt" dir="t"/>
+    </dgm:scene3d>
+    <dgm:sp3d/>
+    <dgm:txPr/>
+    <dgm:style>
+      <a:lnRef idx="2">
+        <a:scrgbClr r="0" g="0" b="0"/>
+      </a:lnRef>
+      <a:fillRef idx="1">
+        <a:scrgbClr r="0" g="0" b="0"/>
+      </a:fillRef>
+      <a:effectRef idx="0">
+        <a:scrgbClr r="0" g="0" b="0"/>
+      </a:effectRef>
+      <a:fontRef idx="minor">
+        <a:schemeClr val="lt1"/>
+      </a:fontRef>
+    </dgm:style>
+  </dgm:styleLbl>
+  <dgm:styleLbl name="node1">
+    <dgm:scene3d>
+      <a:camera prst="orthographicFront"/>
+      <a:lightRig rig="threePt" dir="t"/>
+    </dgm:scene3d>
+    <dgm:sp3d/>
+    <dgm:txPr/>
+    <dgm:style>
+      <a:lnRef idx="2">
+        <a:scrgbClr r="0" g="0" b="0"/>
+      </a:lnRef>
+      <a:fillRef idx="1">
+        <a:scrgbClr r="0" g="0" b="0"/>
+      </a:fillRef>
+      <a:effectRef idx="0">
+        <a:scrgbClr r="0" g="0" b="0"/>
+      </a:effectRef>
+      <a:fontRef idx="minor">
+        <a:schemeClr val="lt1"/>
+      </a:fontRef>
+    </dgm:style>
+  </dgm:styleLbl>
+  <dgm:styleLbl name="node2">
+    <dgm:scene3d>
+      <a:camera prst="orthographicFront"/>
+      <a:lightRig rig="threePt" dir="t"/>
+    </dgm:scene3d>
+    <dgm:sp3d/>
+    <dgm:txPr/>
+    <dgm:style>
+      <a:lnRef idx="2">
+        <a:scrgbClr r="0" g="0" b="0"/>
+      </a:lnRef>
+      <a:fillRef idx="1">
+        <a:scrgbClr r="0" g="0" b="0"/>
+      </a:fillRef>
+      <a:effectRef idx="0">
+        <a:scrgbClr r="0" g="0" b="0"/>
+      </a:effectRef>
+      <a:fontRef idx="minor">
+        <a:schemeClr val="lt1"/>
+      </a:fontRef>
+    </dgm:style>
+  </dgm:styleLbl>
+  <dgm:styleLbl name="node3">
+    <dgm:scene3d>
+      <a:camera prst="orthographicFront"/>
+      <a:lightRig rig="threePt" dir="t"/>
+    </dgm:scene3d>
+    <dgm:sp3d/>
+    <dgm:txPr/>
+    <dgm:style>
+      <a:lnRef idx="2">
+        <a:scrgbClr r="0" g="0" b="0"/>
+      </a:lnRef>
+      <a:fillRef idx="1">
+        <a:scrgbClr r="0" g="0" b="0"/>
+      </a:fillRef>
+      <a:effectRef idx="0">
+        <a:scrgbClr r="0" g="0" b="0"/>
+      </a:effectRef>
+      <a:fontRef idx="minor">
+        <a:schemeClr val="lt1"/>
+      </a:fontRef>
+    </dgm:style>
+  </dgm:styleLbl>
+  <dgm:styleLbl name="node4">
+    <dgm:scene3d>
+      <a:camera prst="orthographicFront"/>
+      <a:lightRig rig="threePt" dir="t"/>
+    </dgm:scene3d>
+    <dgm:sp3d/>
+    <dgm:txPr/>
+    <dgm:style>
+      <a:lnRef idx="2">
+        <a:scrgbClr r="0" g="0" b="0"/>
+      </a:lnRef>
+      <a:fillRef idx="1">
+        <a:scrgbClr r="0" g="0" b="0"/>
+      </a:fillRef>
+      <a:effectRef idx="0">
+        <a:scrgbClr r="0" g="0" b="0"/>
+      </a:effectRef>
+      <a:fontRef idx="minor">
+        <a:schemeClr val="lt1"/>
+      </a:fontRef>
+    </dgm:style>
+  </dgm:styleLbl>
+  <dgm:styleLbl name="fgImgPlace1">
+    <dgm:scene3d>
+      <a:camera prst="orthographicFront"/>
+      <a:lightRig rig="threePt" dir="t"/>
+    </dgm:scene3d>
+    <dgm:sp3d/>
+    <dgm:txPr/>
+    <dgm:style>
+      <a:lnRef idx="2">
+        <a:scrgbClr r="0" g="0" b="0"/>
+      </a:lnRef>
+      <a:fillRef idx="1">
+        <a:scrgbClr r="0" g="0" b="0"/>
+      </a:fillRef>
+      <a:effectRef idx="0">
+        <a:scrgbClr r="0" g="0" b="0"/>
+      </a:effectRef>
+      <a:fontRef idx="minor"/>
+    </dgm:style>
+  </dgm:styleLbl>
+  <dgm:styleLbl name="alignImgPlace1">
+    <dgm:scene3d>
+      <a:camera prst="orthographicFront"/>
+      <a:lightRig rig="threePt" dir="t"/>
+    </dgm:scene3d>
+    <dgm:sp3d/>
+    <dgm:txPr/>
+    <dgm:style>
+      <a:lnRef idx="2">
+        <a:scrgbClr r="0" g="0" b="0"/>
+      </a:lnRef>
+      <a:fillRef idx="1">
+        <a:scrgbClr r="0" g="0" b="0"/>
+      </a:fillRef>
+      <a:effectRef idx="0">
+        <a:scrgbClr r="0" g="0" b="0"/>
+      </a:effectRef>
+      <a:fontRef idx="minor"/>
+    </dgm:style>
+  </dgm:styleLbl>
+  <dgm:styleLbl name="bgImgPlace1">
+    <dgm:scene3d>
+      <a:camera prst="orthographicFront"/>
+      <a:lightRig rig="threePt" dir="t"/>
+    </dgm:scene3d>
+    <dgm:sp3d/>
+    <dgm:txPr/>
+    <dgm:style>
+      <a:lnRef idx="2">
+        <a:scrgbClr r="0" g="0" b="0"/>
+      </a:lnRef>
+      <a:fillRef idx="1">
+        <a:scrgbClr r="0" g="0" b="0"/>
+      </a:fillRef>
+      <a:effectRef idx="0">
+        <a:scrgbClr r="0" g="0" b="0"/>
+      </a:effectRef>
+      <a:fontRef idx="minor"/>
+    </dgm:style>
+  </dgm:styleLbl>
+  <dgm:styleLbl name="sibTrans2D1">
+    <dgm:scene3d>
+      <a:camera prst="orthographicFront"/>
+      <a:lightRig rig="threePt" dir="t"/>
+    </dgm:scene3d>
+    <dgm:sp3d/>
+    <dgm:txPr/>
+    <dgm:style>
+      <a:lnRef idx="0">
+        <a:scrgbClr r="0" g="0" b="0"/>
+      </a:lnRef>
+      <a:fillRef idx="1">
+        <a:scrgbClr r="0" g="0" b="0"/>
+      </a:fillRef>
+      <a:effectRef idx="0">
+        <a:scrgbClr r="0" g="0" b="0"/>
+      </a:effectRef>
+      <a:fontRef idx="minor">
+        <a:schemeClr val="lt1"/>
+      </a:fontRef>
+    </dgm:style>
+  </dgm:styleLbl>
+  <dgm:styleLbl name="fgSibTrans2D1">
+    <dgm:scene3d>
+      <a:camera prst="orthographicFront"/>
+      <a:lightRig rig="threePt" dir="t"/>
+    </dgm:scene3d>
+    <dgm:sp3d/>
+    <dgm:txPr/>
+    <dgm:style>
+      <a:lnRef idx="0">
+        <a:scrgbClr r="0" g="0" b="0"/>
+      </a:lnRef>
+      <a:fillRef idx="1">
+        <a:scrgbClr r="0" g="0" b="0"/>
+      </a:fillRef>
+      <a:effectRef idx="0">
+        <a:scrgbClr r="0" g="0" b="0"/>
+      </a:effectRef>
+      <a:fontRef idx="minor">
+        <a:schemeClr val="lt1"/>
+      </a:fontRef>
+    </dgm:style>
+  </dgm:styleLbl>
+  <dgm:styleLbl name="bgSibTrans2D1">
+    <dgm:scene3d>
+      <a:camera prst="orthographicFront"/>
+      <a:lightRig rig="threePt" dir="t"/>
+    </dgm:scene3d>
+    <dgm:sp3d/>
+    <dgm:txPr/>
+    <dgm:style>
+      <a:lnRef idx="0">
+        <a:scrgbClr r="0" g="0" b="0"/>
+      </a:lnRef>
+      <a:fillRef idx="1">
+        <a:scrgbClr r="0" g="0" b="0"/>
+      </a:fillRef>
+      <a:effectRef idx="0">
+        <a:scrgbClr r="0" g="0" b="0"/>
+      </a:effectRef>
+      <a:fontRef idx="minor">
+        <a:schemeClr val="lt1"/>
+      </a:fontRef>
+    </dgm:style>
+  </dgm:styleLbl>
+  <dgm:styleLbl name="sibTrans1D1">
+    <dgm:scene3d>
+      <a:camera prst="orthographicFront"/>
+      <a:lightRig rig="threePt" dir="t"/>
+    </dgm:scene3d>
+    <dgm:sp3d/>
+    <dgm:txPr/>
+    <dgm:style>
+      <a:lnRef idx="1">
+        <a:scrgbClr r="0" g="0" b="0"/>
+      </a:lnRef>
+      <a:fillRef idx="0">
+        <a:scrgbClr r="0" g="0" b="0"/>
+      </a:fillRef>
+      <a:effectRef idx="0">
+        <a:scrgbClr r="0" g="0" b="0"/>
+      </a:effectRef>
+      <a:fontRef idx="minor"/>
+    </dgm:style>
+  </dgm:styleLbl>
+  <dgm:styleLbl name="callout">
+    <dgm:scene3d>
+      <a:camera prst="orthographicFront"/>
+      <a:lightRig rig="threePt" dir="t"/>
+    </dgm:scene3d>
+    <dgm:sp3d/>
+    <dgm:txPr/>
+    <dgm:style>
+      <a:lnRef idx="2">
+        <a:scrgbClr r="0" g="0" b="0"/>
+      </a:lnRef>
+      <a:fillRef idx="1">
+        <a:scrgbClr r="0" g="0" b="0"/>
+      </a:fillRef>
+      <a:effectRef idx="0">
+        <a:scrgbClr r="0" g="0" b="0"/>
+      </a:effectRef>
+      <a:fontRef idx="minor"/>
+    </dgm:style>
+  </dgm:styleLbl>
+  <dgm:styleLbl name="asst0">
+    <dgm:scene3d>
+      <a:camera prst="orthographicFront"/>
+      <a:lightRig rig="threePt" dir="t"/>
+    </dgm:scene3d>
+    <dgm:sp3d/>
+    <dgm:txPr/>
+    <dgm:style>
+      <a:lnRef idx="2">
+        <a:scrgbClr r="0" g="0" b="0"/>
+      </a:lnRef>
+      <a:fillRef idx="1">
+        <a:scrgbClr r="0" g="0" b="0"/>
+      </a:fillRef>
+      <a:effectRef idx="0">
+        <a:scrgbClr r="0" g="0" b="0"/>
+      </a:effectRef>
+      <a:fontRef idx="minor">
+        <a:schemeClr val="lt1"/>
+      </a:fontRef>
+    </dgm:style>
+  </dgm:styleLbl>
+  <dgm:styleLbl name="asst1">
+    <dgm:scene3d>
+      <a:camera prst="orthographicFront"/>
+      <a:lightRig rig="threePt" dir="t"/>
+    </dgm:scene3d>
+    <dgm:sp3d/>
+    <dgm:txPr/>
+    <dgm:style>
+      <a:lnRef idx="2">
+        <a:scrgbClr r="0" g="0" b="0"/>
+      </a:lnRef>
+      <a:fillRef idx="1">
+        <a:scrgbClr r="0" g="0" b="0"/>
+      </a:fillRef>
+      <a:effectRef idx="0">
+        <a:scrgbClr r="0" g="0" b="0"/>
+      </a:effectRef>
+      <a:fontRef idx="minor">
+        <a:schemeClr val="lt1"/>
+      </a:fontRef>
+    </dgm:style>
+  </dgm:styleLbl>
+  <dgm:styleLbl name="asst2">
+    <dgm:scene3d>
+      <a:camera prst="orthographicFront"/>
+      <a:lightRig rig="threePt" dir="t"/>
+    </dgm:scene3d>
+    <dgm:sp3d/>
+    <dgm:txPr/>
+    <dgm:style>
+      <a:lnRef idx="2">
+        <a:scrgbClr r="0" g="0" b="0"/>
+      </a:lnRef>
+      <a:fillRef idx="1">
+        <a:scrgbClr r="0" g="0" b="0"/>
+      </a:fillRef>
+      <a:effectRef idx="0">
+        <a:scrgbClr r="0" g="0" b="0"/>
+      </a:effectRef>
+      <a:fontRef idx="minor">
+        <a:schemeClr val="lt1"/>
+      </a:fontRef>
+    </dgm:style>
+  </dgm:styleLbl>
+  <dgm:styleLbl name="asst3">
+    <dgm:scene3d>
+      <a:camera prst="orthographicFront"/>
+      <a:lightRig rig="threePt" dir="t"/>
+    </dgm:scene3d>
+    <dgm:sp3d/>
+    <dgm:txPr/>
+    <dgm:style>
+      <a:lnRef idx="2">
+        <a:scrgbClr r="0" g="0" b="0"/>
+      </a:lnRef>
+      <a:fillRef idx="1">
+        <a:scrgbClr r="0" g="0" b="0"/>
+      </a:fillRef>
+      <a:effectRef idx="0">
+        <a:scrgbClr r="0" g="0" b="0"/>
+      </a:effectRef>
+      <a:fontRef idx="minor">
+        <a:schemeClr val="lt1"/>
+      </a:fontRef>
+    </dgm:style>
+  </dgm:styleLbl>
+  <dgm:styleLbl name="asst4">
+    <dgm:scene3d>
+      <a:camera prst="orthographicFront"/>
+      <a:lightRig rig="threePt" dir="t"/>
+    </dgm:scene3d>
+    <dgm:sp3d/>
+    <dgm:txPr/>
+    <dgm:style>
+      <a:lnRef idx="2">
+        <a:scrgbClr r="0" g="0" b="0"/>
+      </a:lnRef>
+      <a:fillRef idx="1">
+        <a:scrgbClr r="0" g="0" b="0"/>
+      </a:fillRef>
+      <a:effectRef idx="0">
+        <a:scrgbClr r="0" g="0" b="0"/>
+      </a:effectRef>
+      <a:fontRef idx="minor">
+        <a:schemeClr val="lt1"/>
+      </a:fontRef>
+    </dgm:style>
+  </dgm:styleLbl>
+  <dgm:styleLbl name="parChTrans2D1">
+    <dgm:scene3d>
+      <a:camera prst="orthographicFront"/>
+      <a:lightRig rig="threePt" dir="t"/>
+    </dgm:scene3d>
+    <dgm:sp3d/>
+    <dgm:txPr/>
+    <dgm:style>
+      <a:lnRef idx="2">
+        <a:scrgbClr r="0" g="0" b="0"/>
+      </a:lnRef>
+      <a:fillRef idx="1">
+        <a:scrgbClr r="0" g="0" b="0"/>
+      </a:fillRef>
+      <a:effectRef idx="0">
+        <a:scrgbClr r="0" g="0" b="0"/>
+      </a:effectRef>
+      <a:fontRef idx="minor">
+        <a:schemeClr val="lt1"/>
+      </a:fontRef>
+    </dgm:style>
+  </dgm:styleLbl>
+  <dgm:styleLbl name="parChTrans2D2">
+    <dgm:scene3d>
+      <a:camera prst="orthographicFront"/>
+      <a:lightRig rig="threePt" dir="t"/>
+    </dgm:scene3d>
+    <dgm:sp3d/>
+    <dgm:txPr/>
+    <dgm:style>
+      <a:lnRef idx="2">
+        <a:scrgbClr r="0" g="0" b="0"/>
+      </a:lnRef>
+      <a:fillRef idx="1">
+        <a:scrgbClr r="0" g="0" b="0"/>
+      </a:fillRef>
+      <a:effectRef idx="0">
+        <a:scrgbClr r="0" g="0" b="0"/>
+      </a:effectRef>
+      <a:fontRef idx="minor">
+        <a:schemeClr val="lt1"/>
+      </a:fontRef>
+    </dgm:style>
+  </dgm:styleLbl>
+  <dgm:styleLbl name="parChTrans2D3">
+    <dgm:scene3d>
+      <a:camera prst="orthographicFront"/>
+      <a:lightRig rig="threePt" dir="t"/>
+    </dgm:scene3d>
+    <dgm:sp3d/>
+    <dgm:txPr/>
+    <dgm:style>
+      <a:lnRef idx="2">
+        <a:scrgbClr r="0" g="0" b="0"/>
+      </a:lnRef>
+      <a:fillRef idx="1">
+        <a:scrgbClr r="0" g="0" b="0"/>
+      </a:fillRef>
+      <a:effectRef idx="0">
+        <a:scrgbClr r="0" g="0" b="0"/>
+      </a:effectRef>
+      <a:fontRef idx="minor">
+        <a:schemeClr val="lt1"/>
+      </a:fontRef>
+    </dgm:style>
+  </dgm:styleLbl>
+  <dgm:styleLbl name="parChTrans2D4">
+    <dgm:scene3d>
+      <a:camera prst="orthographicFront"/>
+      <a:lightRig rig="threePt" dir="t"/>
+    </dgm:scene3d>
+    <dgm:sp3d/>
+    <dgm:txPr/>
+    <dgm:style>
+      <a:lnRef idx="2">
+        <a:scrgbClr r="0" g="0" b="0"/>
+      </a:lnRef>
+      <a:fillRef idx="1">
+        <a:scrgbClr r="0" g="0" b="0"/>
+      </a:fillRef>
+      <a:effectRef idx="0">
+        <a:scrgbClr r="0" g="0" b="0"/>
+      </a:effectRef>
+      <a:fontRef idx="minor">
+        <a:schemeClr val="lt1"/>
+      </a:fontRef>
+    </dgm:style>
+  </dgm:styleLbl>
+  <dgm:styleLbl name="parChTrans1D1">
+    <dgm:scene3d>
+      <a:camera prst="orthographicFront"/>
+      <a:lightRig rig="threePt" dir="t"/>
+    </dgm:scene3d>
+    <dgm:sp3d/>
+    <dgm:txPr/>
+    <dgm:style>
+      <a:lnRef idx="2">
+        <a:scrgbClr r="0" g="0" b="0"/>
+      </a:lnRef>
+      <a:fillRef idx="0">
+        <a:scrgbClr r="0" g="0" b="0"/>
+      </a:fillRef>
+      <a:effectRef idx="0">
+        <a:scrgbClr r="0" g="0" b="0"/>
+      </a:effectRef>
+      <a:fontRef idx="minor"/>
+    </dgm:style>
+  </dgm:styleLbl>
+  <dgm:styleLbl name="parChTrans1D2">
+    <dgm:scene3d>
+      <a:camera prst="orthographicFront"/>
+      <a:lightRig rig="threePt" dir="t"/>
+    </dgm:scene3d>
+    <dgm:sp3d/>
+    <dgm:txPr/>
+    <dgm:style>
+      <a:lnRef idx="2">
+        <a:scrgbClr r="0" g="0" b="0"/>
+      </a:lnRef>
+      <a:fillRef idx="0">
+        <a:scrgbClr r="0" g="0" b="0"/>
+      </a:fillRef>
+      <a:effectRef idx="0">
+        <a:scrgbClr r="0" g="0" b="0"/>
+      </a:effectRef>
+      <a:fontRef idx="minor"/>
+    </dgm:style>
+  </dgm:styleLbl>
+  <dgm:styleLbl name="parChTrans1D3">
+    <dgm:scene3d>
+      <a:camera prst="orthographicFront"/>
+      <a:lightRig rig="threePt" dir="t"/>
+    </dgm:scene3d>
+    <dgm:sp3d/>
+    <dgm:txPr/>
+    <dgm:style>
+      <a:lnRef idx="2">
+        <a:scrgbClr r="0" g="0" b="0"/>
+      </a:lnRef>
+      <a:fillRef idx="0">
+        <a:scrgbClr r="0" g="0" b="0"/>
+      </a:fillRef>
+      <a:effectRef idx="0">
+        <a:scrgbClr r="0" g="0" b="0"/>
+      </a:effectRef>
+      <a:fontRef idx="minor"/>
+    </dgm:style>
+  </dgm:styleLbl>
+  <dgm:styleLbl name="parChTrans1D4">
+    <dgm:scene3d>
+      <a:camera prst="orthographicFront"/>
+      <a:lightRig rig="threePt" dir="t"/>
+    </dgm:scene3d>
+    <dgm:sp3d/>
+    <dgm:txPr/>
+    <dgm:style>
+      <a:lnRef idx="2">
+        <a:scrgbClr r="0" g="0" b="0"/>
+      </a:lnRef>
+      <a:fillRef idx="0">
+        <a:scrgbClr r="0" g="0" b="0"/>
+      </a:fillRef>
+      <a:effectRef idx="0">
+        <a:scrgbClr r="0" g="0" b="0"/>
+      </a:effectRef>
+      <a:fontRef idx="minor"/>
+    </dgm:style>
+  </dgm:styleLbl>
+  <dgm:styleLbl name="fgAcc1">
+    <dgm:scene3d>
+      <a:camera prst="orthographicFront"/>
+      <a:lightRig rig="threePt" dir="t"/>
+    </dgm:scene3d>
+    <dgm:sp3d/>
+    <dgm:txPr/>
+    <dgm:style>
+      <a:lnRef idx="2">
+        <a:scrgbClr r="0" g="0" b="0"/>
+      </a:lnRef>
+      <a:fillRef idx="1">
+        <a:scrgbClr r="0" g="0" b="0"/>
+      </a:fillRef>
+      <a:effectRef idx="0">
+        <a:scrgbClr r="0" g="0" b="0"/>
+      </a:effectRef>
+      <a:fontRef idx="minor"/>
+    </dgm:style>
+  </dgm:styleLbl>
+  <dgm:styleLbl name="conFgAcc1">
+    <dgm:scene3d>
+      <a:camera prst="orthographicFront"/>
+      <a:lightRig rig="threePt" dir="t"/>
+    </dgm:scene3d>
+    <dgm:sp3d/>
+    <dgm:txPr/>
+    <dgm:style>
+      <a:lnRef idx="2">
+        <a:scrgbClr r="0" g="0" b="0"/>
+      </a:lnRef>
+      <a:fillRef idx="1">
+        <a:scrgbClr r="0" g="0" b="0"/>
+      </a:fillRef>
+      <a:effectRef idx="0">
+        <a:scrgbClr r="0" g="0" b="0"/>
+      </a:effectRef>
+      <a:fontRef idx="minor"/>
+    </dgm:style>
+  </dgm:styleLbl>
+  <dgm:styleLbl name="alignAcc1">
+    <dgm:scene3d>
+      <a:camera prst="orthographicFront"/>
+      <a:lightRig rig="threePt" dir="t"/>
+    </dgm:scene3d>
+    <dgm:sp3d/>
+    <dgm:txPr/>
+    <dgm:style>
+      <a:lnRef idx="2">
+        <a:scrgbClr r="0" g="0" b="0"/>
+      </a:lnRef>
+      <a:fillRef idx="1">
+        <a:scrgbClr r="0" g="0" b="0"/>
+      </a:fillRef>
+      <a:effectRef idx="0">
+        <a:scrgbClr r="0" g="0" b="0"/>
+      </a:effectRef>
+      <a:fontRef idx="minor"/>
+    </dgm:style>
+  </dgm:styleLbl>
+  <dgm:styleLbl name="trAlignAcc1">
+    <dgm:scene3d>
+      <a:camera prst="orthographicFront"/>
+      <a:lightRig rig="threePt" dir="t"/>
+    </dgm:scene3d>
+    <dgm:sp3d/>
+    <dgm:txPr/>
+    <dgm:style>
+      <a:lnRef idx="1">
+        <a:scrgbClr r="0" g="0" b="0"/>
+      </a:lnRef>
+      <a:fillRef idx="1">
+        <a:scrgbClr r="0" g="0" b="0"/>
+      </a:fillRef>
+      <a:effectRef idx="0">
+        <a:scrgbClr r="0" g="0" b="0"/>
+      </a:effectRef>
+      <a:fontRef idx="minor"/>
+    </dgm:style>
+  </dgm:styleLbl>
+  <dgm:styleLbl name="bgAcc1">
+    <dgm:scene3d>
+      <a:camera prst="orthographicFront"/>
+      <a:lightRig rig="threePt" dir="t"/>
+    </dgm:scene3d>
+    <dgm:sp3d/>
+    <dgm:txPr/>
+    <dgm:style>
+      <a:lnRef idx="2">
+        <a:scrgbClr r="0" g="0" b="0"/>
+      </a:lnRef>
+      <a:fillRef idx="1">
+        <a:scrgbClr r="0" g="0" b="0"/>
+      </a:fillRef>
+      <a:effectRef idx="0">
+        <a:scrgbClr r="0" g="0" b="0"/>
+      </a:effectRef>
+      <a:fontRef idx="minor"/>
+    </dgm:style>
+  </dgm:styleLbl>
+  <dgm:styleLbl name="solidFgAcc1">
+    <dgm:scene3d>
+      <a:camera prst="orthographicFront"/>
+      <a:lightRig rig="threePt" dir="t"/>
+    </dgm:scene3d>
+    <dgm:sp3d/>
+    <dgm:txPr/>
+    <dgm:style>
+      <a:lnRef idx="2">
+        <a:scrgbClr r="0" g="0" b="0"/>
+      </a:lnRef>
+      <a:fillRef idx="1">
+        <a:scrgbClr r="0" g="0" b="0"/>
+      </a:fillRef>
+      <a:effectRef idx="0">
+        <a:scrgbClr r="0" g="0" b="0"/>
+      </a:effectRef>
+      <a:fontRef idx="minor"/>
+    </dgm:style>
+  </dgm:styleLbl>
+  <dgm:styleLbl name="solidAlignAcc1">
+    <dgm:scene3d>
+      <a:camera prst="orthographicFront"/>
+      <a:lightRig rig="threePt" dir="t"/>
+    </dgm:scene3d>
+    <dgm:sp3d/>
+    <dgm:txPr/>
+    <dgm:style>
+      <a:lnRef idx="2">
+        <a:scrgbClr r="0" g="0" b="0"/>
+      </a:lnRef>
+      <a:fillRef idx="1">
+        <a:scrgbClr r="0" g="0" b="0"/>
+      </a:fillRef>
+      <a:effectRef idx="0">
+        <a:scrgbClr r="0" g="0" b="0"/>
+      </a:effectRef>
+      <a:fontRef idx="minor"/>
+    </dgm:style>
+  </dgm:styleLbl>
+  <dgm:styleLbl name="solidBgAcc1">
+    <dgm:scene3d>
+      <a:camera prst="orthographicFront"/>
+      <a:lightRig rig="threePt" dir="t"/>
+    </dgm:scene3d>
+    <dgm:sp3d/>
+    <dgm:txPr/>
+    <dgm:style>
+      <a:lnRef idx="2">
+        <a:scrgbClr r="0" g="0" b="0"/>
+      </a:lnRef>
+      <a:fillRef idx="1">
+        <a:scrgbClr r="0" g="0" b="0"/>
+      </a:fillRef>
+      <a:effectRef idx="0">
+        <a:scrgbClr r="0" g="0" b="0"/>
+      </a:effectRef>
+      <a:fontRef idx="minor"/>
+    </dgm:style>
+  </dgm:styleLbl>
+  <dgm:styleLbl name="fgAccFollowNode1">
+    <dgm:scene3d>
+      <a:camera prst="orthographicFront"/>
+      <a:lightRig rig="threePt" dir="t"/>
+    </dgm:scene3d>
+    <dgm:sp3d/>
+    <dgm:txPr/>
+    <dgm:style>
+      <a:lnRef idx="2">
+        <a:scrgbClr r="0" g="0" b="0"/>
+      </a:lnRef>
+      <a:fillRef idx="1">
+        <a:scrgbClr r="0" g="0" b="0"/>
+      </a:fillRef>
+      <a:effectRef idx="0">
+        <a:scrgbClr r="0" g="0" b="0"/>
+      </a:effectRef>
+      <a:fontRef idx="minor"/>
+    </dgm:style>
+  </dgm:styleLbl>
+  <dgm:styleLbl name="alignAccFollowNode1">
+    <dgm:scene3d>
+      <a:camera prst="orthographicFront"/>
+      <a:lightRig rig="threePt" dir="t"/>
+    </dgm:scene3d>
+    <dgm:sp3d/>
+    <dgm:txPr/>
+    <dgm:style>
+      <a:lnRef idx="2">
+        <a:scrgbClr r="0" g="0" b="0"/>
+      </a:lnRef>
+      <a:fillRef idx="1">
+        <a:scrgbClr r="0" g="0" b="0"/>
+      </a:fillRef>
+      <a:effectRef idx="0">
+        <a:scrgbClr r="0" g="0" b="0"/>
+      </a:effectRef>
+      <a:fontRef idx="minor"/>
+    </dgm:style>
+  </dgm:styleLbl>
+  <dgm:styleLbl name="bgAccFollowNode1">
+    <dgm:scene3d>
+      <a:camera prst="orthographicFront"/>
+      <a:lightRig rig="threePt" dir="t"/>
+    </dgm:scene3d>
+    <dgm:sp3d/>
+    <dgm:txPr/>
+    <dgm:style>
+      <a:lnRef idx="2">
+        <a:scrgbClr r="0" g="0" b="0"/>
+      </a:lnRef>
+      <a:fillRef idx="1">
+        <a:scrgbClr r="0" g="0" b="0"/>
+      </a:fillRef>
+      <a:effectRef idx="0">
+        <a:scrgbClr r="0" g="0" b="0"/>
+      </a:effectRef>
+      <a:fontRef idx="minor"/>
+    </dgm:style>
+  </dgm:styleLbl>
+  <dgm:styleLbl name="fgAcc0">
+    <dgm:scene3d>
+      <a:camera prst="orthographicFront"/>
+      <a:lightRig rig="threePt" dir="t"/>
+    </dgm:scene3d>
+    <dgm:sp3d/>
+    <dgm:txPr/>
+    <dgm:style>
+      <a:lnRef idx="2">
+        <a:scrgbClr r="0" g="0" b="0"/>
+      </a:lnRef>
+      <a:fillRef idx="1">
+        <a:scrgbClr r="0" g="0" b="0"/>
+      </a:fillRef>
+      <a:effectRef idx="0">
+        <a:scrgbClr r="0" g="0" b="0"/>
+      </a:effectRef>
+      <a:fontRef idx="minor"/>
+    </dgm:style>
+  </dgm:styleLbl>
+  <dgm:styleLbl name="fgAcc2">
+    <dgm:scene3d>
+      <a:camera prst="orthographicFront"/>
+      <a:lightRig rig="threePt" dir="t"/>
+    </dgm:scene3d>
+    <dgm:sp3d/>
+    <dgm:txPr/>
+    <dgm:style>
+      <a:lnRef idx="2">
+        <a:scrgbClr r="0" g="0" b="0"/>
+      </a:lnRef>
+      <a:fillRef idx="1">
+        <a:scrgbClr r="0" g="0" b="0"/>
+      </a:fillRef>
+      <a:effectRef idx="0">
+        <a:scrgbClr r="0" g="0" b="0"/>
+      </a:effectRef>
+      <a:fontRef idx="minor"/>
+    </dgm:style>
+  </dgm:styleLbl>
+  <dgm:styleLbl name="fgAcc3">
+    <dgm:scene3d>
+      <a:camera prst="orthographicFront"/>
+      <a:lightRig rig="threePt" dir="t"/>
+    </dgm:scene3d>
+    <dgm:sp3d/>
+    <dgm:txPr/>
+    <dgm:style>
+      <a:lnRef idx="2">
+        <a:scrgbClr r="0" g="0" b="0"/>
+      </a:lnRef>
+      <a:fillRef idx="1">
+        <a:scrgbClr r="0" g="0" b="0"/>
+      </a:fillRef>
+      <a:effectRef idx="0">
+        <a:scrgbClr r="0" g="0" b="0"/>
+      </a:effectRef>
+      <a:fontRef idx="minor"/>
+    </dgm:style>
+  </dgm:styleLbl>
+  <dgm:styleLbl name="fgAcc4">
+    <dgm:scene3d>
+      <a:camera prst="orthographicFront"/>
+      <a:lightRig rig="threePt" dir="t"/>
+    </dgm:scene3d>
+    <dgm:sp3d/>
+    <dgm:txPr/>
+    <dgm:style>
+      <a:lnRef idx="2">
+        <a:scrgbClr r="0" g="0" b="0"/>
+      </a:lnRef>
+      <a:fillRef idx="1">
+        <a:scrgbClr r="0" g="0" b="0"/>
+      </a:fillRef>
+      <a:effectRef idx="0">
+        <a:scrgbClr r="0" g="0" b="0"/>
+      </a:effectRef>
+      <a:fontRef idx="minor"/>
+    </dgm:style>
+  </dgm:styleLbl>
+  <dgm:styleLbl name="bgShp">
+    <dgm:scene3d>
+      <a:camera prst="orthographicFront"/>
+      <a:lightRig rig="threePt" dir="t"/>
+    </dgm:scene3d>
+    <dgm:sp3d/>
+    <dgm:txPr/>
+    <dgm:style>
+      <a:lnRef idx="0">
+        <a:scrgbClr r="0" g="0" b="0"/>
+      </a:lnRef>
+      <a:fillRef idx="1">
+        <a:scrgbClr r="0" g="0" b="0"/>
+      </a:fillRef>
+      <a:effectRef idx="0">
+        <a:scrgbClr r="0" g="0" b="0"/>
+      </a:effectRef>
+      <a:fontRef idx="minor"/>
+    </dgm:style>
+  </dgm:styleLbl>
+  <dgm:styleLbl name="dkBgShp">
+    <dgm:scene3d>
+      <a:camera prst="orthographicFront"/>
+      <a:lightRig rig="threePt" dir="t"/>
+    </dgm:scene3d>
+    <dgm:sp3d/>
+    <dgm:txPr/>
+    <dgm:style>
+      <a:lnRef idx="0">
+        <a:scrgbClr r="0" g="0" b="0"/>
+      </a:lnRef>
+      <a:fillRef idx="1">
+        <a:scrgbClr r="0" g="0" b="0"/>
+      </a:fillRef>
+      <a:effectRef idx="0">
+        <a:scrgbClr r="0" g="0" b="0"/>
+      </a:effectRef>
+      <a:fontRef idx="minor"/>
+    </dgm:style>
+  </dgm:styleLbl>
+  <dgm:styleLbl name="trBgShp">
+    <dgm:scene3d>
+      <a:camera prst="orthographicFront"/>
+      <a:lightRig rig="threePt" dir="t"/>
+    </dgm:scene3d>
+    <dgm:sp3d/>
+    <dgm:txPr/>
+    <dgm:style>
+      <a:lnRef idx="0">
+        <a:scrgbClr r="0" g="0" b="0"/>
+      </a:lnRef>
+      <a:fillRef idx="1">
+        <a:scrgbClr r="0" g="0" b="0"/>
+      </a:fillRef>
+      <a:effectRef idx="0">
+        <a:scrgbClr r="0" g="0" b="0"/>
+      </a:effectRef>
+      <a:fontRef idx="minor"/>
+    </dgm:style>
+  </dgm:styleLbl>
+  <dgm:styleLbl name="fgShp">
+    <dgm:scene3d>
+      <a:camera prst="orthographicFront"/>
+      <a:lightRig rig="threePt" dir="t"/>
+    </dgm:scene3d>
+    <dgm:sp3d/>
+    <dgm:txPr/>
+    <dgm:style>
+      <a:lnRef idx="2">
+        <a:scrgbClr r="0" g="0" b="0"/>
+      </a:lnRef>
+      <a:fillRef idx="1">
+        <a:scrgbClr r="0" g="0" b="0"/>
+      </a:fillRef>
+      <a:effectRef idx="0">
+        <a:scrgbClr r="0" g="0" b="0"/>
+      </a:effectRef>
+      <a:fontRef idx="minor"/>
+    </dgm:style>
+  </dgm:styleLbl>
+  <dgm:styleLbl name="revTx">
+    <dgm:scene3d>
+      <a:camera prst="orthographicFront"/>
+      <a:lightRig rig="threePt" dir="t"/>
+    </dgm:scene3d>
+    <dgm:sp3d/>
+    <dgm:txPr/>
+    <dgm:style>
+      <a:lnRef idx="0">
+        <a:scrgbClr r="0" g="0" b="0"/>
+      </a:lnRef>
+      <a:fillRef idx="0">
+        <a:scrgbClr r="0" g="0" b="0"/>
+      </a:fillRef>
+      <a:effectRef idx="0">
+        <a:scrgbClr r="0" g="0" b="0"/>
+      </a:effectRef>
+      <a:fontRef idx="minor"/>
+    </dgm:style>
+  </dgm:styleLbl>
+</dgm:styleDef>
 </file>
 
 <file path=ppt/slideLayouts/slideLayout1.xml><?xml version="1.0" encoding="utf-8"?>
@@ -256,7 +3000,7 @@
           <a:p>
             <a:fld id="{EB79F1B9-2465-2247-87AC-305EB1F1A3D4}" type="datetimeFigureOut">
               <a:rPr lang="en-DE" smtClean="0"/>
-              <a:t>07.06.22</a:t>
+              <a:t>16.06.22</a:t>
             </a:fld>
             <a:endParaRPr lang="en-DE"/>
           </a:p>
@@ -456,7 +3200,7 @@
           <a:p>
             <a:fld id="{EB79F1B9-2465-2247-87AC-305EB1F1A3D4}" type="datetimeFigureOut">
               <a:rPr lang="en-DE" smtClean="0"/>
-              <a:t>07.06.22</a:t>
+              <a:t>16.06.22</a:t>
             </a:fld>
             <a:endParaRPr lang="en-DE"/>
           </a:p>
@@ -666,7 +3410,7 @@
           <a:p>
             <a:fld id="{EB79F1B9-2465-2247-87AC-305EB1F1A3D4}" type="datetimeFigureOut">
               <a:rPr lang="en-DE" smtClean="0"/>
-              <a:t>07.06.22</a:t>
+              <a:t>16.06.22</a:t>
             </a:fld>
             <a:endParaRPr lang="en-DE"/>
           </a:p>
@@ -866,7 +3610,7 @@
           <a:p>
             <a:fld id="{EB79F1B9-2465-2247-87AC-305EB1F1A3D4}" type="datetimeFigureOut">
               <a:rPr lang="en-DE" smtClean="0"/>
-              <a:t>07.06.22</a:t>
+              <a:t>16.06.22</a:t>
             </a:fld>
             <a:endParaRPr lang="en-DE"/>
           </a:p>
@@ -1142,7 +3886,7 @@
           <a:p>
             <a:fld id="{EB79F1B9-2465-2247-87AC-305EB1F1A3D4}" type="datetimeFigureOut">
               <a:rPr lang="en-DE" smtClean="0"/>
-              <a:t>07.06.22</a:t>
+              <a:t>16.06.22</a:t>
             </a:fld>
             <a:endParaRPr lang="en-DE"/>
           </a:p>
@@ -1410,7 +4154,7 @@
           <a:p>
             <a:fld id="{EB79F1B9-2465-2247-87AC-305EB1F1A3D4}" type="datetimeFigureOut">
               <a:rPr lang="en-DE" smtClean="0"/>
-              <a:t>07.06.22</a:t>
+              <a:t>16.06.22</a:t>
             </a:fld>
             <a:endParaRPr lang="en-DE"/>
           </a:p>
@@ -1825,7 +4569,7 @@
           <a:p>
             <a:fld id="{EB79F1B9-2465-2247-87AC-305EB1F1A3D4}" type="datetimeFigureOut">
               <a:rPr lang="en-DE" smtClean="0"/>
-              <a:t>07.06.22</a:t>
+              <a:t>16.06.22</a:t>
             </a:fld>
             <a:endParaRPr lang="en-DE"/>
           </a:p>
@@ -1967,7 +4711,7 @@
           <a:p>
             <a:fld id="{EB79F1B9-2465-2247-87AC-305EB1F1A3D4}" type="datetimeFigureOut">
               <a:rPr lang="en-DE" smtClean="0"/>
-              <a:t>07.06.22</a:t>
+              <a:t>16.06.22</a:t>
             </a:fld>
             <a:endParaRPr lang="en-DE"/>
           </a:p>
@@ -2080,7 +4824,7 @@
           <a:p>
             <a:fld id="{EB79F1B9-2465-2247-87AC-305EB1F1A3D4}" type="datetimeFigureOut">
               <a:rPr lang="en-DE" smtClean="0"/>
-              <a:t>07.06.22</a:t>
+              <a:t>16.06.22</a:t>
             </a:fld>
             <a:endParaRPr lang="en-DE"/>
           </a:p>
@@ -2393,7 +5137,7 @@
           <a:p>
             <a:fld id="{EB79F1B9-2465-2247-87AC-305EB1F1A3D4}" type="datetimeFigureOut">
               <a:rPr lang="en-DE" smtClean="0"/>
-              <a:t>07.06.22</a:t>
+              <a:t>16.06.22</a:t>
             </a:fld>
             <a:endParaRPr lang="en-DE"/>
           </a:p>
@@ -2682,7 +5426,7 @@
           <a:p>
             <a:fld id="{EB79F1B9-2465-2247-87AC-305EB1F1A3D4}" type="datetimeFigureOut">
               <a:rPr lang="en-DE" smtClean="0"/>
-              <a:t>07.06.22</a:t>
+              <a:t>16.06.22</a:t>
             </a:fld>
             <a:endParaRPr lang="en-DE"/>
           </a:p>
@@ -2925,7 +5669,7 @@
           <a:p>
             <a:fld id="{EB79F1B9-2465-2247-87AC-305EB1F1A3D4}" type="datetimeFigureOut">
               <a:rPr lang="en-DE" smtClean="0"/>
-              <a:t>07.06.22</a:t>
+              <a:t>16.06.22</a:t>
             </a:fld>
             <a:endParaRPr lang="en-DE"/>
           </a:p>
@@ -5293,6 +8037,2388 @@
 </p:sld>
 </file>
 
+<file path=ppt/slides/slide2.xml><?xml version="1.0" encoding="utf-8"?>
+<p:sld xmlns:a="http://schemas.openxmlformats.org/drawingml/2006/main" xmlns:r="http://schemas.openxmlformats.org/officeDocument/2006/relationships" xmlns:p="http://schemas.openxmlformats.org/presentationml/2006/main">
+  <p:cSld>
+    <p:spTree>
+      <p:nvGrpSpPr>
+        <p:cNvPr id="1" name=""/>
+        <p:cNvGrpSpPr/>
+        <p:nvPr/>
+      </p:nvGrpSpPr>
+      <p:grpSpPr>
+        <a:xfrm>
+          <a:off x="0" y="0"/>
+          <a:ext cx="0" cy="0"/>
+          <a:chOff x="0" y="0"/>
+          <a:chExt cx="0" cy="0"/>
+        </a:xfrm>
+      </p:grpSpPr>
+      <p:cxnSp>
+        <p:nvCxnSpPr>
+          <p:cNvPr id="7" name="Straight Connector 6">
+            <a:extLst>
+              <a:ext uri="{FF2B5EF4-FFF2-40B4-BE49-F238E27FC236}">
+                <a16:creationId xmlns:a16="http://schemas.microsoft.com/office/drawing/2014/main" id="{B386393D-D36D-6048-938B-6504D0949E80}"/>
+              </a:ext>
+            </a:extLst>
+          </p:cNvPr>
+          <p:cNvCxnSpPr>
+            <a:stCxn id="78" idx="1"/>
+          </p:cNvCxnSpPr>
+          <p:nvPr/>
+        </p:nvCxnSpPr>
+        <p:spPr>
+          <a:xfrm flipH="1" flipV="1">
+            <a:off x="3816096" y="2779776"/>
+            <a:ext cx="3618423" cy="7117"/>
+          </a:xfrm>
+          <a:prstGeom prst="line">
+            <a:avLst/>
+          </a:prstGeom>
+          <a:ln>
+            <a:solidFill>
+              <a:schemeClr val="tx1"/>
+            </a:solidFill>
+          </a:ln>
+        </p:spPr>
+        <p:style>
+          <a:lnRef idx="1">
+            <a:schemeClr val="accent1"/>
+          </a:lnRef>
+          <a:fillRef idx="0">
+            <a:schemeClr val="accent1"/>
+          </a:fillRef>
+          <a:effectRef idx="0">
+            <a:schemeClr val="accent1"/>
+          </a:effectRef>
+          <a:fontRef idx="minor">
+            <a:schemeClr val="tx1"/>
+          </a:fontRef>
+        </p:style>
+      </p:cxnSp>
+      <p:grpSp>
+        <p:nvGrpSpPr>
+          <p:cNvPr id="32" name="Group 31">
+            <a:extLst>
+              <a:ext uri="{FF2B5EF4-FFF2-40B4-BE49-F238E27FC236}">
+                <a16:creationId xmlns:a16="http://schemas.microsoft.com/office/drawing/2014/main" id="{AB6A6C81-D21F-5642-B472-5FACAFE829AE}"/>
+              </a:ext>
+            </a:extLst>
+          </p:cNvPr>
+          <p:cNvGrpSpPr/>
+          <p:nvPr/>
+        </p:nvGrpSpPr>
+        <p:grpSpPr>
+          <a:xfrm>
+            <a:off x="6634010" y="1187752"/>
+            <a:ext cx="3178274" cy="3478245"/>
+            <a:chOff x="3349149" y="1107272"/>
+            <a:chExt cx="4618758" cy="5054685"/>
+          </a:xfrm>
+        </p:grpSpPr>
+        <p:grpSp>
+          <p:nvGrpSpPr>
+            <p:cNvPr id="3" name="Group 2">
+              <a:extLst>
+                <a:ext uri="{FF2B5EF4-FFF2-40B4-BE49-F238E27FC236}">
+                  <a16:creationId xmlns:a16="http://schemas.microsoft.com/office/drawing/2014/main" id="{4168E7DC-9204-E048-B744-267EE505201F}"/>
+                </a:ext>
+              </a:extLst>
+            </p:cNvPr>
+            <p:cNvGrpSpPr/>
+            <p:nvPr/>
+          </p:nvGrpSpPr>
+          <p:grpSpPr>
+            <a:xfrm>
+              <a:off x="3349149" y="1107272"/>
+              <a:ext cx="1880395" cy="1832379"/>
+              <a:chOff x="2434749" y="1471996"/>
+              <a:chExt cx="1880395" cy="1832379"/>
+            </a:xfrm>
+          </p:grpSpPr>
+          <p:sp>
+            <p:nvSpPr>
+              <p:cNvPr id="2" name="Oval 1">
+                <a:extLst>
+                  <a:ext uri="{FF2B5EF4-FFF2-40B4-BE49-F238E27FC236}">
+                    <a16:creationId xmlns:a16="http://schemas.microsoft.com/office/drawing/2014/main" id="{30F1DE3F-1A44-B149-817E-49EF5353B217}"/>
+                  </a:ext>
+                </a:extLst>
+              </p:cNvPr>
+              <p:cNvSpPr/>
+              <p:nvPr/>
+            </p:nvSpPr>
+            <p:spPr>
+              <a:xfrm>
+                <a:off x="2791968" y="1471996"/>
+                <a:ext cx="1165959" cy="1161476"/>
+              </a:xfrm>
+              <a:prstGeom prst="ellipse">
+                <a:avLst/>
+              </a:prstGeom>
+              <a:solidFill>
+                <a:srgbClr val="4472C4">
+                  <a:alpha val="21961"/>
+                </a:srgbClr>
+              </a:solidFill>
+            </p:spPr>
+            <p:style>
+              <a:lnRef idx="2">
+                <a:schemeClr val="accent1">
+                  <a:shade val="50000"/>
+                </a:schemeClr>
+              </a:lnRef>
+              <a:fillRef idx="1">
+                <a:schemeClr val="accent1"/>
+              </a:fillRef>
+              <a:effectRef idx="0">
+                <a:schemeClr val="accent1"/>
+              </a:effectRef>
+              <a:fontRef idx="minor">
+                <a:schemeClr val="lt1"/>
+              </a:fontRef>
+            </p:style>
+            <p:txBody>
+              <a:bodyPr rtlCol="0" anchor="ctr"/>
+              <a:lstStyle/>
+              <a:p>
+                <a:pPr algn="ctr"/>
+                <a:endParaRPr lang="en-DE" sz="800" dirty="0">
+                  <a:solidFill>
+                    <a:schemeClr val="tx1"/>
+                  </a:solidFill>
+                  <a:latin typeface="Fira Sans" panose="020B0503050000020004" pitchFamily="34" charset="0"/>
+                </a:endParaRPr>
+              </a:p>
+            </p:txBody>
+          </p:sp>
+          <p:sp>
+            <p:nvSpPr>
+              <p:cNvPr id="67" name="TextBox 66">
+                <a:extLst>
+                  <a:ext uri="{FF2B5EF4-FFF2-40B4-BE49-F238E27FC236}">
+                    <a16:creationId xmlns:a16="http://schemas.microsoft.com/office/drawing/2014/main" id="{DACB591E-10BB-644F-B8B4-D3E02863903C}"/>
+                  </a:ext>
+                </a:extLst>
+              </p:cNvPr>
+              <p:cNvSpPr txBox="1"/>
+              <p:nvPr/>
+            </p:nvSpPr>
+            <p:spPr>
+              <a:xfrm>
+                <a:off x="2434749" y="2633470"/>
+                <a:ext cx="1880395" cy="670905"/>
+              </a:xfrm>
+              <a:prstGeom prst="rect">
+                <a:avLst/>
+              </a:prstGeom>
+              <a:noFill/>
+            </p:spPr>
+            <p:txBody>
+              <a:bodyPr wrap="none" rtlCol="0">
+                <a:spAutoFit/>
+              </a:bodyPr>
+              <a:lstStyle/>
+              <a:p>
+                <a:pPr algn="ctr"/>
+                <a:r>
+                  <a:rPr lang="en-DE" sz="1200" b="1" dirty="0">
+                    <a:latin typeface="Fira Sans" panose="020B0503050000020004" pitchFamily="34" charset="0"/>
+                  </a:rPr>
+                  <a:t>Transparency &amp;</a:t>
+                </a:r>
+              </a:p>
+              <a:p>
+                <a:pPr algn="ctr"/>
+                <a:r>
+                  <a:rPr lang="en-DE" sz="1200" b="1" dirty="0">
+                    <a:latin typeface="Fira Sans" panose="020B0503050000020004" pitchFamily="34" charset="0"/>
+                  </a:rPr>
+                  <a:t>Consistency</a:t>
+                </a:r>
+              </a:p>
+            </p:txBody>
+          </p:sp>
+        </p:grpSp>
+        <p:grpSp>
+          <p:nvGrpSpPr>
+            <p:cNvPr id="68" name="Group 67">
+              <a:extLst>
+                <a:ext uri="{FF2B5EF4-FFF2-40B4-BE49-F238E27FC236}">
+                  <a16:creationId xmlns:a16="http://schemas.microsoft.com/office/drawing/2014/main" id="{201FE54B-A704-CE45-A9B3-27FA977A6584}"/>
+                </a:ext>
+              </a:extLst>
+            </p:cNvPr>
+            <p:cNvGrpSpPr/>
+            <p:nvPr/>
+          </p:nvGrpSpPr>
+          <p:grpSpPr>
+            <a:xfrm>
+              <a:off x="6120124" y="1107272"/>
+              <a:ext cx="1847783" cy="1832379"/>
+              <a:chOff x="2451059" y="1471996"/>
+              <a:chExt cx="1847783" cy="1832379"/>
+            </a:xfrm>
+          </p:grpSpPr>
+          <p:sp>
+            <p:nvSpPr>
+              <p:cNvPr id="69" name="Oval 68">
+                <a:extLst>
+                  <a:ext uri="{FF2B5EF4-FFF2-40B4-BE49-F238E27FC236}">
+                    <a16:creationId xmlns:a16="http://schemas.microsoft.com/office/drawing/2014/main" id="{6BAEBD34-5457-374D-BE60-65B56301DD7E}"/>
+                  </a:ext>
+                </a:extLst>
+              </p:cNvPr>
+              <p:cNvSpPr/>
+              <p:nvPr/>
+            </p:nvSpPr>
+            <p:spPr>
+              <a:xfrm>
+                <a:off x="2791968" y="1471996"/>
+                <a:ext cx="1165959" cy="1161476"/>
+              </a:xfrm>
+              <a:prstGeom prst="ellipse">
+                <a:avLst/>
+              </a:prstGeom>
+              <a:solidFill>
+                <a:srgbClr val="4472C4">
+                  <a:alpha val="21961"/>
+                </a:srgbClr>
+              </a:solidFill>
+            </p:spPr>
+            <p:style>
+              <a:lnRef idx="2">
+                <a:schemeClr val="accent1">
+                  <a:shade val="50000"/>
+                </a:schemeClr>
+              </a:lnRef>
+              <a:fillRef idx="1">
+                <a:schemeClr val="accent1"/>
+              </a:fillRef>
+              <a:effectRef idx="0">
+                <a:schemeClr val="accent1"/>
+              </a:effectRef>
+              <a:fontRef idx="minor">
+                <a:schemeClr val="lt1"/>
+              </a:fontRef>
+            </p:style>
+            <p:txBody>
+              <a:bodyPr rtlCol="0" anchor="ctr"/>
+              <a:lstStyle/>
+              <a:p>
+                <a:pPr algn="ctr"/>
+                <a:endParaRPr lang="en-DE" sz="800" dirty="0">
+                  <a:solidFill>
+                    <a:schemeClr val="tx1"/>
+                  </a:solidFill>
+                  <a:latin typeface="Fira Sans" panose="020B0503050000020004" pitchFamily="34" charset="0"/>
+                </a:endParaRPr>
+              </a:p>
+            </p:txBody>
+          </p:sp>
+          <p:sp>
+            <p:nvSpPr>
+              <p:cNvPr id="70" name="TextBox 69">
+                <a:extLst>
+                  <a:ext uri="{FF2B5EF4-FFF2-40B4-BE49-F238E27FC236}">
+                    <a16:creationId xmlns:a16="http://schemas.microsoft.com/office/drawing/2014/main" id="{82B1BD09-7409-5443-A458-5195DB514971}"/>
+                  </a:ext>
+                </a:extLst>
+              </p:cNvPr>
+              <p:cNvSpPr txBox="1"/>
+              <p:nvPr/>
+            </p:nvSpPr>
+            <p:spPr>
+              <a:xfrm>
+                <a:off x="2451059" y="2633470"/>
+                <a:ext cx="1847783" cy="670905"/>
+              </a:xfrm>
+              <a:prstGeom prst="rect">
+                <a:avLst/>
+              </a:prstGeom>
+              <a:noFill/>
+            </p:spPr>
+            <p:txBody>
+              <a:bodyPr wrap="none" rtlCol="0">
+                <a:spAutoFit/>
+              </a:bodyPr>
+              <a:lstStyle/>
+              <a:p>
+                <a:pPr algn="ctr"/>
+                <a:r>
+                  <a:rPr lang="en-DE" sz="1200" b="1" dirty="0">
+                    <a:latin typeface="Fira Sans" panose="020B0503050000020004" pitchFamily="34" charset="0"/>
+                  </a:rPr>
+                  <a:t>Comprehensive</a:t>
+                </a:r>
+              </a:p>
+              <a:p>
+                <a:pPr algn="ctr"/>
+                <a:r>
+                  <a:rPr lang="en-DE" sz="1200" b="1" dirty="0">
+                    <a:latin typeface="Fira Sans" panose="020B0503050000020004" pitchFamily="34" charset="0"/>
+                  </a:rPr>
+                  <a:t>Evidence</a:t>
+                </a:r>
+              </a:p>
+            </p:txBody>
+          </p:sp>
+        </p:grpSp>
+        <p:grpSp>
+          <p:nvGrpSpPr>
+            <p:cNvPr id="71" name="Group 70">
+              <a:extLst>
+                <a:ext uri="{FF2B5EF4-FFF2-40B4-BE49-F238E27FC236}">
+                  <a16:creationId xmlns:a16="http://schemas.microsoft.com/office/drawing/2014/main" id="{BAB63DCD-4293-4C4F-A719-FC0ED3AFCDAF}"/>
+                </a:ext>
+              </a:extLst>
+            </p:cNvPr>
+            <p:cNvGrpSpPr/>
+            <p:nvPr/>
+          </p:nvGrpSpPr>
+          <p:grpSpPr>
+            <a:xfrm>
+              <a:off x="3415542" y="4323682"/>
+              <a:ext cx="1747613" cy="1832376"/>
+              <a:chOff x="2501142" y="1471996"/>
+              <a:chExt cx="1747613" cy="1832376"/>
+            </a:xfrm>
+          </p:grpSpPr>
+          <p:sp>
+            <p:nvSpPr>
+              <p:cNvPr id="72" name="Oval 71">
+                <a:extLst>
+                  <a:ext uri="{FF2B5EF4-FFF2-40B4-BE49-F238E27FC236}">
+                    <a16:creationId xmlns:a16="http://schemas.microsoft.com/office/drawing/2014/main" id="{099399C2-0C92-6E42-A0E4-44D6C610CA17}"/>
+                  </a:ext>
+                </a:extLst>
+              </p:cNvPr>
+              <p:cNvSpPr/>
+              <p:nvPr/>
+            </p:nvSpPr>
+            <p:spPr>
+              <a:xfrm>
+                <a:off x="2791968" y="1471996"/>
+                <a:ext cx="1165959" cy="1161476"/>
+              </a:xfrm>
+              <a:prstGeom prst="ellipse">
+                <a:avLst/>
+              </a:prstGeom>
+              <a:solidFill>
+                <a:srgbClr val="4472C4">
+                  <a:alpha val="21961"/>
+                </a:srgbClr>
+              </a:solidFill>
+            </p:spPr>
+            <p:style>
+              <a:lnRef idx="2">
+                <a:schemeClr val="accent1">
+                  <a:shade val="50000"/>
+                </a:schemeClr>
+              </a:lnRef>
+              <a:fillRef idx="1">
+                <a:schemeClr val="accent1"/>
+              </a:fillRef>
+              <a:effectRef idx="0">
+                <a:schemeClr val="accent1"/>
+              </a:effectRef>
+              <a:fontRef idx="minor">
+                <a:schemeClr val="lt1"/>
+              </a:fontRef>
+            </p:style>
+            <p:txBody>
+              <a:bodyPr rtlCol="0" anchor="ctr"/>
+              <a:lstStyle/>
+              <a:p>
+                <a:pPr algn="ctr"/>
+                <a:endParaRPr lang="en-DE" sz="800" dirty="0">
+                  <a:solidFill>
+                    <a:schemeClr val="tx1"/>
+                  </a:solidFill>
+                  <a:latin typeface="Fira Sans" panose="020B0503050000020004" pitchFamily="34" charset="0"/>
+                </a:endParaRPr>
+              </a:p>
+            </p:txBody>
+          </p:sp>
+          <p:sp>
+            <p:nvSpPr>
+              <p:cNvPr id="73" name="TextBox 72">
+                <a:extLst>
+                  <a:ext uri="{FF2B5EF4-FFF2-40B4-BE49-F238E27FC236}">
+                    <a16:creationId xmlns:a16="http://schemas.microsoft.com/office/drawing/2014/main" id="{6CBEA5EA-4291-B74E-A7E1-4E30C29250AD}"/>
+                  </a:ext>
+                </a:extLst>
+              </p:cNvPr>
+              <p:cNvSpPr txBox="1"/>
+              <p:nvPr/>
+            </p:nvSpPr>
+            <p:spPr>
+              <a:xfrm>
+                <a:off x="2501142" y="2633468"/>
+                <a:ext cx="1747613" cy="670904"/>
+              </a:xfrm>
+              <a:prstGeom prst="rect">
+                <a:avLst/>
+              </a:prstGeom>
+              <a:noFill/>
+            </p:spPr>
+            <p:txBody>
+              <a:bodyPr wrap="none" rtlCol="0">
+                <a:spAutoFit/>
+              </a:bodyPr>
+              <a:lstStyle/>
+              <a:p>
+                <a:pPr algn="ctr"/>
+                <a:r>
+                  <a:rPr lang="en-DE" sz="1200" b="1" dirty="0">
+                    <a:latin typeface="Fira Sans" panose="020B0503050000020004" pitchFamily="34" charset="0"/>
+                  </a:rPr>
+                  <a:t>Re-Usability &amp;</a:t>
+                </a:r>
+              </a:p>
+              <a:p>
+                <a:pPr algn="ctr"/>
+                <a:r>
+                  <a:rPr lang="en-DE" sz="1200" b="1" dirty="0">
+                    <a:latin typeface="Fira Sans" panose="020B0503050000020004" pitchFamily="34" charset="0"/>
+                  </a:rPr>
+                  <a:t>Accessibility</a:t>
+                </a:r>
+              </a:p>
+            </p:txBody>
+          </p:sp>
+        </p:grpSp>
+        <p:grpSp>
+          <p:nvGrpSpPr>
+            <p:cNvPr id="75" name="Group 74">
+              <a:extLst>
+                <a:ext uri="{FF2B5EF4-FFF2-40B4-BE49-F238E27FC236}">
+                  <a16:creationId xmlns:a16="http://schemas.microsoft.com/office/drawing/2014/main" id="{ABADF735-6A03-7245-B915-5EB4C84E24B2}"/>
+                </a:ext>
+              </a:extLst>
+            </p:cNvPr>
+            <p:cNvGrpSpPr/>
+            <p:nvPr/>
+          </p:nvGrpSpPr>
+          <p:grpSpPr>
+            <a:xfrm>
+              <a:off x="6251646" y="4329578"/>
+              <a:ext cx="1479717" cy="1832379"/>
+              <a:chOff x="2635093" y="1471996"/>
+              <a:chExt cx="1479717" cy="1832379"/>
+            </a:xfrm>
+          </p:grpSpPr>
+          <p:sp>
+            <p:nvSpPr>
+              <p:cNvPr id="76" name="Oval 75">
+                <a:extLst>
+                  <a:ext uri="{FF2B5EF4-FFF2-40B4-BE49-F238E27FC236}">
+                    <a16:creationId xmlns:a16="http://schemas.microsoft.com/office/drawing/2014/main" id="{C4F1FEA7-D3CD-8848-B0C9-0A9CEE32FE2C}"/>
+                  </a:ext>
+                </a:extLst>
+              </p:cNvPr>
+              <p:cNvSpPr/>
+              <p:nvPr/>
+            </p:nvSpPr>
+            <p:spPr>
+              <a:xfrm>
+                <a:off x="2791968" y="1471996"/>
+                <a:ext cx="1165959" cy="1161476"/>
+              </a:xfrm>
+              <a:prstGeom prst="ellipse">
+                <a:avLst/>
+              </a:prstGeom>
+              <a:solidFill>
+                <a:srgbClr val="4472C4">
+                  <a:alpha val="21961"/>
+                </a:srgbClr>
+              </a:solidFill>
+            </p:spPr>
+            <p:style>
+              <a:lnRef idx="2">
+                <a:schemeClr val="accent1">
+                  <a:shade val="50000"/>
+                </a:schemeClr>
+              </a:lnRef>
+              <a:fillRef idx="1">
+                <a:schemeClr val="accent1"/>
+              </a:fillRef>
+              <a:effectRef idx="0">
+                <a:schemeClr val="accent1"/>
+              </a:effectRef>
+              <a:fontRef idx="minor">
+                <a:schemeClr val="lt1"/>
+              </a:fontRef>
+            </p:style>
+            <p:txBody>
+              <a:bodyPr rtlCol="0" anchor="ctr"/>
+              <a:lstStyle/>
+              <a:p>
+                <a:pPr algn="ctr"/>
+                <a:endParaRPr lang="en-DE" sz="800" dirty="0">
+                  <a:solidFill>
+                    <a:schemeClr val="tx1"/>
+                  </a:solidFill>
+                  <a:latin typeface="Fira Sans" panose="020B0503050000020004" pitchFamily="34" charset="0"/>
+                </a:endParaRPr>
+              </a:p>
+            </p:txBody>
+          </p:sp>
+          <p:sp>
+            <p:nvSpPr>
+              <p:cNvPr id="77" name="TextBox 76">
+                <a:extLst>
+                  <a:ext uri="{FF2B5EF4-FFF2-40B4-BE49-F238E27FC236}">
+                    <a16:creationId xmlns:a16="http://schemas.microsoft.com/office/drawing/2014/main" id="{0F17ABA1-6881-574B-83F1-681152A309AB}"/>
+                  </a:ext>
+                </a:extLst>
+              </p:cNvPr>
+              <p:cNvSpPr txBox="1"/>
+              <p:nvPr/>
+            </p:nvSpPr>
+            <p:spPr>
+              <a:xfrm>
+                <a:off x="2635093" y="2633470"/>
+                <a:ext cx="1479717" cy="670905"/>
+              </a:xfrm>
+              <a:prstGeom prst="rect">
+                <a:avLst/>
+              </a:prstGeom>
+              <a:noFill/>
+            </p:spPr>
+            <p:txBody>
+              <a:bodyPr wrap="none" rtlCol="0">
+                <a:spAutoFit/>
+              </a:bodyPr>
+              <a:lstStyle/>
+              <a:p>
+                <a:pPr algn="ctr"/>
+                <a:r>
+                  <a:rPr lang="en-DE" sz="1200" b="1" dirty="0">
+                    <a:latin typeface="Fira Sans" panose="020B0503050000020004" pitchFamily="34" charset="0"/>
+                  </a:rPr>
+                  <a:t>Up-to-date</a:t>
+                </a:r>
+              </a:p>
+              <a:p>
+                <a:pPr algn="ctr"/>
+                <a:r>
+                  <a:rPr lang="en-DE" sz="1200" b="1" dirty="0">
+                    <a:latin typeface="Fira Sans" panose="020B0503050000020004" pitchFamily="34" charset="0"/>
+                  </a:rPr>
+                  <a:t>Information</a:t>
+                </a:r>
+              </a:p>
+            </p:txBody>
+          </p:sp>
+        </p:grpSp>
+        <p:sp>
+          <p:nvSpPr>
+            <p:cNvPr id="78" name="TextBox 77">
+              <a:extLst>
+                <a:ext uri="{FF2B5EF4-FFF2-40B4-BE49-F238E27FC236}">
+                  <a16:creationId xmlns:a16="http://schemas.microsoft.com/office/drawing/2014/main" id="{741E1F0F-0E6D-774B-BDC7-B9C4B0D4880C}"/>
+                </a:ext>
+              </a:extLst>
+            </p:cNvPr>
+            <p:cNvSpPr txBox="1"/>
+            <p:nvPr/>
+          </p:nvSpPr>
+          <p:spPr>
+            <a:xfrm>
+              <a:off x="4512471" y="3051010"/>
+              <a:ext cx="2350962" cy="760358"/>
+            </a:xfrm>
+            <a:prstGeom prst="rect">
+              <a:avLst/>
+            </a:prstGeom>
+            <a:noFill/>
+          </p:spPr>
+          <p:txBody>
+            <a:bodyPr wrap="none" rtlCol="0">
+              <a:spAutoFit/>
+            </a:bodyPr>
+            <a:lstStyle/>
+            <a:p>
+              <a:pPr algn="ctr"/>
+              <a:r>
+                <a:rPr lang="en-DE" sz="2800" dirty="0">
+                  <a:latin typeface="Lexend Tera" pitchFamily="2" charset="77"/>
+                </a:rPr>
+                <a:t>MARD</a:t>
+              </a:r>
+            </a:p>
+          </p:txBody>
+        </p:sp>
+        <p:cxnSp>
+          <p:nvCxnSpPr>
+            <p:cNvPr id="79" name="Elbow Connector 78">
+              <a:extLst>
+                <a:ext uri="{FF2B5EF4-FFF2-40B4-BE49-F238E27FC236}">
+                  <a16:creationId xmlns:a16="http://schemas.microsoft.com/office/drawing/2014/main" id="{310ED2D5-73DD-8B47-9A8E-57AEF9F7D375}"/>
+                </a:ext>
+              </a:extLst>
+            </p:cNvPr>
+            <p:cNvCxnSpPr>
+              <a:cxnSpLocks/>
+              <a:stCxn id="2" idx="6"/>
+            </p:cNvCxnSpPr>
+            <p:nvPr/>
+          </p:nvCxnSpPr>
+          <p:spPr>
+            <a:xfrm>
+              <a:off x="4872327" y="1688010"/>
+              <a:ext cx="453481" cy="1283200"/>
+            </a:xfrm>
+            <a:prstGeom prst="bentConnector2">
+              <a:avLst/>
+            </a:prstGeom>
+            <a:ln w="28575">
+              <a:solidFill>
+                <a:srgbClr val="305FB1"/>
+              </a:solidFill>
+              <a:tailEnd type="triangle"/>
+            </a:ln>
+          </p:spPr>
+          <p:style>
+            <a:lnRef idx="1">
+              <a:schemeClr val="accent1"/>
+            </a:lnRef>
+            <a:fillRef idx="0">
+              <a:schemeClr val="accent1"/>
+            </a:fillRef>
+            <a:effectRef idx="0">
+              <a:schemeClr val="accent1"/>
+            </a:effectRef>
+            <a:fontRef idx="minor">
+              <a:schemeClr val="tx1"/>
+            </a:fontRef>
+          </p:style>
+        </p:cxnSp>
+        <p:cxnSp>
+          <p:nvCxnSpPr>
+            <p:cNvPr id="80" name="Elbow Connector 79">
+              <a:extLst>
+                <a:ext uri="{FF2B5EF4-FFF2-40B4-BE49-F238E27FC236}">
+                  <a16:creationId xmlns:a16="http://schemas.microsoft.com/office/drawing/2014/main" id="{AC10318D-5133-384E-ACAD-D4E1EB7FBA91}"/>
+                </a:ext>
+              </a:extLst>
+            </p:cNvPr>
+            <p:cNvCxnSpPr>
+              <a:cxnSpLocks/>
+              <a:stCxn id="69" idx="2"/>
+            </p:cNvCxnSpPr>
+            <p:nvPr/>
+          </p:nvCxnSpPr>
+          <p:spPr>
+            <a:xfrm rot="10800000" flipV="1">
+              <a:off x="6096001" y="1688010"/>
+              <a:ext cx="365033" cy="1283200"/>
+            </a:xfrm>
+            <a:prstGeom prst="bentConnector2">
+              <a:avLst/>
+            </a:prstGeom>
+            <a:ln w="28575">
+              <a:solidFill>
+                <a:srgbClr val="305FB1"/>
+              </a:solidFill>
+              <a:tailEnd type="triangle"/>
+            </a:ln>
+          </p:spPr>
+          <p:style>
+            <a:lnRef idx="1">
+              <a:schemeClr val="accent1"/>
+            </a:lnRef>
+            <a:fillRef idx="0">
+              <a:schemeClr val="accent1"/>
+            </a:fillRef>
+            <a:effectRef idx="0">
+              <a:schemeClr val="accent1"/>
+            </a:effectRef>
+            <a:fontRef idx="minor">
+              <a:schemeClr val="tx1"/>
+            </a:fontRef>
+          </p:style>
+        </p:cxnSp>
+        <p:cxnSp>
+          <p:nvCxnSpPr>
+            <p:cNvPr id="82" name="Elbow Connector 81">
+              <a:extLst>
+                <a:ext uri="{FF2B5EF4-FFF2-40B4-BE49-F238E27FC236}">
+                  <a16:creationId xmlns:a16="http://schemas.microsoft.com/office/drawing/2014/main" id="{83D88CE1-C122-8046-A96B-13BEF24F3FAC}"/>
+                </a:ext>
+              </a:extLst>
+            </p:cNvPr>
+            <p:cNvCxnSpPr>
+              <a:cxnSpLocks/>
+              <a:stCxn id="72" idx="6"/>
+            </p:cNvCxnSpPr>
+            <p:nvPr/>
+          </p:nvCxnSpPr>
+          <p:spPr>
+            <a:xfrm flipV="1">
+              <a:off x="4872327" y="3846531"/>
+              <a:ext cx="453481" cy="1057889"/>
+            </a:xfrm>
+            <a:prstGeom prst="bentConnector2">
+              <a:avLst/>
+            </a:prstGeom>
+            <a:ln w="28575">
+              <a:solidFill>
+                <a:srgbClr val="305FB1"/>
+              </a:solidFill>
+              <a:tailEnd type="triangle"/>
+            </a:ln>
+          </p:spPr>
+          <p:style>
+            <a:lnRef idx="1">
+              <a:schemeClr val="accent1"/>
+            </a:lnRef>
+            <a:fillRef idx="0">
+              <a:schemeClr val="accent1"/>
+            </a:fillRef>
+            <a:effectRef idx="0">
+              <a:schemeClr val="accent1"/>
+            </a:effectRef>
+            <a:fontRef idx="minor">
+              <a:schemeClr val="tx1"/>
+            </a:fontRef>
+          </p:style>
+        </p:cxnSp>
+        <p:cxnSp>
+          <p:nvCxnSpPr>
+            <p:cNvPr id="86" name="Elbow Connector 85">
+              <a:extLst>
+                <a:ext uri="{FF2B5EF4-FFF2-40B4-BE49-F238E27FC236}">
+                  <a16:creationId xmlns:a16="http://schemas.microsoft.com/office/drawing/2014/main" id="{DEC678D2-99E9-B048-80AA-901745A0AD5C}"/>
+                </a:ext>
+              </a:extLst>
+            </p:cNvPr>
+            <p:cNvCxnSpPr>
+              <a:cxnSpLocks/>
+              <a:stCxn id="76" idx="2"/>
+            </p:cNvCxnSpPr>
+            <p:nvPr/>
+          </p:nvCxnSpPr>
+          <p:spPr>
+            <a:xfrm rot="10800000">
+              <a:off x="6096001" y="3842675"/>
+              <a:ext cx="312520" cy="1067642"/>
+            </a:xfrm>
+            <a:prstGeom prst="bentConnector2">
+              <a:avLst/>
+            </a:prstGeom>
+            <a:ln w="28575">
+              <a:solidFill>
+                <a:srgbClr val="305FB1"/>
+              </a:solidFill>
+              <a:tailEnd type="triangle"/>
+            </a:ln>
+          </p:spPr>
+          <p:style>
+            <a:lnRef idx="1">
+              <a:schemeClr val="accent1"/>
+            </a:lnRef>
+            <a:fillRef idx="0">
+              <a:schemeClr val="accent1"/>
+            </a:fillRef>
+            <a:effectRef idx="0">
+              <a:schemeClr val="accent1"/>
+            </a:effectRef>
+            <a:fontRef idx="minor">
+              <a:schemeClr val="tx1"/>
+            </a:fontRef>
+          </p:style>
+        </p:cxnSp>
+      </p:grpSp>
+      <p:cxnSp>
+        <p:nvCxnSpPr>
+          <p:cNvPr id="91" name="Elbow Connector 90">
+            <a:extLst>
+              <a:ext uri="{FF2B5EF4-FFF2-40B4-BE49-F238E27FC236}">
+                <a16:creationId xmlns:a16="http://schemas.microsoft.com/office/drawing/2014/main" id="{87CE516A-1B68-5A4B-9632-7C1CFF207C65}"/>
+              </a:ext>
+            </a:extLst>
+          </p:cNvPr>
+          <p:cNvCxnSpPr>
+            <a:cxnSpLocks/>
+            <a:stCxn id="69" idx="0"/>
+          </p:cNvCxnSpPr>
+          <p:nvPr/>
+        </p:nvCxnSpPr>
+        <p:spPr>
+          <a:xfrm rot="5400000" flipH="1" flipV="1">
+            <a:off x="9444400" y="419694"/>
+            <a:ext cx="500190" cy="1035927"/>
+          </a:xfrm>
+          <a:prstGeom prst="bentConnector2">
+            <a:avLst/>
+          </a:prstGeom>
+          <a:ln w="28575">
+            <a:solidFill>
+              <a:srgbClr val="305FB1"/>
+            </a:solidFill>
+            <a:prstDash val="sysDot"/>
+            <a:tailEnd type="triangle"/>
+          </a:ln>
+        </p:spPr>
+        <p:style>
+          <a:lnRef idx="1">
+            <a:schemeClr val="accent1"/>
+          </a:lnRef>
+          <a:fillRef idx="0">
+            <a:schemeClr val="accent1"/>
+          </a:fillRef>
+          <a:effectRef idx="0">
+            <a:schemeClr val="accent1"/>
+          </a:effectRef>
+          <a:fontRef idx="minor">
+            <a:schemeClr val="tx1"/>
+          </a:fontRef>
+        </p:style>
+      </p:cxnSp>
+      <p:sp>
+        <p:nvSpPr>
+          <p:cNvPr id="111" name="TextBox 110">
+            <a:extLst>
+              <a:ext uri="{FF2B5EF4-FFF2-40B4-BE49-F238E27FC236}">
+                <a16:creationId xmlns:a16="http://schemas.microsoft.com/office/drawing/2014/main" id="{7EE472E7-7C1D-9845-AB45-4DB5D91516E6}"/>
+              </a:ext>
+            </a:extLst>
+          </p:cNvPr>
+          <p:cNvSpPr txBox="1"/>
+          <p:nvPr/>
+        </p:nvSpPr>
+        <p:spPr>
+          <a:xfrm>
+            <a:off x="10148022" y="580049"/>
+            <a:ext cx="1088760" cy="253916"/>
+          </a:xfrm>
+          <a:prstGeom prst="rect">
+            <a:avLst/>
+          </a:prstGeom>
+          <a:noFill/>
+        </p:spPr>
+        <p:txBody>
+          <a:bodyPr wrap="none" rtlCol="0">
+            <a:spAutoFit/>
+          </a:bodyPr>
+          <a:lstStyle/>
+          <a:p>
+            <a:pPr algn="ctr"/>
+            <a:r>
+              <a:rPr lang="en-DE" sz="1050" b="1" dirty="0">
+                <a:latin typeface="Fira Sans" panose="020B0503050000020004" pitchFamily="34" charset="0"/>
+              </a:rPr>
+              <a:t>Evidence Maps</a:t>
+            </a:r>
+          </a:p>
+        </p:txBody>
+      </p:sp>
+      <p:sp>
+        <p:nvSpPr>
+          <p:cNvPr id="114" name="TextBox 113">
+            <a:extLst>
+              <a:ext uri="{FF2B5EF4-FFF2-40B4-BE49-F238E27FC236}">
+                <a16:creationId xmlns:a16="http://schemas.microsoft.com/office/drawing/2014/main" id="{2823DEA9-A54C-7945-BF29-577DABEAC3A1}"/>
+              </a:ext>
+            </a:extLst>
+          </p:cNvPr>
+          <p:cNvSpPr txBox="1"/>
+          <p:nvPr/>
+        </p:nvSpPr>
+        <p:spPr>
+          <a:xfrm>
+            <a:off x="10138232" y="865405"/>
+            <a:ext cx="1285929" cy="253916"/>
+          </a:xfrm>
+          <a:prstGeom prst="rect">
+            <a:avLst/>
+          </a:prstGeom>
+          <a:noFill/>
+        </p:spPr>
+        <p:txBody>
+          <a:bodyPr wrap="none" rtlCol="0">
+            <a:spAutoFit/>
+          </a:bodyPr>
+          <a:lstStyle/>
+          <a:p>
+            <a:pPr algn="ctr"/>
+            <a:r>
+              <a:rPr lang="en-DE" sz="1050" b="1" dirty="0">
+                <a:latin typeface="Fira Sans" panose="020B0503050000020004" pitchFamily="34" charset="0"/>
+              </a:rPr>
+              <a:t>Umbrella Reviews</a:t>
+            </a:r>
+          </a:p>
+        </p:txBody>
+      </p:sp>
+      <p:cxnSp>
+        <p:nvCxnSpPr>
+          <p:cNvPr id="115" name="Elbow Connector 114">
+            <a:extLst>
+              <a:ext uri="{FF2B5EF4-FFF2-40B4-BE49-F238E27FC236}">
+                <a16:creationId xmlns:a16="http://schemas.microsoft.com/office/drawing/2014/main" id="{FF2BECB6-80AA-8A4B-8E1C-970A26A85FC8}"/>
+              </a:ext>
+            </a:extLst>
+          </p:cNvPr>
+          <p:cNvCxnSpPr>
+            <a:cxnSpLocks/>
+            <a:stCxn id="77" idx="2"/>
+          </p:cNvCxnSpPr>
+          <p:nvPr/>
+        </p:nvCxnSpPr>
+        <p:spPr>
+          <a:xfrm rot="16200000" flipH="1">
+            <a:off x="9602631" y="4203764"/>
+            <a:ext cx="114824" cy="1039289"/>
+          </a:xfrm>
+          <a:prstGeom prst="bentConnector2">
+            <a:avLst/>
+          </a:prstGeom>
+          <a:ln w="28575">
+            <a:solidFill>
+              <a:srgbClr val="305FB1"/>
+            </a:solidFill>
+            <a:prstDash val="sysDot"/>
+            <a:tailEnd type="triangle"/>
+          </a:ln>
+        </p:spPr>
+        <p:style>
+          <a:lnRef idx="1">
+            <a:schemeClr val="accent1"/>
+          </a:lnRef>
+          <a:fillRef idx="0">
+            <a:schemeClr val="accent1"/>
+          </a:fillRef>
+          <a:effectRef idx="0">
+            <a:schemeClr val="accent1"/>
+          </a:effectRef>
+          <a:fontRef idx="minor">
+            <a:schemeClr val="tx1"/>
+          </a:fontRef>
+        </p:style>
+      </p:cxnSp>
+      <p:sp>
+        <p:nvSpPr>
+          <p:cNvPr id="116" name="TextBox 115">
+            <a:extLst>
+              <a:ext uri="{FF2B5EF4-FFF2-40B4-BE49-F238E27FC236}">
+                <a16:creationId xmlns:a16="http://schemas.microsoft.com/office/drawing/2014/main" id="{217C8EC8-D196-304B-A7FA-63B8F7717367}"/>
+              </a:ext>
+            </a:extLst>
+          </p:cNvPr>
+          <p:cNvSpPr txBox="1"/>
+          <p:nvPr/>
+        </p:nvSpPr>
+        <p:spPr>
+          <a:xfrm>
+            <a:off x="10147012" y="4660797"/>
+            <a:ext cx="1077538" cy="253916"/>
+          </a:xfrm>
+          <a:prstGeom prst="rect">
+            <a:avLst/>
+          </a:prstGeom>
+          <a:noFill/>
+        </p:spPr>
+        <p:txBody>
+          <a:bodyPr wrap="none" rtlCol="0">
+            <a:spAutoFit/>
+          </a:bodyPr>
+          <a:lstStyle/>
+          <a:p>
+            <a:pPr algn="ctr"/>
+            <a:r>
+              <a:rPr lang="en-DE" sz="1050" b="1" dirty="0">
+                <a:latin typeface="Fira Sans" panose="020B0503050000020004" pitchFamily="34" charset="0"/>
+              </a:rPr>
+              <a:t>Rapid Reviews</a:t>
+            </a:r>
+          </a:p>
+        </p:txBody>
+      </p:sp>
+      <p:sp>
+        <p:nvSpPr>
+          <p:cNvPr id="118" name="TextBox 117">
+            <a:extLst>
+              <a:ext uri="{FF2B5EF4-FFF2-40B4-BE49-F238E27FC236}">
+                <a16:creationId xmlns:a16="http://schemas.microsoft.com/office/drawing/2014/main" id="{833B9831-586B-9347-94CD-C4E9B02D8F73}"/>
+              </a:ext>
+            </a:extLst>
+          </p:cNvPr>
+          <p:cNvSpPr txBox="1"/>
+          <p:nvPr/>
+        </p:nvSpPr>
+        <p:spPr>
+          <a:xfrm>
+            <a:off x="10130716" y="4929173"/>
+            <a:ext cx="1798890" cy="253916"/>
+          </a:xfrm>
+          <a:prstGeom prst="rect">
+            <a:avLst/>
+          </a:prstGeom>
+          <a:noFill/>
+        </p:spPr>
+        <p:txBody>
+          <a:bodyPr wrap="none" rtlCol="0">
+            <a:spAutoFit/>
+          </a:bodyPr>
+          <a:lstStyle/>
+          <a:p>
+            <a:pPr algn="ctr"/>
+            <a:r>
+              <a:rPr lang="en-DE" sz="1050" b="1" dirty="0">
+                <a:latin typeface="Fira Sans" panose="020B0503050000020004" pitchFamily="34" charset="0"/>
+              </a:rPr>
+              <a:t>Living Systematic Reviews</a:t>
+            </a:r>
+          </a:p>
+        </p:txBody>
+      </p:sp>
+      <p:cxnSp>
+        <p:nvCxnSpPr>
+          <p:cNvPr id="119" name="Elbow Connector 118">
+            <a:extLst>
+              <a:ext uri="{FF2B5EF4-FFF2-40B4-BE49-F238E27FC236}">
+                <a16:creationId xmlns:a16="http://schemas.microsoft.com/office/drawing/2014/main" id="{DF8645F1-AD56-D448-8960-D6942EECAF1F}"/>
+              </a:ext>
+            </a:extLst>
+          </p:cNvPr>
+          <p:cNvCxnSpPr>
+            <a:cxnSpLocks/>
+            <a:stCxn id="69" idx="0"/>
+          </p:cNvCxnSpPr>
+          <p:nvPr/>
+        </p:nvCxnSpPr>
+        <p:spPr>
+          <a:xfrm rot="5400000" flipH="1" flipV="1">
+            <a:off x="9579748" y="568083"/>
+            <a:ext cx="216452" cy="1022886"/>
+          </a:xfrm>
+          <a:prstGeom prst="bentConnector2">
+            <a:avLst/>
+          </a:prstGeom>
+          <a:ln w="28575">
+            <a:solidFill>
+              <a:srgbClr val="305FB1"/>
+            </a:solidFill>
+            <a:prstDash val="sysDot"/>
+            <a:tailEnd type="triangle"/>
+          </a:ln>
+        </p:spPr>
+        <p:style>
+          <a:lnRef idx="1">
+            <a:schemeClr val="accent1"/>
+          </a:lnRef>
+          <a:fillRef idx="0">
+            <a:schemeClr val="accent1"/>
+          </a:fillRef>
+          <a:effectRef idx="0">
+            <a:schemeClr val="accent1"/>
+          </a:effectRef>
+          <a:fontRef idx="minor">
+            <a:schemeClr val="tx1"/>
+          </a:fontRef>
+        </p:style>
+      </p:cxnSp>
+      <p:cxnSp>
+        <p:nvCxnSpPr>
+          <p:cNvPr id="120" name="Elbow Connector 119">
+            <a:extLst>
+              <a:ext uri="{FF2B5EF4-FFF2-40B4-BE49-F238E27FC236}">
+                <a16:creationId xmlns:a16="http://schemas.microsoft.com/office/drawing/2014/main" id="{2813FF41-544C-F24B-94D6-ED40C79CB0AE}"/>
+              </a:ext>
+            </a:extLst>
+          </p:cNvPr>
+          <p:cNvCxnSpPr>
+            <a:cxnSpLocks/>
+            <a:stCxn id="77" idx="2"/>
+          </p:cNvCxnSpPr>
+          <p:nvPr/>
+        </p:nvCxnSpPr>
+        <p:spPr>
+          <a:xfrm rot="16200000" flipH="1">
+            <a:off x="9460762" y="4345633"/>
+            <a:ext cx="398562" cy="1039289"/>
+          </a:xfrm>
+          <a:prstGeom prst="bentConnector2">
+            <a:avLst/>
+          </a:prstGeom>
+          <a:ln w="28575">
+            <a:solidFill>
+              <a:srgbClr val="305FB1"/>
+            </a:solidFill>
+            <a:prstDash val="sysDot"/>
+            <a:tailEnd type="triangle"/>
+          </a:ln>
+        </p:spPr>
+        <p:style>
+          <a:lnRef idx="1">
+            <a:schemeClr val="accent1"/>
+          </a:lnRef>
+          <a:fillRef idx="0">
+            <a:schemeClr val="accent1"/>
+          </a:fillRef>
+          <a:effectRef idx="0">
+            <a:schemeClr val="accent1"/>
+          </a:effectRef>
+          <a:fontRef idx="minor">
+            <a:schemeClr val="tx1"/>
+          </a:fontRef>
+        </p:style>
+      </p:cxnSp>
+      <p:cxnSp>
+        <p:nvCxnSpPr>
+          <p:cNvPr id="125" name="Elbow Connector 124">
+            <a:extLst>
+              <a:ext uri="{FF2B5EF4-FFF2-40B4-BE49-F238E27FC236}">
+                <a16:creationId xmlns:a16="http://schemas.microsoft.com/office/drawing/2014/main" id="{5E4850FF-D1D3-1B48-B2B0-79312FF7BE37}"/>
+              </a:ext>
+            </a:extLst>
+          </p:cNvPr>
+          <p:cNvCxnSpPr>
+            <a:cxnSpLocks/>
+            <a:stCxn id="73" idx="2"/>
+          </p:cNvCxnSpPr>
+          <p:nvPr/>
+        </p:nvCxnSpPr>
+        <p:spPr>
+          <a:xfrm rot="5400000">
+            <a:off x="6475570" y="4250716"/>
+            <a:ext cx="394193" cy="1216636"/>
+          </a:xfrm>
+          <a:prstGeom prst="bentConnector2">
+            <a:avLst/>
+          </a:prstGeom>
+          <a:ln w="28575">
+            <a:solidFill>
+              <a:srgbClr val="305FB1"/>
+            </a:solidFill>
+            <a:prstDash val="sysDot"/>
+            <a:tailEnd type="triangle"/>
+          </a:ln>
+        </p:spPr>
+        <p:style>
+          <a:lnRef idx="1">
+            <a:schemeClr val="accent1"/>
+          </a:lnRef>
+          <a:fillRef idx="0">
+            <a:schemeClr val="accent1"/>
+          </a:fillRef>
+          <a:effectRef idx="0">
+            <a:schemeClr val="accent1"/>
+          </a:effectRef>
+          <a:fontRef idx="minor">
+            <a:schemeClr val="tx1"/>
+          </a:fontRef>
+        </p:style>
+      </p:cxnSp>
+      <p:cxnSp>
+        <p:nvCxnSpPr>
+          <p:cNvPr id="127" name="Elbow Connector 126">
+            <a:extLst>
+              <a:ext uri="{FF2B5EF4-FFF2-40B4-BE49-F238E27FC236}">
+                <a16:creationId xmlns:a16="http://schemas.microsoft.com/office/drawing/2014/main" id="{9A9117AF-0B24-884F-8CD6-0DB5FEDB0F49}"/>
+              </a:ext>
+            </a:extLst>
+          </p:cNvPr>
+          <p:cNvCxnSpPr>
+            <a:cxnSpLocks/>
+            <a:stCxn id="73" idx="2"/>
+          </p:cNvCxnSpPr>
+          <p:nvPr/>
+        </p:nvCxnSpPr>
+        <p:spPr>
+          <a:xfrm rot="5400000">
+            <a:off x="6609757" y="4116529"/>
+            <a:ext cx="125819" cy="1216636"/>
+          </a:xfrm>
+          <a:prstGeom prst="bentConnector2">
+            <a:avLst/>
+          </a:prstGeom>
+          <a:ln w="28575">
+            <a:solidFill>
+              <a:srgbClr val="305FB1"/>
+            </a:solidFill>
+            <a:prstDash val="sysDot"/>
+            <a:tailEnd type="triangle"/>
+          </a:ln>
+        </p:spPr>
+        <p:style>
+          <a:lnRef idx="1">
+            <a:schemeClr val="accent1"/>
+          </a:lnRef>
+          <a:fillRef idx="0">
+            <a:schemeClr val="accent1"/>
+          </a:fillRef>
+          <a:effectRef idx="0">
+            <a:schemeClr val="accent1"/>
+          </a:effectRef>
+          <a:fontRef idx="minor">
+            <a:schemeClr val="tx1"/>
+          </a:fontRef>
+        </p:style>
+      </p:cxnSp>
+      <p:sp>
+        <p:nvSpPr>
+          <p:cNvPr id="131" name="TextBox 130">
+            <a:extLst>
+              <a:ext uri="{FF2B5EF4-FFF2-40B4-BE49-F238E27FC236}">
+                <a16:creationId xmlns:a16="http://schemas.microsoft.com/office/drawing/2014/main" id="{907F454F-0D61-6540-9953-6B785E49FDBB}"/>
+              </a:ext>
+            </a:extLst>
+          </p:cNvPr>
+          <p:cNvSpPr txBox="1"/>
+          <p:nvPr/>
+        </p:nvSpPr>
+        <p:spPr>
+          <a:xfrm>
+            <a:off x="4664604" y="4652034"/>
+            <a:ext cx="1399743" cy="253916"/>
+          </a:xfrm>
+          <a:prstGeom prst="rect">
+            <a:avLst/>
+          </a:prstGeom>
+          <a:noFill/>
+        </p:spPr>
+        <p:txBody>
+          <a:bodyPr wrap="none" rtlCol="0">
+            <a:spAutoFit/>
+          </a:bodyPr>
+          <a:lstStyle/>
+          <a:p>
+            <a:pPr algn="ctr"/>
+            <a:r>
+              <a:rPr lang="en-DE" sz="1050" b="1" dirty="0">
+                <a:latin typeface="Fira Sans" panose="020B0503050000020004" pitchFamily="34" charset="0"/>
+              </a:rPr>
+              <a:t>Statistical Software</a:t>
+            </a:r>
+          </a:p>
+        </p:txBody>
+      </p:sp>
+      <p:sp>
+        <p:nvSpPr>
+          <p:cNvPr id="132" name="TextBox 131">
+            <a:extLst>
+              <a:ext uri="{FF2B5EF4-FFF2-40B4-BE49-F238E27FC236}">
+                <a16:creationId xmlns:a16="http://schemas.microsoft.com/office/drawing/2014/main" id="{F8E50505-276C-1A4B-9FE9-F920F0662535}"/>
+              </a:ext>
+            </a:extLst>
+          </p:cNvPr>
+          <p:cNvSpPr txBox="1"/>
+          <p:nvPr/>
+        </p:nvSpPr>
+        <p:spPr>
+          <a:xfrm>
+            <a:off x="4657448" y="4953786"/>
+            <a:ext cx="1410964" cy="415498"/>
+          </a:xfrm>
+          <a:prstGeom prst="rect">
+            <a:avLst/>
+          </a:prstGeom>
+          <a:noFill/>
+        </p:spPr>
+        <p:txBody>
+          <a:bodyPr wrap="none" rtlCol="0">
+            <a:spAutoFit/>
+          </a:bodyPr>
+          <a:lstStyle/>
+          <a:p>
+            <a:pPr algn="r"/>
+            <a:r>
+              <a:rPr lang="en-DE" sz="1050" b="1" dirty="0">
+                <a:latin typeface="Fira Sans" panose="020B0503050000020004" pitchFamily="34" charset="0"/>
+              </a:rPr>
+              <a:t>Research Synthesis</a:t>
+            </a:r>
+          </a:p>
+          <a:p>
+            <a:pPr algn="r"/>
+            <a:r>
+              <a:rPr lang="en-DE" sz="1050" b="1" dirty="0">
+                <a:latin typeface="Fira Sans" panose="020B0503050000020004" pitchFamily="34" charset="0"/>
+              </a:rPr>
+              <a:t>Methods</a:t>
+            </a:r>
+          </a:p>
+        </p:txBody>
+      </p:sp>
+      <p:cxnSp>
+        <p:nvCxnSpPr>
+          <p:cNvPr id="133" name="Elbow Connector 132">
+            <a:extLst>
+              <a:ext uri="{FF2B5EF4-FFF2-40B4-BE49-F238E27FC236}">
+                <a16:creationId xmlns:a16="http://schemas.microsoft.com/office/drawing/2014/main" id="{328F0DC0-37A0-3A4A-804A-7EB531342CD8}"/>
+              </a:ext>
+            </a:extLst>
+          </p:cNvPr>
+          <p:cNvCxnSpPr>
+            <a:cxnSpLocks/>
+            <a:stCxn id="73" idx="2"/>
+          </p:cNvCxnSpPr>
+          <p:nvPr/>
+        </p:nvCxnSpPr>
+        <p:spPr>
+          <a:xfrm rot="5400000">
+            <a:off x="6219925" y="4506363"/>
+            <a:ext cx="905485" cy="1216635"/>
+          </a:xfrm>
+          <a:prstGeom prst="bentConnector2">
+            <a:avLst/>
+          </a:prstGeom>
+          <a:ln w="28575">
+            <a:solidFill>
+              <a:srgbClr val="305FB1"/>
+            </a:solidFill>
+            <a:prstDash val="sysDot"/>
+            <a:tailEnd type="triangle"/>
+          </a:ln>
+        </p:spPr>
+        <p:style>
+          <a:lnRef idx="1">
+            <a:schemeClr val="accent1"/>
+          </a:lnRef>
+          <a:fillRef idx="0">
+            <a:schemeClr val="accent1"/>
+          </a:fillRef>
+          <a:effectRef idx="0">
+            <a:schemeClr val="accent1"/>
+          </a:effectRef>
+          <a:fontRef idx="minor">
+            <a:schemeClr val="tx1"/>
+          </a:fontRef>
+        </p:style>
+      </p:cxnSp>
+      <p:sp>
+        <p:nvSpPr>
+          <p:cNvPr id="135" name="TextBox 134">
+            <a:extLst>
+              <a:ext uri="{FF2B5EF4-FFF2-40B4-BE49-F238E27FC236}">
+                <a16:creationId xmlns:a16="http://schemas.microsoft.com/office/drawing/2014/main" id="{03C54354-2D8B-584A-B0CC-CB95EFF4BC49}"/>
+              </a:ext>
+            </a:extLst>
+          </p:cNvPr>
+          <p:cNvSpPr txBox="1"/>
+          <p:nvPr/>
+        </p:nvSpPr>
+        <p:spPr>
+          <a:xfrm>
+            <a:off x="4448162" y="5453381"/>
+            <a:ext cx="1643400" cy="253916"/>
+          </a:xfrm>
+          <a:prstGeom prst="rect">
+            <a:avLst/>
+          </a:prstGeom>
+          <a:noFill/>
+        </p:spPr>
+        <p:txBody>
+          <a:bodyPr wrap="none" rtlCol="0">
+            <a:spAutoFit/>
+          </a:bodyPr>
+          <a:lstStyle/>
+          <a:p>
+            <a:pPr algn="ctr"/>
+            <a:r>
+              <a:rPr lang="en-DE" sz="1050" b="1" dirty="0">
+                <a:latin typeface="Fira Sans" panose="020B0503050000020004" pitchFamily="34" charset="0"/>
+              </a:rPr>
+              <a:t>Science Communication</a:t>
+            </a:r>
+          </a:p>
+        </p:txBody>
+      </p:sp>
+      <p:sp>
+        <p:nvSpPr>
+          <p:cNvPr id="137" name="TextBox 136">
+            <a:extLst>
+              <a:ext uri="{FF2B5EF4-FFF2-40B4-BE49-F238E27FC236}">
+                <a16:creationId xmlns:a16="http://schemas.microsoft.com/office/drawing/2014/main" id="{493230F1-0338-0B4A-A247-B4BB265464C5}"/>
+              </a:ext>
+            </a:extLst>
+          </p:cNvPr>
+          <p:cNvSpPr txBox="1"/>
+          <p:nvPr/>
+        </p:nvSpPr>
+        <p:spPr>
+          <a:xfrm>
+            <a:off x="4862924" y="562056"/>
+            <a:ext cx="1183294" cy="253916"/>
+          </a:xfrm>
+          <a:prstGeom prst="rect">
+            <a:avLst/>
+          </a:prstGeom>
+          <a:noFill/>
+        </p:spPr>
+        <p:txBody>
+          <a:bodyPr wrap="square" rtlCol="0">
+            <a:spAutoFit/>
+          </a:bodyPr>
+          <a:lstStyle/>
+          <a:p>
+            <a:pPr algn="r"/>
+            <a:r>
+              <a:rPr lang="en-DE" sz="1050" b="1" dirty="0">
+                <a:latin typeface="Fira Sans" panose="020B0503050000020004" pitchFamily="34" charset="0"/>
+              </a:rPr>
+              <a:t>Open Science</a:t>
+            </a:r>
+          </a:p>
+        </p:txBody>
+      </p:sp>
+      <p:sp>
+        <p:nvSpPr>
+          <p:cNvPr id="138" name="TextBox 137">
+            <a:extLst>
+              <a:ext uri="{FF2B5EF4-FFF2-40B4-BE49-F238E27FC236}">
+                <a16:creationId xmlns:a16="http://schemas.microsoft.com/office/drawing/2014/main" id="{E4C3B391-18EA-874D-973E-C942C96A0686}"/>
+              </a:ext>
+            </a:extLst>
+          </p:cNvPr>
+          <p:cNvSpPr txBox="1"/>
+          <p:nvPr/>
+        </p:nvSpPr>
+        <p:spPr>
+          <a:xfrm>
+            <a:off x="5043044" y="820539"/>
+            <a:ext cx="1011816" cy="253916"/>
+          </a:xfrm>
+          <a:prstGeom prst="rect">
+            <a:avLst/>
+          </a:prstGeom>
+          <a:noFill/>
+        </p:spPr>
+        <p:txBody>
+          <a:bodyPr wrap="none" rtlCol="0">
+            <a:spAutoFit/>
+          </a:bodyPr>
+          <a:lstStyle/>
+          <a:p>
+            <a:pPr algn="r"/>
+            <a:r>
+              <a:rPr lang="en-DE" sz="1050" b="1" dirty="0">
+                <a:latin typeface="Fira Sans" panose="020B0503050000020004" pitchFamily="34" charset="0"/>
+              </a:rPr>
+              <a:t>Meta-Science</a:t>
+            </a:r>
+          </a:p>
+        </p:txBody>
+      </p:sp>
+      <p:cxnSp>
+        <p:nvCxnSpPr>
+          <p:cNvPr id="139" name="Elbow Connector 138">
+            <a:extLst>
+              <a:ext uri="{FF2B5EF4-FFF2-40B4-BE49-F238E27FC236}">
+                <a16:creationId xmlns:a16="http://schemas.microsoft.com/office/drawing/2014/main" id="{9D696DC0-3419-E949-9E5D-1AD83E0441EB}"/>
+              </a:ext>
+            </a:extLst>
+          </p:cNvPr>
+          <p:cNvCxnSpPr>
+            <a:cxnSpLocks/>
+            <a:stCxn id="2" idx="0"/>
+            <a:endCxn id="138" idx="3"/>
+          </p:cNvCxnSpPr>
+          <p:nvPr/>
+        </p:nvCxnSpPr>
+        <p:spPr>
+          <a:xfrm rot="16200000" flipV="1">
+            <a:off x="6547795" y="454563"/>
+            <a:ext cx="240255" cy="1226123"/>
+          </a:xfrm>
+          <a:prstGeom prst="bentConnector2">
+            <a:avLst/>
+          </a:prstGeom>
+          <a:ln w="28575">
+            <a:solidFill>
+              <a:srgbClr val="305FB1"/>
+            </a:solidFill>
+            <a:prstDash val="sysDot"/>
+            <a:tailEnd type="triangle"/>
+          </a:ln>
+        </p:spPr>
+        <p:style>
+          <a:lnRef idx="1">
+            <a:schemeClr val="accent1"/>
+          </a:lnRef>
+          <a:fillRef idx="0">
+            <a:schemeClr val="accent1"/>
+          </a:fillRef>
+          <a:effectRef idx="0">
+            <a:schemeClr val="accent1"/>
+          </a:effectRef>
+          <a:fontRef idx="minor">
+            <a:schemeClr val="tx1"/>
+          </a:fontRef>
+        </p:style>
+      </p:cxnSp>
+      <p:cxnSp>
+        <p:nvCxnSpPr>
+          <p:cNvPr id="141" name="Elbow Connector 140">
+            <a:extLst>
+              <a:ext uri="{FF2B5EF4-FFF2-40B4-BE49-F238E27FC236}">
+                <a16:creationId xmlns:a16="http://schemas.microsoft.com/office/drawing/2014/main" id="{3A18964B-A23D-9248-BE4D-618E9EDEC935}"/>
+              </a:ext>
+            </a:extLst>
+          </p:cNvPr>
+          <p:cNvCxnSpPr>
+            <a:cxnSpLocks/>
+            <a:stCxn id="2" idx="0"/>
+            <a:endCxn id="137" idx="3"/>
+          </p:cNvCxnSpPr>
+          <p:nvPr/>
+        </p:nvCxnSpPr>
+        <p:spPr>
+          <a:xfrm rot="16200000" flipV="1">
+            <a:off x="6414232" y="321000"/>
+            <a:ext cx="498738" cy="1234765"/>
+          </a:xfrm>
+          <a:prstGeom prst="bentConnector2">
+            <a:avLst/>
+          </a:prstGeom>
+          <a:ln w="28575">
+            <a:solidFill>
+              <a:srgbClr val="305FB1"/>
+            </a:solidFill>
+            <a:prstDash val="sysDot"/>
+            <a:tailEnd type="triangle"/>
+          </a:ln>
+        </p:spPr>
+        <p:style>
+          <a:lnRef idx="1">
+            <a:schemeClr val="accent1"/>
+          </a:lnRef>
+          <a:fillRef idx="0">
+            <a:schemeClr val="accent1"/>
+          </a:fillRef>
+          <a:effectRef idx="0">
+            <a:schemeClr val="accent1"/>
+          </a:effectRef>
+          <a:fontRef idx="minor">
+            <a:schemeClr val="tx1"/>
+          </a:fontRef>
+        </p:style>
+      </p:cxnSp>
+      <p:pic>
+        <p:nvPicPr>
+          <p:cNvPr id="149" name="Picture 148" descr="Shape&#10;&#10;Description automatically generated with low confidence">
+            <a:extLst>
+              <a:ext uri="{FF2B5EF4-FFF2-40B4-BE49-F238E27FC236}">
+                <a16:creationId xmlns:a16="http://schemas.microsoft.com/office/drawing/2014/main" id="{1DC8107A-8A83-0943-A5FB-DA06823ABD8D}"/>
+              </a:ext>
+            </a:extLst>
+          </p:cNvPr>
+          <p:cNvPicPr>
+            <a:picLocks noChangeAspect="1"/>
+          </p:cNvPicPr>
+          <p:nvPr/>
+        </p:nvPicPr>
+        <p:blipFill rotWithShape="1">
+          <a:blip r:embed="rId2"/>
+          <a:srcRect b="19815"/>
+          <a:stretch/>
+        </p:blipFill>
+        <p:spPr>
+          <a:xfrm>
+            <a:off x="6967294" y="1353032"/>
+            <a:ext cx="596098" cy="477982"/>
+          </a:xfrm>
+          <a:prstGeom prst="rect">
+            <a:avLst/>
+          </a:prstGeom>
+        </p:spPr>
+      </p:pic>
+      <p:pic>
+        <p:nvPicPr>
+          <p:cNvPr id="153" name="Picture 152" descr="Shape&#10;&#10;Description automatically generated with low confidence">
+            <a:extLst>
+              <a:ext uri="{FF2B5EF4-FFF2-40B4-BE49-F238E27FC236}">
+                <a16:creationId xmlns:a16="http://schemas.microsoft.com/office/drawing/2014/main" id="{66E02FC9-A722-1C4F-913E-244AAA46F490}"/>
+              </a:ext>
+            </a:extLst>
+          </p:cNvPr>
+          <p:cNvPicPr>
+            <a:picLocks noChangeAspect="1"/>
+          </p:cNvPicPr>
+          <p:nvPr/>
+        </p:nvPicPr>
+        <p:blipFill rotWithShape="1">
+          <a:blip r:embed="rId3"/>
+          <a:srcRect b="20327"/>
+          <a:stretch/>
+        </p:blipFill>
+        <p:spPr>
+          <a:xfrm>
+            <a:off x="8832501" y="1320262"/>
+            <a:ext cx="688057" cy="548197"/>
+          </a:xfrm>
+          <a:prstGeom prst="rect">
+            <a:avLst/>
+          </a:prstGeom>
+        </p:spPr>
+      </p:pic>
+      <p:sp>
+        <p:nvSpPr>
+          <p:cNvPr id="154" name="TextBox 153">
+            <a:extLst>
+              <a:ext uri="{FF2B5EF4-FFF2-40B4-BE49-F238E27FC236}">
+                <a16:creationId xmlns:a16="http://schemas.microsoft.com/office/drawing/2014/main" id="{4CBC2542-10FC-4747-B4F0-29573F3328EE}"/>
+              </a:ext>
+            </a:extLst>
+          </p:cNvPr>
+          <p:cNvSpPr txBox="1"/>
+          <p:nvPr/>
+        </p:nvSpPr>
+        <p:spPr>
+          <a:xfrm>
+            <a:off x="8189480" y="6043062"/>
+            <a:ext cx="3740126" cy="215444"/>
+          </a:xfrm>
+          <a:prstGeom prst="rect">
+            <a:avLst/>
+          </a:prstGeom>
+          <a:noFill/>
+        </p:spPr>
+        <p:txBody>
+          <a:bodyPr wrap="square" rtlCol="0">
+            <a:spAutoFit/>
+          </a:bodyPr>
+          <a:lstStyle/>
+          <a:p>
+            <a:pPr algn="ctr"/>
+            <a:r>
+              <a:rPr lang="en-DE" sz="800" dirty="0">
+                <a:latin typeface="Fira Sans" panose="020B0503050000020004" pitchFamily="34" charset="0"/>
+              </a:rPr>
+              <a:t>Leif Michelsen, Gordo Ibáñez, Kemesh Maharjan, Popular from Noun Project </a:t>
+            </a:r>
+          </a:p>
+        </p:txBody>
+      </p:sp>
+      <p:pic>
+        <p:nvPicPr>
+          <p:cNvPr id="156" name="Picture 155" descr="Shape&#10;&#10;Description automatically generated with low confidence">
+            <a:extLst>
+              <a:ext uri="{FF2B5EF4-FFF2-40B4-BE49-F238E27FC236}">
+                <a16:creationId xmlns:a16="http://schemas.microsoft.com/office/drawing/2014/main" id="{CA42360A-43AD-D045-BAE7-AF9B9CF61EB3}"/>
+              </a:ext>
+            </a:extLst>
+          </p:cNvPr>
+          <p:cNvPicPr>
+            <a:picLocks noChangeAspect="1"/>
+          </p:cNvPicPr>
+          <p:nvPr/>
+        </p:nvPicPr>
+        <p:blipFill rotWithShape="1">
+          <a:blip r:embed="rId4"/>
+          <a:srcRect b="20311"/>
+          <a:stretch/>
+        </p:blipFill>
+        <p:spPr>
+          <a:xfrm>
+            <a:off x="7021181" y="3577672"/>
+            <a:ext cx="517844" cy="412663"/>
+          </a:xfrm>
+          <a:prstGeom prst="rect">
+            <a:avLst/>
+          </a:prstGeom>
+        </p:spPr>
+      </p:pic>
+      <p:pic>
+        <p:nvPicPr>
+          <p:cNvPr id="160" name="Picture 159" descr="Shape&#10;&#10;Description automatically generated with low confidence">
+            <a:extLst>
+              <a:ext uri="{FF2B5EF4-FFF2-40B4-BE49-F238E27FC236}">
+                <a16:creationId xmlns:a16="http://schemas.microsoft.com/office/drawing/2014/main" id="{4E6E4A16-6E39-494D-9F1F-C753E9DC8E66}"/>
+              </a:ext>
+            </a:extLst>
+          </p:cNvPr>
+          <p:cNvPicPr>
+            <a:picLocks noChangeAspect="1"/>
+          </p:cNvPicPr>
+          <p:nvPr/>
+        </p:nvPicPr>
+        <p:blipFill rotWithShape="1">
+          <a:blip r:embed="rId5"/>
+          <a:srcRect b="24520"/>
+          <a:stretch/>
+        </p:blipFill>
+        <p:spPr>
+          <a:xfrm>
+            <a:off x="8847183" y="3596663"/>
+            <a:ext cx="554678" cy="418671"/>
+          </a:xfrm>
+          <a:prstGeom prst="rect">
+            <a:avLst/>
+          </a:prstGeom>
+        </p:spPr>
+      </p:pic>
+      <p:graphicFrame>
+        <p:nvGraphicFramePr>
+          <p:cNvPr id="162" name="Diagram 161">
+            <a:extLst>
+              <a:ext uri="{FF2B5EF4-FFF2-40B4-BE49-F238E27FC236}">
+                <a16:creationId xmlns:a16="http://schemas.microsoft.com/office/drawing/2014/main" id="{36B263AC-AC68-D444-9E7D-B731C782694F}"/>
+              </a:ext>
+            </a:extLst>
+          </p:cNvPr>
+          <p:cNvGraphicFramePr/>
+          <p:nvPr>
+            <p:extLst>
+              <p:ext uri="{D42A27DB-BD31-4B8C-83A1-F6EECF244321}">
+                <p14:modId xmlns:p14="http://schemas.microsoft.com/office/powerpoint/2010/main" val="284818877"/>
+              </p:ext>
+            </p:extLst>
+          </p:nvPr>
+        </p:nvGraphicFramePr>
+        <p:xfrm>
+          <a:off x="253778" y="580050"/>
+          <a:ext cx="3649380" cy="5127248"/>
+        </p:xfrm>
+        <a:graphic>
+          <a:graphicData uri="http://schemas.openxmlformats.org/drawingml/2006/diagram">
+            <dgm:relIds xmlns:dgm="http://schemas.openxmlformats.org/drawingml/2006/diagram" xmlns:r="http://schemas.openxmlformats.org/officeDocument/2006/relationships" r:dm="rId6" r:lo="rId7" r:qs="rId8" r:cs="rId9"/>
+          </a:graphicData>
+        </a:graphic>
+      </p:graphicFrame>
+    </p:spTree>
+    <p:extLst>
+      <p:ext uri="{BB962C8B-B14F-4D97-AF65-F5344CB8AC3E}">
+        <p14:creationId xmlns:p14="http://schemas.microsoft.com/office/powerpoint/2010/main" val="3305514910"/>
+      </p:ext>
+    </p:extLst>
+  </p:cSld>
+  <p:clrMapOvr>
+    <a:masterClrMapping/>
+  </p:clrMapOvr>
+</p:sld>
+</file>
+
+<file path=ppt/slides/slide3.xml><?xml version="1.0" encoding="utf-8"?>
+<p:sld xmlns:a="http://schemas.openxmlformats.org/drawingml/2006/main" xmlns:r="http://schemas.openxmlformats.org/officeDocument/2006/relationships" xmlns:p="http://schemas.openxmlformats.org/presentationml/2006/main">
+  <p:cSld>
+    <p:spTree>
+      <p:nvGrpSpPr>
+        <p:cNvPr id="1" name=""/>
+        <p:cNvGrpSpPr/>
+        <p:nvPr/>
+      </p:nvGrpSpPr>
+      <p:grpSpPr>
+        <a:xfrm>
+          <a:off x="0" y="0"/>
+          <a:ext cx="0" cy="0"/>
+          <a:chOff x="0" y="0"/>
+          <a:chExt cx="0" cy="0"/>
+        </a:xfrm>
+      </p:grpSpPr>
+      <p:pic>
+        <p:nvPicPr>
+          <p:cNvPr id="5" name="Picture 4" descr="Graphical user interface, application&#10;&#10;Description automatically generated">
+            <a:extLst>
+              <a:ext uri="{FF2B5EF4-FFF2-40B4-BE49-F238E27FC236}">
+                <a16:creationId xmlns:a16="http://schemas.microsoft.com/office/drawing/2014/main" id="{2A8369FD-2D8E-654E-AE65-F0758F791771}"/>
+              </a:ext>
+            </a:extLst>
+          </p:cNvPr>
+          <p:cNvPicPr>
+            <a:picLocks noChangeAspect="1"/>
+          </p:cNvPicPr>
+          <p:nvPr/>
+        </p:nvPicPr>
+        <p:blipFill>
+          <a:blip r:embed="rId2"/>
+          <a:stretch>
+            <a:fillRect/>
+          </a:stretch>
+        </p:blipFill>
+        <p:spPr>
+          <a:xfrm>
+            <a:off x="991892" y="1177749"/>
+            <a:ext cx="6004635" cy="3841200"/>
+          </a:xfrm>
+          <a:prstGeom prst="rect">
+            <a:avLst/>
+          </a:prstGeom>
+        </p:spPr>
+      </p:pic>
+      <p:pic>
+        <p:nvPicPr>
+          <p:cNvPr id="8" name="Picture 7" descr="Graphical user interface, application&#10;&#10;Description automatically generated">
+            <a:extLst>
+              <a:ext uri="{FF2B5EF4-FFF2-40B4-BE49-F238E27FC236}">
+                <a16:creationId xmlns:a16="http://schemas.microsoft.com/office/drawing/2014/main" id="{F6B9AC6D-2B3A-B34B-9957-C601576F64C9}"/>
+              </a:ext>
+            </a:extLst>
+          </p:cNvPr>
+          <p:cNvPicPr>
+            <a:picLocks noChangeAspect="1"/>
+          </p:cNvPicPr>
+          <p:nvPr/>
+        </p:nvPicPr>
+        <p:blipFill>
+          <a:blip r:embed="rId3"/>
+          <a:stretch>
+            <a:fillRect/>
+          </a:stretch>
+        </p:blipFill>
+        <p:spPr>
+          <a:xfrm>
+            <a:off x="7813276" y="1094573"/>
+            <a:ext cx="3493158" cy="4198937"/>
+          </a:xfrm>
+          <a:prstGeom prst="rect">
+            <a:avLst/>
+          </a:prstGeom>
+        </p:spPr>
+      </p:pic>
+      <p:sp>
+        <p:nvSpPr>
+          <p:cNvPr id="12" name="Rectangle 11">
+            <a:extLst>
+              <a:ext uri="{FF2B5EF4-FFF2-40B4-BE49-F238E27FC236}">
+                <a16:creationId xmlns:a16="http://schemas.microsoft.com/office/drawing/2014/main" id="{C67C3E8E-63EE-E347-B4EA-F06FE89D377F}"/>
+              </a:ext>
+            </a:extLst>
+          </p:cNvPr>
+          <p:cNvSpPr/>
+          <p:nvPr/>
+        </p:nvSpPr>
+        <p:spPr>
+          <a:xfrm>
+            <a:off x="4999438" y="2723186"/>
+            <a:ext cx="1737360" cy="822960"/>
+          </a:xfrm>
+          <a:prstGeom prst="rect">
+            <a:avLst/>
+          </a:prstGeom>
+          <a:noFill/>
+          <a:ln w="28575">
+            <a:solidFill>
+              <a:srgbClr val="305FB1"/>
+            </a:solidFill>
+          </a:ln>
+        </p:spPr>
+        <p:style>
+          <a:lnRef idx="2">
+            <a:schemeClr val="accent1">
+              <a:shade val="50000"/>
+            </a:schemeClr>
+          </a:lnRef>
+          <a:fillRef idx="1">
+            <a:schemeClr val="accent1"/>
+          </a:fillRef>
+          <a:effectRef idx="0">
+            <a:schemeClr val="accent1"/>
+          </a:effectRef>
+          <a:fontRef idx="minor">
+            <a:schemeClr val="lt1"/>
+          </a:fontRef>
+        </p:style>
+        <p:txBody>
+          <a:bodyPr rtlCol="0" anchor="ctr"/>
+          <a:lstStyle/>
+          <a:p>
+            <a:pPr algn="ctr"/>
+            <a:endParaRPr lang="en-DE"/>
+          </a:p>
+        </p:txBody>
+      </p:sp>
+      <p:sp>
+        <p:nvSpPr>
+          <p:cNvPr id="54" name="Rectangle 53">
+            <a:extLst>
+              <a:ext uri="{FF2B5EF4-FFF2-40B4-BE49-F238E27FC236}">
+                <a16:creationId xmlns:a16="http://schemas.microsoft.com/office/drawing/2014/main" id="{7397823E-4221-2244-A201-F79A89D75324}"/>
+              </a:ext>
+            </a:extLst>
+          </p:cNvPr>
+          <p:cNvSpPr/>
+          <p:nvPr/>
+        </p:nvSpPr>
+        <p:spPr>
+          <a:xfrm>
+            <a:off x="8067822" y="1666231"/>
+            <a:ext cx="2939267" cy="619769"/>
+          </a:xfrm>
+          <a:prstGeom prst="rect">
+            <a:avLst/>
+          </a:prstGeom>
+          <a:noFill/>
+          <a:ln w="28575">
+            <a:solidFill>
+              <a:srgbClr val="305FB1"/>
+            </a:solidFill>
+          </a:ln>
+        </p:spPr>
+        <p:style>
+          <a:lnRef idx="2">
+            <a:schemeClr val="accent1">
+              <a:shade val="50000"/>
+            </a:schemeClr>
+          </a:lnRef>
+          <a:fillRef idx="1">
+            <a:schemeClr val="accent1"/>
+          </a:fillRef>
+          <a:effectRef idx="0">
+            <a:schemeClr val="accent1"/>
+          </a:effectRef>
+          <a:fontRef idx="minor">
+            <a:schemeClr val="lt1"/>
+          </a:fontRef>
+        </p:style>
+        <p:txBody>
+          <a:bodyPr rtlCol="0" anchor="ctr"/>
+          <a:lstStyle/>
+          <a:p>
+            <a:pPr algn="ctr"/>
+            <a:endParaRPr lang="en-DE"/>
+          </a:p>
+        </p:txBody>
+      </p:sp>
+      <p:sp>
+        <p:nvSpPr>
+          <p:cNvPr id="55" name="Rectangle 54">
+            <a:extLst>
+              <a:ext uri="{FF2B5EF4-FFF2-40B4-BE49-F238E27FC236}">
+                <a16:creationId xmlns:a16="http://schemas.microsoft.com/office/drawing/2014/main" id="{4D251811-01DE-DC40-85E9-5ECBBBBA255B}"/>
+              </a:ext>
+            </a:extLst>
+          </p:cNvPr>
+          <p:cNvSpPr/>
+          <p:nvPr/>
+        </p:nvSpPr>
+        <p:spPr>
+          <a:xfrm>
+            <a:off x="8067821" y="4399177"/>
+            <a:ext cx="2939267" cy="619769"/>
+          </a:xfrm>
+          <a:prstGeom prst="rect">
+            <a:avLst/>
+          </a:prstGeom>
+          <a:noFill/>
+          <a:ln w="28575">
+            <a:solidFill>
+              <a:srgbClr val="305FB1"/>
+            </a:solidFill>
+          </a:ln>
+        </p:spPr>
+        <p:style>
+          <a:lnRef idx="2">
+            <a:schemeClr val="accent1">
+              <a:shade val="50000"/>
+            </a:schemeClr>
+          </a:lnRef>
+          <a:fillRef idx="1">
+            <a:schemeClr val="accent1"/>
+          </a:fillRef>
+          <a:effectRef idx="0">
+            <a:schemeClr val="accent1"/>
+          </a:effectRef>
+          <a:fontRef idx="minor">
+            <a:schemeClr val="lt1"/>
+          </a:fontRef>
+        </p:style>
+        <p:txBody>
+          <a:bodyPr rtlCol="0" anchor="ctr"/>
+          <a:lstStyle/>
+          <a:p>
+            <a:pPr algn="ctr"/>
+            <a:endParaRPr lang="en-DE"/>
+          </a:p>
+        </p:txBody>
+      </p:sp>
+      <p:cxnSp>
+        <p:nvCxnSpPr>
+          <p:cNvPr id="15" name="Straight Arrow Connector 14">
+            <a:extLst>
+              <a:ext uri="{FF2B5EF4-FFF2-40B4-BE49-F238E27FC236}">
+                <a16:creationId xmlns:a16="http://schemas.microsoft.com/office/drawing/2014/main" id="{16AE2CAA-5C34-2B4B-AB01-51669FA8E86F}"/>
+              </a:ext>
+            </a:extLst>
+          </p:cNvPr>
+          <p:cNvCxnSpPr>
+            <a:stCxn id="12" idx="0"/>
+          </p:cNvCxnSpPr>
+          <p:nvPr/>
+        </p:nvCxnSpPr>
+        <p:spPr>
+          <a:xfrm flipV="1">
+            <a:off x="5868118" y="843148"/>
+            <a:ext cx="0" cy="1880038"/>
+          </a:xfrm>
+          <a:prstGeom prst="straightConnector1">
+            <a:avLst/>
+          </a:prstGeom>
+          <a:ln w="28575">
+            <a:tailEnd type="triangle"/>
+          </a:ln>
+        </p:spPr>
+        <p:style>
+          <a:lnRef idx="1">
+            <a:schemeClr val="accent1"/>
+          </a:lnRef>
+          <a:fillRef idx="0">
+            <a:schemeClr val="accent1"/>
+          </a:fillRef>
+          <a:effectRef idx="0">
+            <a:schemeClr val="accent1"/>
+          </a:effectRef>
+          <a:fontRef idx="minor">
+            <a:schemeClr val="tx1"/>
+          </a:fontRef>
+        </p:style>
+      </p:cxnSp>
+      <p:cxnSp>
+        <p:nvCxnSpPr>
+          <p:cNvPr id="59" name="Straight Arrow Connector 58">
+            <a:extLst>
+              <a:ext uri="{FF2B5EF4-FFF2-40B4-BE49-F238E27FC236}">
+                <a16:creationId xmlns:a16="http://schemas.microsoft.com/office/drawing/2014/main" id="{CF8DA89E-18C2-354D-A504-22179762CE41}"/>
+              </a:ext>
+            </a:extLst>
+          </p:cNvPr>
+          <p:cNvCxnSpPr>
+            <a:cxnSpLocks/>
+            <a:stCxn id="54" idx="0"/>
+          </p:cNvCxnSpPr>
+          <p:nvPr/>
+        </p:nvCxnSpPr>
+        <p:spPr>
+          <a:xfrm flipH="1" flipV="1">
+            <a:off x="9537454" y="843148"/>
+            <a:ext cx="2" cy="823083"/>
+          </a:xfrm>
+          <a:prstGeom prst="straightConnector1">
+            <a:avLst/>
+          </a:prstGeom>
+          <a:ln w="28575">
+            <a:tailEnd type="triangle"/>
+          </a:ln>
+        </p:spPr>
+        <p:style>
+          <a:lnRef idx="1">
+            <a:schemeClr val="accent1"/>
+          </a:lnRef>
+          <a:fillRef idx="0">
+            <a:schemeClr val="accent1"/>
+          </a:fillRef>
+          <a:effectRef idx="0">
+            <a:schemeClr val="accent1"/>
+          </a:effectRef>
+          <a:fontRef idx="minor">
+            <a:schemeClr val="tx1"/>
+          </a:fontRef>
+        </p:style>
+      </p:cxnSp>
+      <p:cxnSp>
+        <p:nvCxnSpPr>
+          <p:cNvPr id="62" name="Straight Arrow Connector 61">
+            <a:extLst>
+              <a:ext uri="{FF2B5EF4-FFF2-40B4-BE49-F238E27FC236}">
+                <a16:creationId xmlns:a16="http://schemas.microsoft.com/office/drawing/2014/main" id="{D7BC2BB5-176B-F743-A520-11B5A2CA3EAA}"/>
+              </a:ext>
+            </a:extLst>
+          </p:cNvPr>
+          <p:cNvCxnSpPr>
+            <a:cxnSpLocks/>
+          </p:cNvCxnSpPr>
+          <p:nvPr/>
+        </p:nvCxnSpPr>
+        <p:spPr>
+          <a:xfrm flipH="1">
+            <a:off x="9538818" y="5018946"/>
+            <a:ext cx="1" cy="571658"/>
+          </a:xfrm>
+          <a:prstGeom prst="straightConnector1">
+            <a:avLst/>
+          </a:prstGeom>
+          <a:ln w="28575">
+            <a:tailEnd type="triangle"/>
+          </a:ln>
+        </p:spPr>
+        <p:style>
+          <a:lnRef idx="1">
+            <a:schemeClr val="accent1"/>
+          </a:lnRef>
+          <a:fillRef idx="0">
+            <a:schemeClr val="accent1"/>
+          </a:fillRef>
+          <a:effectRef idx="0">
+            <a:schemeClr val="accent1"/>
+          </a:effectRef>
+          <a:fontRef idx="minor">
+            <a:schemeClr val="tx1"/>
+          </a:fontRef>
+        </p:style>
+      </p:cxnSp>
+      <p:sp>
+        <p:nvSpPr>
+          <p:cNvPr id="65" name="TextBox 64">
+            <a:extLst>
+              <a:ext uri="{FF2B5EF4-FFF2-40B4-BE49-F238E27FC236}">
+                <a16:creationId xmlns:a16="http://schemas.microsoft.com/office/drawing/2014/main" id="{DC4F590C-55FA-A444-8EEB-B817218ACAF6}"/>
+              </a:ext>
+            </a:extLst>
+          </p:cNvPr>
+          <p:cNvSpPr txBox="1"/>
+          <p:nvPr/>
+        </p:nvSpPr>
+        <p:spPr>
+          <a:xfrm>
+            <a:off x="4424285" y="319928"/>
+            <a:ext cx="2887665" cy="523220"/>
+          </a:xfrm>
+          <a:prstGeom prst="rect">
+            <a:avLst/>
+          </a:prstGeom>
+          <a:noFill/>
+        </p:spPr>
+        <p:txBody>
+          <a:bodyPr wrap="square" rtlCol="0">
+            <a:spAutoFit/>
+          </a:bodyPr>
+          <a:lstStyle/>
+          <a:p>
+            <a:pPr algn="ctr"/>
+            <a:r>
+              <a:rPr lang="en-DE" sz="1400" b="1" dirty="0">
+                <a:latin typeface="Fira Sans" panose="020B0503050000020004" pitchFamily="34" charset="0"/>
+              </a:rPr>
+              <a:t>Link to the state of the GitHub repository at the latest release  </a:t>
+            </a:r>
+          </a:p>
+        </p:txBody>
+      </p:sp>
+      <p:sp>
+        <p:nvSpPr>
+          <p:cNvPr id="66" name="TextBox 65">
+            <a:extLst>
+              <a:ext uri="{FF2B5EF4-FFF2-40B4-BE49-F238E27FC236}">
+                <a16:creationId xmlns:a16="http://schemas.microsoft.com/office/drawing/2014/main" id="{B6B8F57F-0A0B-2E40-AF7E-735899599476}"/>
+              </a:ext>
+            </a:extLst>
+          </p:cNvPr>
+          <p:cNvSpPr txBox="1"/>
+          <p:nvPr/>
+        </p:nvSpPr>
+        <p:spPr>
+          <a:xfrm>
+            <a:off x="8067821" y="535371"/>
+            <a:ext cx="2887665" cy="307777"/>
+          </a:xfrm>
+          <a:prstGeom prst="rect">
+            <a:avLst/>
+          </a:prstGeom>
+          <a:noFill/>
+        </p:spPr>
+        <p:txBody>
+          <a:bodyPr wrap="square" rtlCol="0">
+            <a:spAutoFit/>
+          </a:bodyPr>
+          <a:lstStyle/>
+          <a:p>
+            <a:pPr algn="ctr"/>
+            <a:r>
+              <a:rPr lang="en-DE" sz="1400" b="1" dirty="0">
+                <a:latin typeface="Fira Sans" panose="020B0503050000020004" pitchFamily="34" charset="0"/>
+              </a:rPr>
+              <a:t>Latest Database Version DOI</a:t>
+            </a:r>
+          </a:p>
+        </p:txBody>
+      </p:sp>
+      <p:sp>
+        <p:nvSpPr>
+          <p:cNvPr id="74" name="TextBox 73">
+            <a:extLst>
+              <a:ext uri="{FF2B5EF4-FFF2-40B4-BE49-F238E27FC236}">
+                <a16:creationId xmlns:a16="http://schemas.microsoft.com/office/drawing/2014/main" id="{CEA45226-C4E0-0C43-A26F-A7AC1AF4CD96}"/>
+              </a:ext>
+            </a:extLst>
+          </p:cNvPr>
+          <p:cNvSpPr txBox="1"/>
+          <p:nvPr/>
+        </p:nvSpPr>
+        <p:spPr>
+          <a:xfrm>
+            <a:off x="8067820" y="5603558"/>
+            <a:ext cx="2887665" cy="523220"/>
+          </a:xfrm>
+          <a:prstGeom prst="rect">
+            <a:avLst/>
+          </a:prstGeom>
+          <a:noFill/>
+        </p:spPr>
+        <p:txBody>
+          <a:bodyPr wrap="square" rtlCol="0">
+            <a:spAutoFit/>
+          </a:bodyPr>
+          <a:lstStyle/>
+          <a:p>
+            <a:pPr algn="ctr"/>
+            <a:r>
+              <a:rPr lang="en-DE" sz="1400" b="1" dirty="0">
+                <a:latin typeface="Fira Sans" panose="020B0503050000020004" pitchFamily="34" charset="0"/>
+              </a:rPr>
+              <a:t>Overall Database DOI</a:t>
+            </a:r>
+          </a:p>
+          <a:p>
+            <a:pPr algn="ctr"/>
+            <a:r>
+              <a:rPr lang="en-DE" sz="1400" b="1" dirty="0">
+                <a:latin typeface="Fira Sans" panose="020B0503050000020004" pitchFamily="34" charset="0"/>
+              </a:rPr>
+              <a:t>(Concept DOI)</a:t>
+            </a:r>
+          </a:p>
+        </p:txBody>
+      </p:sp>
+      <p:sp>
+        <p:nvSpPr>
+          <p:cNvPr id="81" name="Rectangle 80">
+            <a:extLst>
+              <a:ext uri="{FF2B5EF4-FFF2-40B4-BE49-F238E27FC236}">
+                <a16:creationId xmlns:a16="http://schemas.microsoft.com/office/drawing/2014/main" id="{97358BC5-1F43-AD44-AE3F-C79AB23BCABA}"/>
+              </a:ext>
+            </a:extLst>
+          </p:cNvPr>
+          <p:cNvSpPr/>
+          <p:nvPr/>
+        </p:nvSpPr>
+        <p:spPr>
+          <a:xfrm>
+            <a:off x="1104405" y="2723185"/>
+            <a:ext cx="3800103" cy="1675991"/>
+          </a:xfrm>
+          <a:prstGeom prst="rect">
+            <a:avLst/>
+          </a:prstGeom>
+          <a:noFill/>
+          <a:ln w="28575">
+            <a:solidFill>
+              <a:srgbClr val="305FB1"/>
+            </a:solidFill>
+          </a:ln>
+        </p:spPr>
+        <p:style>
+          <a:lnRef idx="2">
+            <a:schemeClr val="accent1">
+              <a:shade val="50000"/>
+            </a:schemeClr>
+          </a:lnRef>
+          <a:fillRef idx="1">
+            <a:schemeClr val="accent1"/>
+          </a:fillRef>
+          <a:effectRef idx="0">
+            <a:schemeClr val="accent1"/>
+          </a:effectRef>
+          <a:fontRef idx="minor">
+            <a:schemeClr val="lt1"/>
+          </a:fontRef>
+        </p:style>
+        <p:txBody>
+          <a:bodyPr rtlCol="0" anchor="ctr"/>
+          <a:lstStyle/>
+          <a:p>
+            <a:pPr algn="ctr"/>
+            <a:endParaRPr lang="en-DE"/>
+          </a:p>
+        </p:txBody>
+      </p:sp>
+      <p:cxnSp>
+        <p:nvCxnSpPr>
+          <p:cNvPr id="83" name="Straight Arrow Connector 82">
+            <a:extLst>
+              <a:ext uri="{FF2B5EF4-FFF2-40B4-BE49-F238E27FC236}">
+                <a16:creationId xmlns:a16="http://schemas.microsoft.com/office/drawing/2014/main" id="{181A1B13-1A6A-B549-834A-7B66665670E6}"/>
+              </a:ext>
+            </a:extLst>
+          </p:cNvPr>
+          <p:cNvCxnSpPr>
+            <a:cxnSpLocks/>
+            <a:endCxn id="84" idx="0"/>
+          </p:cNvCxnSpPr>
+          <p:nvPr/>
+        </p:nvCxnSpPr>
+        <p:spPr>
+          <a:xfrm>
+            <a:off x="3099188" y="4399176"/>
+            <a:ext cx="0" cy="1204382"/>
+          </a:xfrm>
+          <a:prstGeom prst="straightConnector1">
+            <a:avLst/>
+          </a:prstGeom>
+          <a:ln w="28575">
+            <a:tailEnd type="triangle"/>
+          </a:ln>
+        </p:spPr>
+        <p:style>
+          <a:lnRef idx="1">
+            <a:schemeClr val="accent1"/>
+          </a:lnRef>
+          <a:fillRef idx="0">
+            <a:schemeClr val="accent1"/>
+          </a:fillRef>
+          <a:effectRef idx="0">
+            <a:schemeClr val="accent1"/>
+          </a:effectRef>
+          <a:fontRef idx="minor">
+            <a:schemeClr val="tx1"/>
+          </a:fontRef>
+        </p:style>
+      </p:cxnSp>
+      <p:sp>
+        <p:nvSpPr>
+          <p:cNvPr id="84" name="TextBox 83">
+            <a:extLst>
+              <a:ext uri="{FF2B5EF4-FFF2-40B4-BE49-F238E27FC236}">
+                <a16:creationId xmlns:a16="http://schemas.microsoft.com/office/drawing/2014/main" id="{26350BD7-0344-D84D-A55E-CF61EA169377}"/>
+              </a:ext>
+            </a:extLst>
+          </p:cNvPr>
+          <p:cNvSpPr txBox="1"/>
+          <p:nvPr/>
+        </p:nvSpPr>
+        <p:spPr>
+          <a:xfrm>
+            <a:off x="1655355" y="5603558"/>
+            <a:ext cx="2887665" cy="523220"/>
+          </a:xfrm>
+          <a:prstGeom prst="rect">
+            <a:avLst/>
+          </a:prstGeom>
+          <a:noFill/>
+        </p:spPr>
+        <p:txBody>
+          <a:bodyPr wrap="square" rtlCol="0">
+            <a:spAutoFit/>
+          </a:bodyPr>
+          <a:lstStyle/>
+          <a:p>
+            <a:pPr algn="ctr"/>
+            <a:r>
+              <a:rPr lang="en-DE" sz="1400" b="1" dirty="0">
+                <a:latin typeface="Fira Sans" panose="020B0503050000020004" pitchFamily="34" charset="0"/>
+              </a:rPr>
+              <a:t>”Frozen” Database Repository Contents</a:t>
+            </a:r>
+          </a:p>
+        </p:txBody>
+      </p:sp>
+    </p:spTree>
+    <p:extLst>
+      <p:ext uri="{BB962C8B-B14F-4D97-AF65-F5344CB8AC3E}">
+        <p14:creationId xmlns:p14="http://schemas.microsoft.com/office/powerpoint/2010/main" val="1463820703"/>
+      </p:ext>
+    </p:extLst>
+  </p:cSld>
+  <p:clrMapOvr>
+    <a:masterClrMapping/>
+  </p:clrMapOvr>
+</p:sld>
+</file>
+
 <file path=ppt/theme/theme1.xml><?xml version="1.0" encoding="utf-8"?>
 <a:theme xmlns:a="http://schemas.openxmlformats.org/drawingml/2006/main" name="Office Theme">
   <a:themeElements>
